--- a/Workshop4.pptx
+++ b/Workshop4.pptx
@@ -5,7 +5,7 @@
     <p:sldMasterId id="2147483648" r:id="rId1"/>
   </p:sldMasterIdLst>
   <p:notesMasterIdLst>
-    <p:NotesMasterId r:id="rId40"/>
+    <p:NotesMasterId r:id="rId39"/>
   </p:notesMasterIdLst>
   <p:sldIdLst>
     <p:sldId id="256" r:id="rId2"/>
@@ -45,7 +45,6 @@
     <p:sldId id="290" r:id="rId36"/>
     <p:sldId id="291" r:id="rId37"/>
     <p:sldId id="292" r:id="rId38"/>
-    <p:sldId id="293" r:id="rId39"/>
   </p:sldIdLst>
   <p:sldSz cx="12192000" cy="6858000"/>
   <p:notesSz cx="6858000" cy="9144000"/>
@@ -773,7 +772,7 @@
           <a:p>
             <a:fld id="{18BDFEC3-8487-43E8-A154-7C12CBC1FFF2}" type="slidenum">
               <a:rPr lang="en-US"/>
-              <a:t>8</a:t>
+              <a:t>9</a:t>
             </a:fld>
             <a:endParaRPr lang="en-US"/>
           </a:p>
@@ -975,7 +974,7 @@
           <a:p>
             <a:fld id="{18BDFEC3-8487-43E8-A154-7C12CBC1FFF2}" type="slidenum">
               <a:rPr lang="en-US"/>
-              <a:t>9</a:t>
+              <a:t>10</a:t>
             </a:fld>
             <a:endParaRPr lang="en-US"/>
           </a:p>
@@ -1105,7 +1104,7 @@
           <a:p>
             <a:fld id="{18BDFEC3-8487-43E8-A154-7C12CBC1FFF2}" type="slidenum">
               <a:rPr lang="en-US"/>
-              <a:t>10</a:t>
+              <a:t>11</a:t>
             </a:fld>
             <a:endParaRPr lang="en-US"/>
           </a:p>
@@ -1269,7 +1268,7 @@
           <a:p>
             <a:fld id="{18BDFEC3-8487-43E8-A154-7C12CBC1FFF2}" type="slidenum">
               <a:rPr lang="en-US"/>
-              <a:t>11</a:t>
+              <a:t>12</a:t>
             </a:fld>
             <a:endParaRPr lang="en-US"/>
           </a:p>
@@ -1383,7 +1382,7 @@
           <a:p>
             <a:fld id="{18BDFEC3-8487-43E8-A154-7C12CBC1FFF2}" type="slidenum">
               <a:rPr lang="en-US"/>
-              <a:t>12</a:t>
+              <a:t>13</a:t>
             </a:fld>
             <a:endParaRPr lang="en-US"/>
           </a:p>
@@ -1537,7 +1536,121 @@
           <a:p>
             <a:fld id="{18BDFEC3-8487-43E8-A154-7C12CBC1FFF2}" type="slidenum">
               <a:rPr lang="en-US"/>
-              <a:t>31</a:t>
+              <a:t>30</a:t>
+            </a:fld>
+            <a:endParaRPr lang="en-US"/>
+          </a:p>
+        </p:txBody>
+      </p:sp>
+    </p:spTree>
+  </p:cSld>
+</p:notes>
+</file>
+
+<file path=ppt/notesSlides/notesSlide7.xml><?xml version="1.0" encoding="utf-8"?>
+<p:notes xmlns:a="http://schemas.openxmlformats.org/drawingml/2006/main" xmlns:r="http://schemas.openxmlformats.org/officeDocument/2006/relationships" xmlns:p="http://schemas.openxmlformats.org/presentationml/2006/main">
+  <p:cSld>
+    <p:spTree>
+      <p:nvGrpSpPr>
+        <p:cNvPr id="1" name=""/>
+        <p:cNvGrpSpPr/>
+        <p:nvPr/>
+      </p:nvGrpSpPr>
+      <p:grpSpPr>
+        <a:xfrm>
+          <a:off x="0" y="0"/>
+          <a:ext cx="0" cy="0"/>
+          <a:chOff x="0" y="0"/>
+          <a:chExt cx="0" cy="0"/>
+        </a:xfrm>
+      </p:grpSpPr>
+      <p:sp>
+        <p:nvSpPr>
+          <p:cNvPr id="2" name="Slide Image Placeholder 1"/>
+          <p:cNvSpPr>
+            <a:spLocks noGrp="1" noRot="1" noChangeAspect="1"/>
+          </p:cNvSpPr>
+          <p:nvPr>
+            <p:ph type="sldImg"/>
+          </p:nvPr>
+        </p:nvSpPr>
+        <p:spPr/>
+      </p:sp>
+      <p:sp>
+        <p:nvSpPr>
+          <p:cNvPr id="3" name="Notes Placeholder 2"/>
+          <p:cNvSpPr>
+            <a:spLocks noGrp="1"/>
+          </p:cNvSpPr>
+          <p:nvPr>
+            <p:ph type="body" idx="1"/>
+          </p:nvPr>
+        </p:nvSpPr>
+        <p:spPr/>
+        <p:txBody>
+          <a:bodyPr/>
+          <a:lstStyle/>
+          <a:p>
+            <a:pPr lvl="0" marL="0" indent="0">
+              <a:buNone/>
+            </a:pPr>
+            <a:r>
+              <a:rPr/>
+              <a:t>Get</a:t>
+            </a:r>
+            <a:r>
+              <a:rPr/>
+              <a:t> </a:t>
+            </a:r>
+            <a:r>
+              <a:rPr/>
+              <a:t>them</a:t>
+            </a:r>
+            <a:r>
+              <a:rPr/>
+              <a:t> </a:t>
+            </a:r>
+            <a:r>
+              <a:rPr/>
+              <a:t>to</a:t>
+            </a:r>
+            <a:r>
+              <a:rPr/>
+              <a:t> </a:t>
+            </a:r>
+            <a:r>
+              <a:rPr/>
+              <a:t>do</a:t>
+            </a:r>
+            <a:r>
+              <a:rPr/>
+              <a:t> </a:t>
+            </a:r>
+            <a:r>
+              <a:rPr/>
+              <a:t>this.</a:t>
+            </a:r>
+          </a:p>
+        </p:txBody>
+      </p:sp>
+      <p:sp>
+        <p:nvSpPr>
+          <p:cNvPr id="4" name="Slide Number Placeholder 3"/>
+          <p:cNvSpPr>
+            <a:spLocks noGrp="1"/>
+          </p:cNvSpPr>
+          <p:nvPr>
+            <p:ph type="sldNum" sz="quarter" idx="10"/>
+          </p:nvPr>
+        </p:nvSpPr>
+        <p:spPr/>
+        <p:txBody>
+          <a:bodyPr/>
+          <a:lstStyle/>
+          <a:p>
+            <a:fld id="{18BDFEC3-8487-43E8-A154-7C12CBC1FFF2}" type="slidenum">
+              <a:rPr lang="en-US"/>
+              <a:t>33</a:t>
             </a:fld>
             <a:endParaRPr lang="en-US"/>
           </a:p>
@@ -4888,31 +5001,7 @@
             </a:pPr>
             <a:r>
               <a:rPr/>
-              <a:t>Example</a:t>
-            </a:r>
-            <a:r>
-              <a:rPr/>
-              <a:t> </a:t>
-            </a:r>
-            <a:r>
-              <a:rPr/>
-              <a:t>of</a:t>
-            </a:r>
-            <a:r>
-              <a:rPr/>
-              <a:t> </a:t>
-            </a:r>
-            <a:r>
-              <a:rPr/>
-              <a:t>using</a:t>
-            </a:r>
-            <a:r>
-              <a:rPr/>
-              <a:t> </a:t>
-            </a:r>
-            <a:r>
-              <a:rPr/>
-              <a:t>logical</a:t>
+              <a:t>Logical</a:t>
             </a:r>
             <a:r>
               <a:rPr/>
@@ -4948,19 +5037,106 @@
           <a:p>
             <a:pPr lvl="1"/>
             <a:r>
-              <a:rPr sz="1800">
-                <a:latin typeface="Courier"/>
-              </a:rPr>
-              <a:t>age &gt;= 18</a:t>
+              <a:rPr/>
+              <a:t>You use them to compare values</a:t>
+            </a:r>
+          </a:p>
+          <a:p>
+            <a:pPr lvl="2"/>
+            <a:r>
+              <a:rPr sz="1800">
+                <a:latin typeface="Courier"/>
+              </a:rPr>
+              <a:t>==</a:t>
+            </a:r>
+            <a:r>
+              <a:rPr/>
+              <a:t> (equal to)</a:t>
+            </a:r>
+          </a:p>
+          <a:p>
+            <a:pPr lvl="2"/>
+            <a:r>
+              <a:rPr sz="1800">
+                <a:latin typeface="Courier"/>
+              </a:rPr>
+              <a:t>!=</a:t>
+            </a:r>
+            <a:r>
+              <a:rPr/>
+              <a:t> (not equal to)</a:t>
+            </a:r>
+          </a:p>
+          <a:p>
+            <a:pPr lvl="2"/>
+            <a:r>
+              <a:rPr sz="1800">
+                <a:latin typeface="Courier"/>
+              </a:rPr>
+              <a:t>&gt;, &lt;</a:t>
+            </a:r>
+            <a:r>
+              <a:rPr/>
+              <a:t> (greater than, less than)</a:t>
+            </a:r>
+          </a:p>
+          <a:p>
+            <a:pPr lvl="2"/>
+            <a:r>
+              <a:rPr sz="1800">
+                <a:latin typeface="Courier"/>
+              </a:rPr>
+              <a:t>&gt;=, &lt;=</a:t>
+            </a:r>
+            <a:r>
+              <a:rPr/>
+              <a:t> (greater than or equal to, less than or equal to)</a:t>
+            </a:r>
+          </a:p>
+          <a:p>
+            <a:pPr lvl="2"/>
+            <a:r>
+              <a:rPr sz="1800">
+                <a:latin typeface="Courier"/>
+              </a:rPr>
+              <a:t>is.na()</a:t>
+            </a:r>
+            <a:r>
+              <a:rPr/>
+              <a:t> (is the value missing)</a:t>
             </a:r>
           </a:p>
           <a:p>
             <a:pPr lvl="1"/>
             <a:r>
-              <a:rPr sz="1800">
-                <a:latin typeface="Courier"/>
-              </a:rPr>
-              <a:t>age &gt;= 18 &amp; age &lt;= 60</a:t>
+              <a:rPr/>
+              <a:t>More than one condition?</a:t>
+            </a:r>
+          </a:p>
+          <a:p>
+            <a:pPr lvl="2"/>
+            <a:r>
+              <a:rPr sz="1800">
+                <a:latin typeface="Courier"/>
+              </a:rPr>
+              <a:t>&amp;</a:t>
+            </a:r>
+            <a:r>
+              <a:rPr/>
+              <a:t> (and)</a:t>
+            </a:r>
+          </a:p>
+          <a:p>
+            <a:pPr lvl="2"/>
+            <a:r>
+              <a:rPr sz="1800">
+                <a:latin typeface="Courier"/>
+              </a:rPr>
+              <a:t>|</a:t>
+            </a:r>
+            <a:r>
+              <a:rPr/>
+              <a:t> (or)</a:t>
             </a:r>
           </a:p>
         </p:txBody>
@@ -5013,7 +5189,39 @@
             </a:pPr>
             <a:r>
               <a:rPr/>
-              <a:t>Filter</a:t>
+              <a:t>Example</a:t>
+            </a:r>
+            <a:r>
+              <a:rPr/>
+              <a:t> </a:t>
+            </a:r>
+            <a:r>
+              <a:rPr/>
+              <a:t>of</a:t>
+            </a:r>
+            <a:r>
+              <a:rPr/>
+              <a:t> </a:t>
+            </a:r>
+            <a:r>
+              <a:rPr/>
+              <a:t>using</a:t>
+            </a:r>
+            <a:r>
+              <a:rPr/>
+              <a:t> </a:t>
+            </a:r>
+            <a:r>
+              <a:rPr/>
+              <a:t>logical</a:t>
+            </a:r>
+            <a:r>
+              <a:rPr/>
+              <a:t> </a:t>
+            </a:r>
+            <a:r>
+              <a:rPr/>
+              <a:t>operators</a:t>
             </a:r>
           </a:p>
         </p:txBody>
@@ -5039,108 +5247,21 @@
           <a:bodyPr/>
           <a:lstStyle/>
           <a:p>
-            <a:pPr lvl="0" marL="0" indent="0">
-              <a:buNone/>
-            </a:pPr>
-            <a:r>
-              <a:rPr/>
-              <a:t>Choose rows based on the conditions you specify.</a:t>
-            </a:r>
-          </a:p>
-          <a:p>
-            <a:pPr lvl="0" marL="1270000" indent="0">
-              <a:buNone/>
-            </a:pPr>
-            <a:r>
-              <a:rPr sz="1800">
-                <a:latin typeface="Courier"/>
-              </a:rPr>
-              <a:t>cchic </a:t>
-            </a:r>
-            <a:r>
-              <a:rPr sz="1800">
-                <a:solidFill>
-                  <a:srgbClr val="666666"/>
-                </a:solidFill>
-                <a:latin typeface="Courier"/>
-              </a:rPr>
-              <a:t>%&gt;%</a:t>
-            </a:r>
-            <a:r>
-              <a:rPr sz="1800">
-                <a:solidFill>
-                  <a:srgbClr val="4070A0"/>
-                </a:solidFill>
-                <a:latin typeface="Courier"/>
-              </a:rPr>
-              <a:t> </a:t>
-            </a:r>
-            <a:br/>
-            <a:r>
-              <a:rPr sz="1800">
-                <a:solidFill>
-                  <a:srgbClr val="4070A0"/>
-                </a:solidFill>
-                <a:latin typeface="Courier"/>
-              </a:rPr>
-              <a:t>  </a:t>
-            </a:r>
-            <a:r>
-              <a:rPr sz="1800" b="1">
-                <a:solidFill>
-                  <a:srgbClr val="007020"/>
-                </a:solidFill>
-                <a:latin typeface="Courier"/>
-              </a:rPr>
-              <a:t>filter</a:t>
-            </a:r>
-            <a:r>
-              <a:rPr sz="1800">
-                <a:latin typeface="Courier"/>
-              </a:rPr>
-              <a:t>(age_years </a:t>
-            </a:r>
-            <a:r>
-              <a:rPr sz="1800">
-                <a:solidFill>
-                  <a:srgbClr val="666666"/>
-                </a:solidFill>
-                <a:latin typeface="Courier"/>
-              </a:rPr>
-              <a:t>&gt;=</a:t>
-            </a:r>
-            <a:r>
-              <a:rPr sz="1800">
-                <a:solidFill>
-                  <a:srgbClr val="4070A0"/>
-                </a:solidFill>
-                <a:latin typeface="Courier"/>
-              </a:rPr>
-              <a:t> </a:t>
-            </a:r>
-            <a:r>
-              <a:rPr sz="1800">
-                <a:solidFill>
-                  <a:srgbClr val="40A070"/>
-                </a:solidFill>
-                <a:latin typeface="Courier"/>
-              </a:rPr>
-              <a:t>65</a:t>
-            </a:r>
-            <a:r>
-              <a:rPr sz="1800">
-                <a:latin typeface="Courier"/>
-              </a:rPr>
-              <a:t>)</a:t>
-            </a:r>
-          </a:p>
-          <a:p>
-            <a:pPr lvl="0" marL="0" indent="0">
-              <a:buNone/>
-            </a:pPr>
-            <a:r>
-              <a:rPr/>
-              <a:t>The output is a data frame where all patients are 65 years or older.</a:t>
+            <a:pPr lvl="1"/>
+            <a:r>
+              <a:rPr sz="1800">
+                <a:latin typeface="Courier"/>
+              </a:rPr>
+              <a:t>age &gt;= 18</a:t>
+            </a:r>
+          </a:p>
+          <a:p>
+            <a:pPr lvl="1"/>
+            <a:r>
+              <a:rPr sz="1800">
+                <a:latin typeface="Courier"/>
+              </a:rPr>
+              <a:t>age &gt;= 18 &amp; age &lt;= 60</a:t>
             </a:r>
           </a:p>
         </p:txBody>
@@ -5193,7 +5314,7 @@
             </a:pPr>
             <a:r>
               <a:rPr/>
-              <a:t>Select</a:t>
+              <a:t>Filter</a:t>
             </a:r>
           </a:p>
         </p:txBody>
@@ -5224,7 +5345,7 @@
             </a:pPr>
             <a:r>
               <a:rPr/>
-              <a:t>Allows you to choose specific variables from your dataset.</a:t>
+              <a:t>Choose rows based on the conditions you specify.</a:t>
             </a:r>
           </a:p>
           <a:p>
@@ -5246,6 +5367,7 @@
               </a:rPr>
               <a:t>%&gt;%</a:t>
             </a:r>
+            <a:br/>
             <a:r>
               <a:rPr sz="1800">
                 <a:solidFill>
@@ -5253,9 +5375,32 @@
                 </a:solidFill>
                 <a:latin typeface="Courier"/>
               </a:rPr>
-              <a:t> </a:t>
-            </a:r>
-            <a:br/>
+              <a:t>  </a:t>
+            </a:r>
+            <a:r>
+              <a:rPr sz="1800" b="1">
+                <a:solidFill>
+                  <a:srgbClr val="007020"/>
+                </a:solidFill>
+                <a:latin typeface="Courier"/>
+              </a:rPr>
+              <a:t>filter</a:t>
+            </a:r>
+            <a:r>
+              <a:rPr sz="1800">
+                <a:latin typeface="Courier"/>
+              </a:rPr>
+              <a:t>(age_years </a:t>
+            </a:r>
+            <a:r>
+              <a:rPr sz="1800">
+                <a:solidFill>
+                  <a:srgbClr val="666666"/>
+                </a:solidFill>
+                <a:latin typeface="Courier"/>
+              </a:rPr>
+              <a:t>&gt;=</a:t>
+            </a:r>
             <a:r>
               <a:rPr sz="1800">
                 <a:solidFill>
@@ -5263,22 +5408,22 @@
                 </a:solidFill>
                 <a:latin typeface="Courier"/>
               </a:rPr>
-              <a:t>  </a:t>
-            </a:r>
-            <a:r>
-              <a:rPr sz="1800" b="1">
-                <a:solidFill>
-                  <a:srgbClr val="007020"/>
-                </a:solidFill>
-                <a:latin typeface="Courier"/>
-              </a:rPr>
-              <a:t>select</a:t>
-            </a:r>
-            <a:r>
-              <a:rPr sz="1800">
-                <a:latin typeface="Courier"/>
-              </a:rPr>
-              <a:t>(sex)</a:t>
+              <a:t> </a:t>
+            </a:r>
+            <a:r>
+              <a:rPr sz="1800">
+                <a:solidFill>
+                  <a:srgbClr val="40A070"/>
+                </a:solidFill>
+                <a:latin typeface="Courier"/>
+              </a:rPr>
+              <a:t>65</a:t>
+            </a:r>
+            <a:r>
+              <a:rPr sz="1800">
+                <a:latin typeface="Courier"/>
+              </a:rPr>
+              <a:t>)</a:t>
             </a:r>
           </a:p>
           <a:p>
@@ -5287,7 +5432,7 @@
             </a:pPr>
             <a:r>
               <a:rPr/>
-              <a:t>Output is a data frame with the gender of all patients.</a:t>
+              <a:t>The output is a data frame where all patients are 65 years or older.</a:t>
             </a:r>
           </a:p>
         </p:txBody>
@@ -5340,220 +5485,92 @@
             </a:pPr>
             <a:r>
               <a:rPr/>
-              <a:t>Using</a:t>
-            </a:r>
-            <a:r>
-              <a:rPr/>
-              <a:t> </a:t>
-            </a:r>
-            <a:r>
-              <a:rPr/>
-              <a:t>filter</a:t>
-            </a:r>
-            <a:r>
-              <a:rPr/>
-              <a:t> </a:t>
-            </a:r>
-            <a:r>
-              <a:rPr/>
-              <a:t>and</a:t>
-            </a:r>
-            <a:r>
-              <a:rPr/>
-              <a:t> </a:t>
-            </a:r>
-            <a:r>
-              <a:rPr/>
+              <a:t>Select</a:t>
+            </a:r>
+          </a:p>
+        </p:txBody>
+      </p:sp>
+      <p:sp>
+        <p:nvSpPr>
+          <p:cNvPr id="3" name="Content Placeholder 2">
+            <a:extLst>
+              <a:ext uri="{FF2B5EF4-FFF2-40B4-BE49-F238E27FC236}">
+                <a16:creationId xmlns:a16="http://schemas.microsoft.com/office/drawing/2014/main" id="{D10DDA37-E46B-B641-BC9F-636CB92A2C08}"/>
+              </a:ext>
+            </a:extLst>
+          </p:cNvPr>
+          <p:cNvSpPr>
+            <a:spLocks noGrp="1"/>
+          </p:cNvSpPr>
+          <p:nvPr>
+            <p:ph idx="1"/>
+          </p:nvPr>
+        </p:nvSpPr>
+        <p:spPr/>
+        <p:txBody>
+          <a:bodyPr/>
+          <a:lstStyle/>
+          <a:p>
+            <a:pPr lvl="0" marL="0" indent="0">
+              <a:buNone/>
+            </a:pPr>
+            <a:r>
+              <a:rPr/>
+              <a:t>Allows you to choose specific variables from your dataset.</a:t>
+            </a:r>
+          </a:p>
+          <a:p>
+            <a:pPr lvl="0" marL="1270000" indent="0">
+              <a:buNone/>
+            </a:pPr>
+            <a:r>
+              <a:rPr sz="1800">
+                <a:latin typeface="Courier"/>
+              </a:rPr>
+              <a:t>cchic </a:t>
+            </a:r>
+            <a:r>
+              <a:rPr sz="1800">
+                <a:solidFill>
+                  <a:srgbClr val="666666"/>
+                </a:solidFill>
+                <a:latin typeface="Courier"/>
+              </a:rPr>
+              <a:t>%&gt;%</a:t>
+            </a:r>
+            <a:br/>
+            <a:r>
+              <a:rPr sz="1800">
+                <a:solidFill>
+                  <a:srgbClr val="4070A0"/>
+                </a:solidFill>
+                <a:latin typeface="Courier"/>
+              </a:rPr>
+              <a:t>  </a:t>
+            </a:r>
+            <a:r>
+              <a:rPr sz="1800" b="1">
+                <a:solidFill>
+                  <a:srgbClr val="007020"/>
+                </a:solidFill>
+                <a:latin typeface="Courier"/>
+              </a:rPr>
               <a:t>select</a:t>
             </a:r>
             <a:r>
-              <a:rPr/>
-              <a:t> </a:t>
-            </a:r>
-            <a:r>
-              <a:rPr/>
-              <a:t>together</a:t>
-            </a:r>
-          </a:p>
-        </p:txBody>
-      </p:sp>
-      <p:sp>
-        <p:nvSpPr>
-          <p:cNvPr id="3" name="Content Placeholder 2">
-            <a:extLst>
-              <a:ext uri="{FF2B5EF4-FFF2-40B4-BE49-F238E27FC236}">
-                <a16:creationId xmlns:a16="http://schemas.microsoft.com/office/drawing/2014/main" id="{D10DDA37-E46B-B641-BC9F-636CB92A2C08}"/>
-              </a:ext>
-            </a:extLst>
-          </p:cNvPr>
-          <p:cNvSpPr>
-            <a:spLocks noGrp="1"/>
-          </p:cNvSpPr>
-          <p:nvPr>
-            <p:ph idx="1"/>
-          </p:nvPr>
-        </p:nvSpPr>
-        <p:spPr/>
-        <p:txBody>
-          <a:bodyPr/>
-          <a:lstStyle/>
-          <a:p>
-            <a:pPr lvl="0" marL="1270000" indent="0">
+              <a:rPr sz="1800">
+                <a:latin typeface="Courier"/>
+              </a:rPr>
+              <a:t>(sex)</a:t>
+            </a:r>
+          </a:p>
+          <a:p>
+            <a:pPr lvl="0" marL="0" indent="0">
               <a:buNone/>
             </a:pPr>
             <a:r>
-              <a:rPr sz="1800">
-                <a:latin typeface="Courier"/>
-              </a:rPr>
-              <a:t>cchic </a:t>
-            </a:r>
-            <a:r>
-              <a:rPr sz="1800">
-                <a:solidFill>
-                  <a:srgbClr val="666666"/>
-                </a:solidFill>
-                <a:latin typeface="Courier"/>
-              </a:rPr>
-              <a:t>%&gt;%</a:t>
-            </a:r>
-            <a:r>
-              <a:rPr sz="1800">
-                <a:solidFill>
-                  <a:srgbClr val="4070A0"/>
-                </a:solidFill>
-                <a:latin typeface="Courier"/>
-              </a:rPr>
-              <a:t> </a:t>
-            </a:r>
-            <a:br/>
-            <a:r>
-              <a:rPr sz="1800">
-                <a:solidFill>
-                  <a:srgbClr val="4070A0"/>
-                </a:solidFill>
-                <a:latin typeface="Courier"/>
-              </a:rPr>
-              <a:t>  </a:t>
-            </a:r>
-            <a:r>
-              <a:rPr sz="1800" b="1">
-                <a:solidFill>
-                  <a:srgbClr val="007020"/>
-                </a:solidFill>
-                <a:latin typeface="Courier"/>
-              </a:rPr>
-              <a:t>filter</a:t>
-            </a:r>
-            <a:r>
-              <a:rPr sz="1800">
-                <a:latin typeface="Courier"/>
-              </a:rPr>
-              <a:t>(age_years </a:t>
-            </a:r>
-            <a:r>
-              <a:rPr sz="1800">
-                <a:solidFill>
-                  <a:srgbClr val="666666"/>
-                </a:solidFill>
-                <a:latin typeface="Courier"/>
-              </a:rPr>
-              <a:t>&gt;=</a:t>
-            </a:r>
-            <a:r>
-              <a:rPr sz="1800">
-                <a:solidFill>
-                  <a:srgbClr val="40A070"/>
-                </a:solidFill>
-                <a:latin typeface="Courier"/>
-              </a:rPr>
-              <a:t>65</a:t>
-            </a:r>
-            <a:r>
-              <a:rPr sz="1800">
-                <a:latin typeface="Courier"/>
-              </a:rPr>
-              <a:t>) </a:t>
-            </a:r>
-            <a:r>
-              <a:rPr sz="1800">
-                <a:solidFill>
-                  <a:srgbClr val="666666"/>
-                </a:solidFill>
-                <a:latin typeface="Courier"/>
-              </a:rPr>
-              <a:t>%&gt;%</a:t>
-            </a:r>
-            <a:r>
-              <a:rPr sz="1800">
-                <a:solidFill>
-                  <a:srgbClr val="4070A0"/>
-                </a:solidFill>
-                <a:latin typeface="Courier"/>
-              </a:rPr>
-              <a:t> </a:t>
-            </a:r>
-            <a:br/>
-            <a:r>
-              <a:rPr sz="1800">
-                <a:solidFill>
-                  <a:srgbClr val="4070A0"/>
-                </a:solidFill>
-                <a:latin typeface="Courier"/>
-              </a:rPr>
-              <a:t>  </a:t>
-            </a:r>
-            <a:r>
-              <a:rPr sz="1800" b="1">
-                <a:solidFill>
-                  <a:srgbClr val="007020"/>
-                </a:solidFill>
-                <a:latin typeface="Courier"/>
-              </a:rPr>
-              <a:t>select</a:t>
-            </a:r>
-            <a:r>
-              <a:rPr sz="1800">
-                <a:latin typeface="Courier"/>
-              </a:rPr>
-              <a:t>(sex)</a:t>
-            </a:r>
-          </a:p>
-          <a:p>
-            <a:pPr lvl="0" marL="0" indent="0">
-              <a:buNone/>
-            </a:pPr>
-            <a:r>
-              <a:rPr/>
-              <a:t>Output is the gender of patients who are 65 years or older.</a:t>
-            </a:r>
-          </a:p>
-          <a:p>
-            <a:pPr lvl="0" marL="0" indent="0">
-              <a:buNone/>
-            </a:pPr>
-            <a:r>
-              <a:rPr/>
-              <a:t>What happens if you do </a:t>
-            </a:r>
-            <a:r>
-              <a:rPr sz="1800">
-                <a:latin typeface="Courier"/>
-              </a:rPr>
-              <a:t>select()</a:t>
-            </a:r>
-            <a:r>
-              <a:rPr/>
-              <a:t> and then </a:t>
-            </a:r>
-            <a:r>
-              <a:rPr sz="1800">
-                <a:latin typeface="Courier"/>
-              </a:rPr>
-              <a:t>filter()</a:t>
-            </a:r>
-            <a:r>
-              <a:rPr/>
-              <a:t>? You have removed the age variable from the dataset, so you can’t filter based on age.</a:t>
+              <a:rPr/>
+              <a:t>Output is a data frame with the gender of all patients.</a:t>
             </a:r>
           </a:p>
         </p:txBody>
@@ -5606,31 +5623,39 @@
             </a:pPr>
             <a:r>
               <a:rPr/>
-              <a:t>Piped</a:t>
-            </a:r>
-            <a:r>
-              <a:rPr/>
-              <a:t> </a:t>
-            </a:r>
-            <a:r>
-              <a:rPr/>
-              <a:t>data</a:t>
-            </a:r>
-            <a:r>
-              <a:rPr/>
-              <a:t> </a:t>
-            </a:r>
-            <a:r>
-              <a:rPr/>
-              <a:t>with</a:t>
-            </a:r>
-            <a:r>
-              <a:rPr/>
-              <a:t> </a:t>
-            </a:r>
-            <a:r>
-              <a:rPr/>
-              <a:t>functions</a:t>
+              <a:t>Using</a:t>
+            </a:r>
+            <a:r>
+              <a:rPr/>
+              <a:t> </a:t>
+            </a:r>
+            <a:r>
+              <a:rPr/>
+              <a:t>filter</a:t>
+            </a:r>
+            <a:r>
+              <a:rPr/>
+              <a:t> </a:t>
+            </a:r>
+            <a:r>
+              <a:rPr/>
+              <a:t>and</a:t>
+            </a:r>
+            <a:r>
+              <a:rPr/>
+              <a:t> </a:t>
+            </a:r>
+            <a:r>
+              <a:rPr/>
+              <a:t>select</a:t>
+            </a:r>
+            <a:r>
+              <a:rPr/>
+              <a:t> </a:t>
+            </a:r>
+            <a:r>
+              <a:rPr/>
+              <a:t>together</a:t>
             </a:r>
           </a:p>
         </p:txBody>
@@ -5656,194 +5681,153 @@
           <a:bodyPr/>
           <a:lstStyle/>
           <a:p>
+            <a:pPr lvl="0" marL="1270000" indent="0">
+              <a:buNone/>
+            </a:pPr>
+            <a:r>
+              <a:rPr sz="1800">
+                <a:latin typeface="Courier"/>
+              </a:rPr>
+              <a:t>cchic </a:t>
+            </a:r>
+            <a:r>
+              <a:rPr sz="1800">
+                <a:solidFill>
+                  <a:srgbClr val="666666"/>
+                </a:solidFill>
+                <a:latin typeface="Courier"/>
+              </a:rPr>
+              <a:t>%&gt;%</a:t>
+            </a:r>
+            <a:br/>
+            <a:r>
+              <a:rPr sz="1800">
+                <a:solidFill>
+                  <a:srgbClr val="4070A0"/>
+                </a:solidFill>
+                <a:latin typeface="Courier"/>
+              </a:rPr>
+              <a:t>  </a:t>
+            </a:r>
+            <a:r>
+              <a:rPr sz="1800" b="1">
+                <a:solidFill>
+                  <a:srgbClr val="007020"/>
+                </a:solidFill>
+                <a:latin typeface="Courier"/>
+              </a:rPr>
+              <a:t>filter</a:t>
+            </a:r>
+            <a:r>
+              <a:rPr sz="1800">
+                <a:latin typeface="Courier"/>
+              </a:rPr>
+              <a:t>(age_years </a:t>
+            </a:r>
+            <a:r>
+              <a:rPr sz="1800">
+                <a:solidFill>
+                  <a:srgbClr val="666666"/>
+                </a:solidFill>
+                <a:latin typeface="Courier"/>
+              </a:rPr>
+              <a:t>&gt;=</a:t>
+            </a:r>
+            <a:r>
+              <a:rPr sz="1800">
+                <a:solidFill>
+                  <a:srgbClr val="4070A0"/>
+                </a:solidFill>
+                <a:latin typeface="Courier"/>
+              </a:rPr>
+              <a:t> </a:t>
+            </a:r>
+            <a:r>
+              <a:rPr sz="1800">
+                <a:solidFill>
+                  <a:srgbClr val="40A070"/>
+                </a:solidFill>
+                <a:latin typeface="Courier"/>
+              </a:rPr>
+              <a:t>65</a:t>
+            </a:r>
+            <a:r>
+              <a:rPr sz="1800">
+                <a:latin typeface="Courier"/>
+              </a:rPr>
+              <a:t>) </a:t>
+            </a:r>
+            <a:r>
+              <a:rPr sz="1800">
+                <a:solidFill>
+                  <a:srgbClr val="666666"/>
+                </a:solidFill>
+                <a:latin typeface="Courier"/>
+              </a:rPr>
+              <a:t>%&gt;%</a:t>
+            </a:r>
+            <a:br/>
+            <a:r>
+              <a:rPr sz="1800">
+                <a:solidFill>
+                  <a:srgbClr val="4070A0"/>
+                </a:solidFill>
+                <a:latin typeface="Courier"/>
+              </a:rPr>
+              <a:t>  </a:t>
+            </a:r>
+            <a:r>
+              <a:rPr sz="1800" b="1">
+                <a:solidFill>
+                  <a:srgbClr val="007020"/>
+                </a:solidFill>
+                <a:latin typeface="Courier"/>
+              </a:rPr>
+              <a:t>select</a:t>
+            </a:r>
+            <a:r>
+              <a:rPr sz="1800">
+                <a:latin typeface="Courier"/>
+              </a:rPr>
+              <a:t>(sex)</a:t>
+            </a:r>
+          </a:p>
+          <a:p>
             <a:pPr lvl="0" marL="0" indent="0">
               <a:buNone/>
             </a:pPr>
             <a:r>
               <a:rPr/>
-              <a:t>Piped data can be passed on to almost any function in R</a:t>
-            </a:r>
-          </a:p>
-          <a:p>
-            <a:pPr lvl="0" marL="1270000" indent="0">
+              <a:t>Output is the gender of patients who are 65 years or older.</a:t>
+            </a:r>
+          </a:p>
+          <a:p>
+            <a:pPr lvl="0" marL="0" indent="0">
               <a:buNone/>
             </a:pPr>
             <a:r>
-              <a:rPr sz="1800">
-                <a:latin typeface="Courier"/>
-              </a:rPr>
-              <a:t>cchic </a:t>
-            </a:r>
-            <a:r>
-              <a:rPr sz="1800">
-                <a:solidFill>
-                  <a:srgbClr val="666666"/>
-                </a:solidFill>
-                <a:latin typeface="Courier"/>
-              </a:rPr>
-              <a:t>%&gt;%</a:t>
-            </a:r>
-            <a:r>
-              <a:rPr sz="1800">
-                <a:solidFill>
-                  <a:srgbClr val="4070A0"/>
-                </a:solidFill>
-                <a:latin typeface="Courier"/>
-              </a:rPr>
-              <a:t> </a:t>
-            </a:r>
-            <a:br/>
-            <a:r>
-              <a:rPr sz="1800">
-                <a:solidFill>
-                  <a:srgbClr val="4070A0"/>
-                </a:solidFill>
-                <a:latin typeface="Courier"/>
-              </a:rPr>
-              <a:t>  </a:t>
-            </a:r>
-            <a:r>
-              <a:rPr sz="1800" b="1">
-                <a:solidFill>
-                  <a:srgbClr val="007020"/>
-                </a:solidFill>
-                <a:latin typeface="Courier"/>
-              </a:rPr>
-              <a:t>filter</a:t>
-            </a:r>
-            <a:r>
-              <a:rPr sz="1800">
-                <a:latin typeface="Courier"/>
-              </a:rPr>
-              <a:t>(age_years </a:t>
-            </a:r>
-            <a:r>
-              <a:rPr sz="1800">
-                <a:solidFill>
-                  <a:srgbClr val="666666"/>
-                </a:solidFill>
-                <a:latin typeface="Courier"/>
-              </a:rPr>
-              <a:t>&gt;=</a:t>
-            </a:r>
-            <a:r>
-              <a:rPr sz="1800">
-                <a:solidFill>
-                  <a:srgbClr val="4070A0"/>
-                </a:solidFill>
-                <a:latin typeface="Courier"/>
-              </a:rPr>
-              <a:t> </a:t>
-            </a:r>
-            <a:r>
-              <a:rPr sz="1800">
-                <a:solidFill>
-                  <a:srgbClr val="40A070"/>
-                </a:solidFill>
-                <a:latin typeface="Courier"/>
-              </a:rPr>
-              <a:t>65</a:t>
-            </a:r>
-            <a:r>
-              <a:rPr sz="1800">
-                <a:latin typeface="Courier"/>
-              </a:rPr>
-              <a:t>) </a:t>
-            </a:r>
-            <a:r>
-              <a:rPr sz="1800">
-                <a:solidFill>
-                  <a:srgbClr val="666666"/>
-                </a:solidFill>
-                <a:latin typeface="Courier"/>
-              </a:rPr>
-              <a:t>%&gt;%</a:t>
-            </a:r>
-            <a:r>
-              <a:rPr sz="1800">
-                <a:solidFill>
-                  <a:srgbClr val="4070A0"/>
-                </a:solidFill>
-                <a:latin typeface="Courier"/>
-              </a:rPr>
-              <a:t> </a:t>
-            </a:r>
-            <a:br/>
-            <a:r>
-              <a:rPr sz="1800">
-                <a:solidFill>
-                  <a:srgbClr val="4070A0"/>
-                </a:solidFill>
-                <a:latin typeface="Courier"/>
-              </a:rPr>
-              <a:t>  </a:t>
-            </a:r>
-            <a:r>
-              <a:rPr sz="1800" b="1">
-                <a:solidFill>
-                  <a:srgbClr val="007020"/>
-                </a:solidFill>
-                <a:latin typeface="Courier"/>
-              </a:rPr>
-              <a:t>select</a:t>
-            </a:r>
-            <a:r>
-              <a:rPr sz="1800">
-                <a:latin typeface="Courier"/>
-              </a:rPr>
-              <a:t>(sex) </a:t>
-            </a:r>
-            <a:r>
-              <a:rPr sz="1800">
-                <a:solidFill>
-                  <a:srgbClr val="666666"/>
-                </a:solidFill>
-                <a:latin typeface="Courier"/>
-              </a:rPr>
-              <a:t>%&gt;%</a:t>
-            </a:r>
-            <a:r>
-              <a:rPr sz="1800">
-                <a:solidFill>
-                  <a:srgbClr val="4070A0"/>
-                </a:solidFill>
-                <a:latin typeface="Courier"/>
-              </a:rPr>
-              <a:t> </a:t>
-            </a:r>
-            <a:br/>
-            <a:r>
-              <a:rPr sz="1800">
-                <a:solidFill>
-                  <a:srgbClr val="4070A0"/>
-                </a:solidFill>
-                <a:latin typeface="Courier"/>
-              </a:rPr>
-              <a:t>  </a:t>
-            </a:r>
-            <a:r>
-              <a:rPr sz="1800" b="1">
-                <a:solidFill>
-                  <a:srgbClr val="007020"/>
-                </a:solidFill>
-                <a:latin typeface="Courier"/>
-              </a:rPr>
-              <a:t>summary</a:t>
-            </a:r>
-            <a:r>
-              <a:rPr sz="1800">
-                <a:latin typeface="Courier"/>
-              </a:rPr>
-              <a:t>()</a:t>
-            </a:r>
-          </a:p>
-          <a:p>
-            <a:pPr lvl="0" marL="0" indent="0">
-              <a:buNone/>
-            </a:pPr>
-            <a:r>
-              <a:rPr/>
-              <a:t>Gives information on gender for patients older than 65.</a:t>
+              <a:rPr/>
+              <a:t>What happens if you do </a:t>
+            </a:r>
+            <a:r>
+              <a:rPr sz="1800">
+                <a:latin typeface="Courier"/>
+              </a:rPr>
+              <a:t>select()</a:t>
+            </a:r>
+            <a:r>
+              <a:rPr/>
+              <a:t> and then </a:t>
+            </a:r>
+            <a:r>
+              <a:rPr sz="1800">
+                <a:latin typeface="Courier"/>
+              </a:rPr>
+              <a:t>filter()</a:t>
+            </a:r>
+            <a:r>
+              <a:rPr/>
+              <a:t>? You have removed the age variable from the dataset, so you can’t filter based on age.</a:t>
             </a:r>
           </a:p>
         </p:txBody>
@@ -5896,31 +5880,31 @@
             </a:pPr>
             <a:r>
               <a:rPr/>
-              <a:t>Other</a:t>
-            </a:r>
-            <a:r>
-              <a:rPr/>
-              <a:t> </a:t>
-            </a:r>
-            <a:r>
-              <a:rPr/>
-              <a:t>dplyr</a:t>
-            </a:r>
-            <a:r>
-              <a:rPr/>
-              <a:t> </a:t>
-            </a:r>
-            <a:r>
-              <a:rPr/>
-              <a:t>wrangling</a:t>
-            </a:r>
-            <a:r>
-              <a:rPr/>
-              <a:t> </a:t>
-            </a:r>
-            <a:r>
-              <a:rPr/>
-              <a:t>verbs</a:t>
+              <a:t>Piped</a:t>
+            </a:r>
+            <a:r>
+              <a:rPr/>
+              <a:t> </a:t>
+            </a:r>
+            <a:r>
+              <a:rPr/>
+              <a:t>data</a:t>
+            </a:r>
+            <a:r>
+              <a:rPr/>
+              <a:t> </a:t>
+            </a:r>
+            <a:r>
+              <a:rPr/>
+              <a:t>with</a:t>
+            </a:r>
+            <a:r>
+              <a:rPr/>
+              <a:t> </a:t>
+            </a:r>
+            <a:r>
+              <a:rPr/>
+              <a:t>functions</a:t>
             </a:r>
           </a:p>
         </p:txBody>
@@ -5946,39 +5930,167 @@
           <a:bodyPr/>
           <a:lstStyle/>
           <a:p>
-            <a:pPr lvl="1"/>
-            <a:r>
-              <a:rPr sz="1800">
-                <a:latin typeface="Courier"/>
-              </a:rPr>
-              <a:t>filter()</a:t>
-            </a:r>
-          </a:p>
-          <a:p>
-            <a:pPr lvl="1"/>
-            <a:r>
-              <a:rPr sz="1800">
-                <a:latin typeface="Courier"/>
-              </a:rPr>
-              <a:t>select()</a:t>
-            </a:r>
-          </a:p>
-          <a:p>
-            <a:pPr lvl="1"/>
-            <a:r>
-              <a:rPr sz="1800">
-                <a:latin typeface="Courier"/>
-              </a:rPr>
-              <a:t>group_by()</a:t>
-            </a:r>
-          </a:p>
-          <a:p>
-            <a:pPr lvl="1"/>
-            <a:r>
-              <a:rPr sz="1800">
-                <a:latin typeface="Courier"/>
-              </a:rPr>
-              <a:t>summarise()</a:t>
+            <a:pPr lvl="0" marL="0" indent="0">
+              <a:buNone/>
+            </a:pPr>
+            <a:r>
+              <a:rPr/>
+              <a:t>Piped data can be passed on to almost any function in R</a:t>
+            </a:r>
+          </a:p>
+          <a:p>
+            <a:pPr lvl="0" marL="1270000" indent="0">
+              <a:buNone/>
+            </a:pPr>
+            <a:r>
+              <a:rPr sz="1800">
+                <a:latin typeface="Courier"/>
+              </a:rPr>
+              <a:t>cchic </a:t>
+            </a:r>
+            <a:r>
+              <a:rPr sz="1800">
+                <a:solidFill>
+                  <a:srgbClr val="666666"/>
+                </a:solidFill>
+                <a:latin typeface="Courier"/>
+              </a:rPr>
+              <a:t>%&gt;%</a:t>
+            </a:r>
+            <a:br/>
+            <a:r>
+              <a:rPr sz="1800">
+                <a:solidFill>
+                  <a:srgbClr val="4070A0"/>
+                </a:solidFill>
+                <a:latin typeface="Courier"/>
+              </a:rPr>
+              <a:t>  </a:t>
+            </a:r>
+            <a:r>
+              <a:rPr sz="1800" b="1">
+                <a:solidFill>
+                  <a:srgbClr val="007020"/>
+                </a:solidFill>
+                <a:latin typeface="Courier"/>
+              </a:rPr>
+              <a:t>filter</a:t>
+            </a:r>
+            <a:r>
+              <a:rPr sz="1800">
+                <a:latin typeface="Courier"/>
+              </a:rPr>
+              <a:t>(age_years </a:t>
+            </a:r>
+            <a:r>
+              <a:rPr sz="1800">
+                <a:solidFill>
+                  <a:srgbClr val="666666"/>
+                </a:solidFill>
+                <a:latin typeface="Courier"/>
+              </a:rPr>
+              <a:t>&gt;=</a:t>
+            </a:r>
+            <a:r>
+              <a:rPr sz="1800">
+                <a:solidFill>
+                  <a:srgbClr val="4070A0"/>
+                </a:solidFill>
+                <a:latin typeface="Courier"/>
+              </a:rPr>
+              <a:t> </a:t>
+            </a:r>
+            <a:r>
+              <a:rPr sz="1800">
+                <a:solidFill>
+                  <a:srgbClr val="40A070"/>
+                </a:solidFill>
+                <a:latin typeface="Courier"/>
+              </a:rPr>
+              <a:t>65</a:t>
+            </a:r>
+            <a:r>
+              <a:rPr sz="1800">
+                <a:latin typeface="Courier"/>
+              </a:rPr>
+              <a:t>) </a:t>
+            </a:r>
+            <a:r>
+              <a:rPr sz="1800">
+                <a:solidFill>
+                  <a:srgbClr val="666666"/>
+                </a:solidFill>
+                <a:latin typeface="Courier"/>
+              </a:rPr>
+              <a:t>%&gt;%</a:t>
+            </a:r>
+            <a:br/>
+            <a:r>
+              <a:rPr sz="1800">
+                <a:solidFill>
+                  <a:srgbClr val="4070A0"/>
+                </a:solidFill>
+                <a:latin typeface="Courier"/>
+              </a:rPr>
+              <a:t>  </a:t>
+            </a:r>
+            <a:r>
+              <a:rPr sz="1800" b="1">
+                <a:solidFill>
+                  <a:srgbClr val="007020"/>
+                </a:solidFill>
+                <a:latin typeface="Courier"/>
+              </a:rPr>
+              <a:t>select</a:t>
+            </a:r>
+            <a:r>
+              <a:rPr sz="1800">
+                <a:latin typeface="Courier"/>
+              </a:rPr>
+              <a:t>(sex) </a:t>
+            </a:r>
+            <a:r>
+              <a:rPr sz="1800">
+                <a:solidFill>
+                  <a:srgbClr val="666666"/>
+                </a:solidFill>
+                <a:latin typeface="Courier"/>
+              </a:rPr>
+              <a:t>%&gt;%</a:t>
+            </a:r>
+            <a:br/>
+            <a:r>
+              <a:rPr sz="1800">
+                <a:solidFill>
+                  <a:srgbClr val="4070A0"/>
+                </a:solidFill>
+                <a:latin typeface="Courier"/>
+              </a:rPr>
+              <a:t>  </a:t>
+            </a:r>
+            <a:r>
+              <a:rPr sz="1800" b="1">
+                <a:solidFill>
+                  <a:srgbClr val="007020"/>
+                </a:solidFill>
+                <a:latin typeface="Courier"/>
+              </a:rPr>
+              <a:t>summary</a:t>
+            </a:r>
+            <a:r>
+              <a:rPr sz="1800">
+                <a:latin typeface="Courier"/>
+              </a:rPr>
+              <a:t>()</a:t>
+            </a:r>
+          </a:p>
+          <a:p>
+            <a:pPr lvl="0" marL="0" indent="0">
+              <a:buNone/>
+            </a:pPr>
+            <a:r>
+              <a:rPr/>
+              <a:t>Gives information on gender for patients older than 65.</a:t>
             </a:r>
           </a:p>
         </p:txBody>
@@ -6031,55 +6143,31 @@
             </a:pPr>
             <a:r>
               <a:rPr/>
-              <a:t>Example</a:t>
-            </a:r>
-            <a:r>
-              <a:rPr/>
-              <a:t> </a:t>
-            </a:r>
-            <a:r>
-              <a:rPr/>
-              <a:t>of</a:t>
-            </a:r>
-            <a:r>
-              <a:rPr/>
-              <a:t> </a:t>
-            </a:r>
-            <a:r>
-              <a:rPr/>
-              <a:t>using</a:t>
-            </a:r>
-            <a:r>
-              <a:rPr/>
-              <a:t> </a:t>
-            </a:r>
-            <a:r>
-              <a:rPr/>
-              <a:t>group</a:t>
-            </a:r>
-            <a:r>
-              <a:rPr/>
-              <a:t> </a:t>
-            </a:r>
-            <a:r>
-              <a:rPr/>
-              <a:t>by</a:t>
-            </a:r>
-            <a:r>
-              <a:rPr/>
-              <a:t> </a:t>
-            </a:r>
-            <a:r>
-              <a:rPr/>
-              <a:t>and</a:t>
-            </a:r>
-            <a:r>
-              <a:rPr/>
-              <a:t> </a:t>
-            </a:r>
-            <a:r>
-              <a:rPr/>
-              <a:t>summarise</a:t>
+              <a:t>Other</a:t>
+            </a:r>
+            <a:r>
+              <a:rPr/>
+              <a:t> </a:t>
+            </a:r>
+            <a:r>
+              <a:rPr/>
+              <a:t>dplyr</a:t>
+            </a:r>
+            <a:r>
+              <a:rPr/>
+              <a:t> </a:t>
+            </a:r>
+            <a:r>
+              <a:rPr/>
+              <a:t>wrangling</a:t>
+            </a:r>
+            <a:r>
+              <a:rPr/>
+              <a:t> </a:t>
+            </a:r>
+            <a:r>
+              <a:rPr/>
+              <a:t>verbs</a:t>
             </a:r>
           </a:p>
         </p:txBody>
@@ -6105,154 +6193,39 @@
           <a:bodyPr/>
           <a:lstStyle/>
           <a:p>
-            <a:pPr lvl="0" marL="0" indent="0">
-              <a:buNone/>
-            </a:pPr>
-            <a:r>
-              <a:rPr/>
-              <a:t>You should see:</a:t>
-            </a:r>
-          </a:p>
-          <a:p>
-            <a:pPr lvl="0" marL="1270000" indent="0">
-              <a:buNone/>
-            </a:pPr>
-            <a:r>
-              <a:rPr sz="1800">
-                <a:latin typeface="Courier"/>
-              </a:rPr>
-              <a:t>cchic </a:t>
-            </a:r>
-            <a:r>
-              <a:rPr sz="1800">
-                <a:solidFill>
-                  <a:srgbClr val="666666"/>
-                </a:solidFill>
-                <a:latin typeface="Courier"/>
-              </a:rPr>
-              <a:t>%&gt;%</a:t>
-            </a:r>
-            <a:r>
-              <a:rPr sz="1800">
-                <a:solidFill>
-                  <a:srgbClr val="4070A0"/>
-                </a:solidFill>
-                <a:latin typeface="Courier"/>
-              </a:rPr>
-              <a:t> </a:t>
-            </a:r>
-            <a:br/>
-            <a:r>
-              <a:rPr sz="1800">
-                <a:solidFill>
-                  <a:srgbClr val="4070A0"/>
-                </a:solidFill>
-                <a:latin typeface="Courier"/>
-              </a:rPr>
-              <a:t>  </a:t>
-            </a:r>
-            <a:r>
-              <a:rPr sz="1800" b="1">
-                <a:solidFill>
-                  <a:srgbClr val="007020"/>
-                </a:solidFill>
-                <a:latin typeface="Courier"/>
-              </a:rPr>
-              <a:t>group_by</a:t>
-            </a:r>
-            <a:r>
-              <a:rPr sz="1800">
-                <a:latin typeface="Courier"/>
-              </a:rPr>
-              <a:t>(sex) </a:t>
-            </a:r>
-            <a:r>
-              <a:rPr sz="1800">
-                <a:solidFill>
-                  <a:srgbClr val="666666"/>
-                </a:solidFill>
-                <a:latin typeface="Courier"/>
-              </a:rPr>
-              <a:t>%&gt;%</a:t>
-            </a:r>
-            <a:r>
-              <a:rPr sz="1800">
-                <a:solidFill>
-                  <a:srgbClr val="4070A0"/>
-                </a:solidFill>
-                <a:latin typeface="Courier"/>
-              </a:rPr>
-              <a:t> </a:t>
-            </a:r>
-            <a:br/>
-            <a:r>
-              <a:rPr sz="1800">
-                <a:solidFill>
-                  <a:srgbClr val="4070A0"/>
-                </a:solidFill>
-                <a:latin typeface="Courier"/>
-              </a:rPr>
-              <a:t>  </a:t>
-            </a:r>
-            <a:r>
-              <a:rPr sz="1800" b="1">
-                <a:solidFill>
-                  <a:srgbClr val="007020"/>
-                </a:solidFill>
-                <a:latin typeface="Courier"/>
-              </a:rPr>
-              <a:t>summarise</a:t>
-            </a:r>
-            <a:r>
-              <a:rPr sz="1800">
-                <a:latin typeface="Courier"/>
-              </a:rPr>
-              <a:t>(</a:t>
-            </a:r>
-            <a:r>
-              <a:rPr sz="1800">
-                <a:solidFill>
-                  <a:srgbClr val="902000"/>
-                </a:solidFill>
-                <a:latin typeface="Courier"/>
-              </a:rPr>
-              <a:t>mean_urea =</a:t>
-            </a:r>
-            <a:r>
-              <a:rPr sz="1800">
-                <a:latin typeface="Courier"/>
-              </a:rPr>
-              <a:t> </a:t>
-            </a:r>
-            <a:r>
-              <a:rPr sz="1800" b="1">
-                <a:solidFill>
-                  <a:srgbClr val="007020"/>
-                </a:solidFill>
-                <a:latin typeface="Courier"/>
-              </a:rPr>
-              <a:t>mean</a:t>
-            </a:r>
-            <a:r>
-              <a:rPr sz="1800">
-                <a:latin typeface="Courier"/>
-              </a:rPr>
-              <a:t>(urea))</a:t>
-            </a:r>
-          </a:p>
-          <a:p>
-            <a:pPr lvl="0" marL="0" indent="0">
-              <a:buNone/>
-            </a:pPr>
-            <a:r>
-              <a:rPr/>
-              <a:t>What is the output? Hint – check for missing values in </a:t>
-            </a:r>
-            <a:r>
-              <a:rPr sz="1800">
-                <a:latin typeface="Courier"/>
-              </a:rPr>
-              <a:t>cchic$urea</a:t>
+            <a:pPr lvl="1"/>
+            <a:r>
+              <a:rPr sz="1800">
+                <a:latin typeface="Courier"/>
+              </a:rPr>
+              <a:t>filter()</a:t>
+            </a:r>
+          </a:p>
+          <a:p>
+            <a:pPr lvl="1"/>
+            <a:r>
+              <a:rPr sz="1800">
+                <a:latin typeface="Courier"/>
+              </a:rPr>
+              <a:t>select()</a:t>
+            </a:r>
+          </a:p>
+          <a:p>
+            <a:pPr lvl="1"/>
+            <a:r>
+              <a:rPr sz="1800">
+                <a:latin typeface="Courier"/>
+              </a:rPr>
+              <a:t>group_by()</a:t>
+            </a:r>
+          </a:p>
+          <a:p>
+            <a:pPr lvl="1"/>
+            <a:r>
+              <a:rPr sz="1800">
+                <a:latin typeface="Courier"/>
+              </a:rPr>
+              <a:t>summarise()</a:t>
             </a:r>
           </a:p>
         </p:txBody>
@@ -6305,23 +6278,55 @@
             </a:pPr>
             <a:r>
               <a:rPr/>
-              <a:t>Make</a:t>
-            </a:r>
-            <a:r>
-              <a:rPr/>
-              <a:t> </a:t>
-            </a:r>
-            <a:r>
-              <a:rPr/>
-              <a:t>it</a:t>
-            </a:r>
-            <a:r>
-              <a:rPr/>
-              <a:t> </a:t>
-            </a:r>
-            <a:r>
-              <a:rPr/>
-              <a:t>work</a:t>
+              <a:t>Example</a:t>
+            </a:r>
+            <a:r>
+              <a:rPr/>
+              <a:t> </a:t>
+            </a:r>
+            <a:r>
+              <a:rPr/>
+              <a:t>of</a:t>
+            </a:r>
+            <a:r>
+              <a:rPr/>
+              <a:t> </a:t>
+            </a:r>
+            <a:r>
+              <a:rPr/>
+              <a:t>using</a:t>
+            </a:r>
+            <a:r>
+              <a:rPr/>
+              <a:t> </a:t>
+            </a:r>
+            <a:r>
+              <a:rPr/>
+              <a:t>group</a:t>
+            </a:r>
+            <a:r>
+              <a:rPr/>
+              <a:t> </a:t>
+            </a:r>
+            <a:r>
+              <a:rPr/>
+              <a:t>by</a:t>
+            </a:r>
+            <a:r>
+              <a:rPr/>
+              <a:t> </a:t>
+            </a:r>
+            <a:r>
+              <a:rPr/>
+              <a:t>and</a:t>
+            </a:r>
+            <a:r>
+              <a:rPr/>
+              <a:t> </a:t>
+            </a:r>
+            <a:r>
+              <a:rPr/>
+              <a:t>summarise</a:t>
             </a:r>
           </a:p>
         </p:txBody>
@@ -6347,6 +6352,15 @@
           <a:bodyPr/>
           <a:lstStyle/>
           <a:p>
+            <a:pPr lvl="0" marL="0" indent="0">
+              <a:buNone/>
+            </a:pPr>
+            <a:r>
+              <a:rPr/>
+              <a:t>Try this.</a:t>
+            </a:r>
+          </a:p>
+          <a:p>
             <a:pPr lvl="0" marL="1270000" indent="0">
               <a:buNone/>
             </a:pPr>
@@ -6365,6 +6379,7 @@
               </a:rPr>
               <a:t>%&gt;%</a:t>
             </a:r>
+            <a:br/>
             <a:r>
               <a:rPr sz="1800">
                 <a:solidFill>
@@ -6372,7 +6387,31 @@
                 </a:solidFill>
                 <a:latin typeface="Courier"/>
               </a:rPr>
-              <a:t> </a:t>
+              <a:t>  </a:t>
+            </a:r>
+            <a:r>
+              <a:rPr sz="1800" b="1">
+                <a:solidFill>
+                  <a:srgbClr val="007020"/>
+                </a:solidFill>
+                <a:latin typeface="Courier"/>
+              </a:rPr>
+              <a:t>group_by</a:t>
+            </a:r>
+            <a:r>
+              <a:rPr sz="1800">
+                <a:latin typeface="Courier"/>
+              </a:rPr>
+              <a:t>(sex) </a:t>
+            </a:r>
+            <a:r>
+              <a:rPr sz="1800">
+                <a:solidFill>
+                  <a:srgbClr val="666666"/>
+                </a:solidFill>
+                <a:latin typeface="Courier"/>
+              </a:rPr>
+              <a:t>%&gt;%</a:t>
             </a:r>
             <a:br/>
             <a:r>
@@ -6391,41 +6430,28 @@
                 </a:solidFill>
                 <a:latin typeface="Courier"/>
               </a:rPr>
-              <a:t>group_by</a:t>
-            </a:r>
-            <a:r>
-              <a:rPr sz="1800">
-                <a:latin typeface="Courier"/>
-              </a:rPr>
-              <a:t>(sex) </a:t>
-            </a:r>
-            <a:r>
-              <a:rPr sz="1800">
-                <a:solidFill>
-                  <a:srgbClr val="666666"/>
-                </a:solidFill>
-                <a:latin typeface="Courier"/>
-              </a:rPr>
-              <a:t>%&gt;%</a:t>
-            </a:r>
-            <a:r>
-              <a:rPr sz="1800">
-                <a:solidFill>
-                  <a:srgbClr val="4070A0"/>
-                </a:solidFill>
-                <a:latin typeface="Courier"/>
-              </a:rPr>
-              <a:t> </a:t>
-            </a:r>
-            <a:br/>
-            <a:r>
-              <a:rPr sz="1800">
-                <a:solidFill>
-                  <a:srgbClr val="4070A0"/>
-                </a:solidFill>
-                <a:latin typeface="Courier"/>
-              </a:rPr>
-              <a:t>  </a:t>
+              <a:t>summarise</a:t>
+            </a:r>
+            <a:r>
+              <a:rPr sz="1800">
+                <a:latin typeface="Courier"/>
+              </a:rPr>
+              <a:t>(</a:t>
+            </a:r>
+            <a:r>
+              <a:rPr sz="1800">
+                <a:solidFill>
+                  <a:srgbClr val="902000"/>
+                </a:solidFill>
+                <a:latin typeface="Courier"/>
+              </a:rPr>
+              <a:t>mean_urea =</a:t>
+            </a:r>
+            <a:r>
+              <a:rPr sz="1800">
+                <a:latin typeface="Courier"/>
+              </a:rPr>
+              <a:t> </a:t>
             </a:r>
             <a:r>
               <a:rPr sz="1800" b="1">
@@ -6434,74 +6460,13 @@
                 </a:solidFill>
                 <a:latin typeface="Courier"/>
               </a:rPr>
-              <a:t>summarise</a:t>
-            </a:r>
-            <a:r>
-              <a:rPr sz="1800">
-                <a:latin typeface="Courier"/>
-              </a:rPr>
-              <a:t>(</a:t>
-            </a:r>
-            <a:r>
-              <a:rPr sz="1800">
-                <a:solidFill>
-                  <a:srgbClr val="902000"/>
-                </a:solidFill>
-                <a:latin typeface="Courier"/>
-              </a:rPr>
-              <a:t>mean_urea =</a:t>
-            </a:r>
-            <a:r>
-              <a:rPr sz="1800">
-                <a:latin typeface="Courier"/>
-              </a:rPr>
-              <a:t> </a:t>
-            </a:r>
-            <a:r>
-              <a:rPr sz="1800" b="1">
-                <a:solidFill>
-                  <a:srgbClr val="007020"/>
-                </a:solidFill>
-                <a:latin typeface="Courier"/>
-              </a:rPr>
               <a:t>mean</a:t>
             </a:r>
             <a:r>
               <a:rPr sz="1800">
                 <a:latin typeface="Courier"/>
               </a:rPr>
-              <a:t>(urea, </a:t>
-            </a:r>
-            <a:r>
-              <a:rPr sz="1800">
-                <a:solidFill>
-                  <a:srgbClr val="902000"/>
-                </a:solidFill>
-                <a:latin typeface="Courier"/>
-              </a:rPr>
-              <a:t>na.rm =</a:t>
-            </a:r>
-            <a:br/>
-            <a:r>
-              <a:rPr sz="1800">
-                <a:latin typeface="Courier"/>
-              </a:rPr>
-              <a:t>  </a:t>
-            </a:r>
-            <a:r>
-              <a:rPr sz="1800">
-                <a:solidFill>
-                  <a:srgbClr val="007020"/>
-                </a:solidFill>
-                <a:latin typeface="Courier"/>
-              </a:rPr>
-              <a:t>TRUE</a:t>
-            </a:r>
-            <a:r>
-              <a:rPr sz="1800">
-                <a:latin typeface="Courier"/>
-              </a:rPr>
-              <a:t>))</a:t>
+              <a:t>(urea))</a:t>
             </a:r>
           </a:p>
           <a:p>
@@ -6510,7 +6475,13 @@
             </a:pPr>
             <a:r>
               <a:rPr/>
-              <a:t>An alternative is to filter out the missing values of urea.</a:t>
+              <a:t>What is the output? Hint – check for missing values in </a:t>
+            </a:r>
+            <a:r>
+              <a:rPr sz="1800">
+                <a:latin typeface="Courier"/>
+              </a:rPr>
+              <a:t>cchic$urea</a:t>
             </a:r>
           </a:p>
         </p:txBody>
@@ -6563,15 +6534,23 @@
             </a:pPr>
             <a:r>
               <a:rPr/>
-              <a:t>Before</a:t>
-            </a:r>
-            <a:r>
-              <a:rPr/>
-              <a:t> </a:t>
-            </a:r>
-            <a:r>
-              <a:rPr/>
-              <a:t>dplyr</a:t>
+              <a:t>Make</a:t>
+            </a:r>
+            <a:r>
+              <a:rPr/>
+              <a:t> </a:t>
+            </a:r>
+            <a:r>
+              <a:rPr/>
+              <a:t>it</a:t>
+            </a:r>
+            <a:r>
+              <a:rPr/>
+              <a:t> </a:t>
+            </a:r>
+            <a:r>
+              <a:rPr/>
+              <a:t>work</a:t>
             </a:r>
           </a:p>
         </p:txBody>
@@ -6597,268 +6576,175 @@
           <a:bodyPr/>
           <a:lstStyle/>
           <a:p>
+            <a:pPr lvl="0" marL="1270000" indent="0">
+              <a:buNone/>
+            </a:pPr>
+            <a:r>
+              <a:rPr sz="1800">
+                <a:latin typeface="Courier"/>
+              </a:rPr>
+              <a:t>cchic </a:t>
+            </a:r>
+            <a:r>
+              <a:rPr sz="1800">
+                <a:solidFill>
+                  <a:srgbClr val="666666"/>
+                </a:solidFill>
+                <a:latin typeface="Courier"/>
+              </a:rPr>
+              <a:t>%&gt;%</a:t>
+            </a:r>
+            <a:br/>
+            <a:r>
+              <a:rPr sz="1800">
+                <a:solidFill>
+                  <a:srgbClr val="4070A0"/>
+                </a:solidFill>
+                <a:latin typeface="Courier"/>
+              </a:rPr>
+              <a:t>  </a:t>
+            </a:r>
+            <a:r>
+              <a:rPr sz="1800" b="1">
+                <a:solidFill>
+                  <a:srgbClr val="007020"/>
+                </a:solidFill>
+                <a:latin typeface="Courier"/>
+              </a:rPr>
+              <a:t>group_by</a:t>
+            </a:r>
+            <a:r>
+              <a:rPr sz="1800">
+                <a:latin typeface="Courier"/>
+              </a:rPr>
+              <a:t>(sex) </a:t>
+            </a:r>
+            <a:r>
+              <a:rPr sz="1800">
+                <a:solidFill>
+                  <a:srgbClr val="666666"/>
+                </a:solidFill>
+                <a:latin typeface="Courier"/>
+              </a:rPr>
+              <a:t>%&gt;%</a:t>
+            </a:r>
+            <a:br/>
+            <a:r>
+              <a:rPr sz="1800">
+                <a:solidFill>
+                  <a:srgbClr val="4070A0"/>
+                </a:solidFill>
+                <a:latin typeface="Courier"/>
+              </a:rPr>
+              <a:t>  </a:t>
+            </a:r>
+            <a:r>
+              <a:rPr sz="1800" b="1">
+                <a:solidFill>
+                  <a:srgbClr val="007020"/>
+                </a:solidFill>
+                <a:latin typeface="Courier"/>
+              </a:rPr>
+              <a:t>summarise</a:t>
+            </a:r>
+            <a:r>
+              <a:rPr sz="1800">
+                <a:latin typeface="Courier"/>
+              </a:rPr>
+              <a:t>(</a:t>
+            </a:r>
+            <a:r>
+              <a:rPr sz="1800">
+                <a:solidFill>
+                  <a:srgbClr val="902000"/>
+                </a:solidFill>
+                <a:latin typeface="Courier"/>
+              </a:rPr>
+              <a:t>mean_urea =</a:t>
+            </a:r>
+            <a:r>
+              <a:rPr sz="1800">
+                <a:latin typeface="Courier"/>
+              </a:rPr>
+              <a:t> </a:t>
+            </a:r>
+            <a:r>
+              <a:rPr sz="1800" b="1">
+                <a:solidFill>
+                  <a:srgbClr val="007020"/>
+                </a:solidFill>
+                <a:latin typeface="Courier"/>
+              </a:rPr>
+              <a:t>mean</a:t>
+            </a:r>
+            <a:r>
+              <a:rPr sz="1800">
+                <a:latin typeface="Courier"/>
+              </a:rPr>
+              <a:t>(urea,</a:t>
+            </a:r>
+            <a:br/>
+            <a:r>
+              <a:rPr sz="1800">
+                <a:latin typeface="Courier"/>
+              </a:rPr>
+              <a:t>    </a:t>
+            </a:r>
+            <a:r>
+              <a:rPr sz="1800">
+                <a:solidFill>
+                  <a:srgbClr val="902000"/>
+                </a:solidFill>
+                <a:latin typeface="Courier"/>
+              </a:rPr>
+              <a:t>na.rm =</a:t>
+            </a:r>
+            <a:br/>
+            <a:r>
+              <a:rPr sz="1800">
+                <a:latin typeface="Courier"/>
+              </a:rPr>
+              <a:t>      </a:t>
+            </a:r>
+            <a:r>
+              <a:rPr sz="1800">
+                <a:solidFill>
+                  <a:srgbClr val="007020"/>
+                </a:solidFill>
+                <a:latin typeface="Courier"/>
+              </a:rPr>
+              <a:t>TRUE</a:t>
+            </a:r>
+            <a:br/>
+            <a:r>
+              <a:rPr sz="1800">
+                <a:latin typeface="Courier"/>
+              </a:rPr>
+              <a:t>  ))</a:t>
+            </a:r>
+          </a:p>
+          <a:p>
+            <a:pPr lvl="0" marL="1270000" indent="0">
+              <a:buNone/>
+            </a:pPr>
+            <a:r>
+              <a:rPr sz="1800">
+                <a:latin typeface="Courier"/>
+              </a:rPr>
+              <a:t>## # A tibble: 2 x 2
+##   sex   mean_urea
+##   &lt;chr&gt;     &lt;dbl&gt;
+## 1 F          6.71
+## 2 M         10.3</a:t>
+            </a:r>
+          </a:p>
+          <a:p>
             <a:pPr lvl="0" marL="0" indent="0">
               <a:buNone/>
             </a:pPr>
             <a:r>
               <a:rPr/>
-              <a:t>Pre- 2014 tutorials and ‘fixes’ will refer to base R methods</a:t>
-            </a:r>
-          </a:p>
-          <a:p>
-            <a:pPr lvl="0" marL="0" indent="0">
-              <a:buNone/>
-            </a:pPr>
-            <a:r>
-              <a:rPr/>
-              <a:t>dplyr</a:t>
-            </a:r>
-          </a:p>
-          <a:p>
-            <a:pPr lvl="0" marL="1270000" indent="0">
-              <a:buNone/>
-            </a:pPr>
-            <a:r>
-              <a:rPr sz="1800">
-                <a:latin typeface="Courier"/>
-              </a:rPr>
-              <a:t>cchic </a:t>
-            </a:r>
-            <a:r>
-              <a:rPr sz="1800">
-                <a:solidFill>
-                  <a:srgbClr val="666666"/>
-                </a:solidFill>
-                <a:latin typeface="Courier"/>
-              </a:rPr>
-              <a:t>%&gt;%</a:t>
-            </a:r>
-            <a:r>
-              <a:rPr sz="1800">
-                <a:solidFill>
-                  <a:srgbClr val="4070A0"/>
-                </a:solidFill>
-                <a:latin typeface="Courier"/>
-              </a:rPr>
-              <a:t> </a:t>
-            </a:r>
-            <a:br/>
-            <a:r>
-              <a:rPr sz="1800">
-                <a:solidFill>
-                  <a:srgbClr val="4070A0"/>
-                </a:solidFill>
-                <a:latin typeface="Courier"/>
-              </a:rPr>
-              <a:t>  </a:t>
-            </a:r>
-            <a:r>
-              <a:rPr sz="1800" b="1">
-                <a:solidFill>
-                  <a:srgbClr val="007020"/>
-                </a:solidFill>
-                <a:latin typeface="Courier"/>
-              </a:rPr>
-              <a:t>filter</a:t>
-            </a:r>
-            <a:r>
-              <a:rPr sz="1800">
-                <a:latin typeface="Courier"/>
-              </a:rPr>
-              <a:t>(age_years </a:t>
-            </a:r>
-            <a:r>
-              <a:rPr sz="1800">
-                <a:solidFill>
-                  <a:srgbClr val="666666"/>
-                </a:solidFill>
-                <a:latin typeface="Courier"/>
-              </a:rPr>
-              <a:t>&gt;=</a:t>
-            </a:r>
-            <a:r>
-              <a:rPr sz="1800">
-                <a:solidFill>
-                  <a:srgbClr val="4070A0"/>
-                </a:solidFill>
-                <a:latin typeface="Courier"/>
-              </a:rPr>
-              <a:t> </a:t>
-            </a:r>
-            <a:r>
-              <a:rPr sz="1800">
-                <a:solidFill>
-                  <a:srgbClr val="40A070"/>
-                </a:solidFill>
-                <a:latin typeface="Courier"/>
-              </a:rPr>
-              <a:t>65</a:t>
-            </a:r>
-            <a:r>
-              <a:rPr sz="1800">
-                <a:latin typeface="Courier"/>
-              </a:rPr>
-              <a:t>) </a:t>
-            </a:r>
-            <a:r>
-              <a:rPr sz="1800">
-                <a:solidFill>
-                  <a:srgbClr val="666666"/>
-                </a:solidFill>
-                <a:latin typeface="Courier"/>
-              </a:rPr>
-              <a:t>%&gt;%</a:t>
-            </a:r>
-            <a:br/>
-            <a:r>
-              <a:rPr sz="1800">
-                <a:solidFill>
-                  <a:srgbClr val="4070A0"/>
-                </a:solidFill>
-                <a:latin typeface="Courier"/>
-              </a:rPr>
-              <a:t>  </a:t>
-            </a:r>
-            <a:r>
-              <a:rPr sz="1800" b="1">
-                <a:solidFill>
-                  <a:srgbClr val="007020"/>
-                </a:solidFill>
-                <a:latin typeface="Courier"/>
-              </a:rPr>
-              <a:t>select</a:t>
-            </a:r>
-            <a:r>
-              <a:rPr sz="1800">
-                <a:latin typeface="Courier"/>
-              </a:rPr>
-              <a:t>(sex) </a:t>
-            </a:r>
-            <a:r>
-              <a:rPr sz="1800">
-                <a:solidFill>
-                  <a:srgbClr val="666666"/>
-                </a:solidFill>
-                <a:latin typeface="Courier"/>
-              </a:rPr>
-              <a:t>%&gt;%</a:t>
-            </a:r>
-            <a:r>
-              <a:rPr sz="1800">
-                <a:solidFill>
-                  <a:srgbClr val="4070A0"/>
-                </a:solidFill>
-                <a:latin typeface="Courier"/>
-              </a:rPr>
-              <a:t> </a:t>
-            </a:r>
-            <a:br/>
-            <a:r>
-              <a:rPr sz="1800">
-                <a:solidFill>
-                  <a:srgbClr val="4070A0"/>
-                </a:solidFill>
-                <a:latin typeface="Courier"/>
-              </a:rPr>
-              <a:t>  </a:t>
-            </a:r>
-            <a:r>
-              <a:rPr sz="1800">
-                <a:latin typeface="Courier"/>
-              </a:rPr>
-              <a:t>summary</a:t>
-            </a:r>
-          </a:p>
-          <a:p>
-            <a:pPr lvl="0" marL="0" indent="0">
-              <a:buNone/>
-            </a:pPr>
-            <a:r>
-              <a:rPr/>
-              <a:t>Base R</a:t>
-            </a:r>
-          </a:p>
-          <a:p>
-            <a:pPr lvl="0" marL="1270000" indent="0">
-              <a:buNone/>
-            </a:pPr>
-            <a:r>
-              <a:rPr sz="1800" b="1">
-                <a:solidFill>
-                  <a:srgbClr val="007020"/>
-                </a:solidFill>
-                <a:latin typeface="Courier"/>
-              </a:rPr>
-              <a:t>summary</a:t>
-            </a:r>
-            <a:r>
-              <a:rPr sz="1800">
-                <a:latin typeface="Courier"/>
-              </a:rPr>
-              <a:t>(cchic[cchic</a:t>
-            </a:r>
-            <a:r>
-              <a:rPr sz="1800">
-                <a:solidFill>
-                  <a:srgbClr val="666666"/>
-                </a:solidFill>
-                <a:latin typeface="Courier"/>
-              </a:rPr>
-              <a:t>$</a:t>
-            </a:r>
-            <a:r>
-              <a:rPr sz="1800">
-                <a:latin typeface="Courier"/>
-              </a:rPr>
-              <a:t>age_years </a:t>
-            </a:r>
-            <a:r>
-              <a:rPr sz="1800">
-                <a:solidFill>
-                  <a:srgbClr val="666666"/>
-                </a:solidFill>
-                <a:latin typeface="Courier"/>
-              </a:rPr>
-              <a:t>&gt;=</a:t>
-            </a:r>
-            <a:r>
-              <a:rPr sz="1800">
-                <a:solidFill>
-                  <a:srgbClr val="4070A0"/>
-                </a:solidFill>
-                <a:latin typeface="Courier"/>
-              </a:rPr>
-              <a:t> </a:t>
-            </a:r>
-            <a:r>
-              <a:rPr sz="1800">
-                <a:solidFill>
-                  <a:srgbClr val="40A070"/>
-                </a:solidFill>
-                <a:latin typeface="Courier"/>
-              </a:rPr>
-              <a:t>65</a:t>
-            </a:r>
-            <a:r>
-              <a:rPr sz="1800">
-                <a:latin typeface="Courier"/>
-              </a:rPr>
-              <a:t>,]</a:t>
-            </a:r>
-            <a:r>
-              <a:rPr sz="1800">
-                <a:solidFill>
-                  <a:srgbClr val="666666"/>
-                </a:solidFill>
-                <a:latin typeface="Courier"/>
-              </a:rPr>
-              <a:t>$</a:t>
-            </a:r>
-            <a:r>
-              <a:rPr sz="1800">
-                <a:latin typeface="Courier"/>
-              </a:rPr>
-              <a:t>gender)</a:t>
+              <a:t>An alternative is to filter out the missing values of urea.</a:t>
             </a:r>
           </a:p>
         </p:txBody>
@@ -6911,23 +6797,39 @@
             </a:pPr>
             <a:r>
               <a:rPr/>
-              <a:t>Understanding</a:t>
-            </a:r>
-            <a:r>
-              <a:rPr/>
-              <a:t> </a:t>
-            </a:r>
-            <a:r>
-              <a:rPr/>
-              <a:t>base</a:t>
-            </a:r>
-            <a:r>
-              <a:rPr/>
-              <a:t> </a:t>
-            </a:r>
-            <a:r>
-              <a:rPr/>
-              <a:t>R</a:t>
+              <a:t>Take</a:t>
+            </a:r>
+            <a:r>
+              <a:rPr/>
+              <a:t> </a:t>
+            </a:r>
+            <a:r>
+              <a:rPr/>
+              <a:t>a</a:t>
+            </a:r>
+            <a:r>
+              <a:rPr/>
+              <a:t> </a:t>
+            </a:r>
+            <a:r>
+              <a:rPr/>
+              <a:t>break.</a:t>
+            </a:r>
+            <a:r>
+              <a:rPr/>
+              <a:t> </a:t>
+            </a:r>
+            <a:r>
+              <a:rPr/>
+              <a:t>Any</a:t>
+            </a:r>
+            <a:r>
+              <a:rPr/>
+              <a:t> </a:t>
+            </a:r>
+            <a:r>
+              <a:rPr/>
+              <a:t>questions?</a:t>
             </a:r>
           </a:p>
         </p:txBody>
@@ -6953,155 +6855,48 @@
           <a:bodyPr/>
           <a:lstStyle/>
           <a:p>
-            <a:pPr lvl="0" marL="1270000" indent="0">
+            <a:pPr lvl="0" marL="0" indent="0">
               <a:buNone/>
             </a:pPr>
             <a:r>
-              <a:rPr sz="1800" b="1">
-                <a:solidFill>
-                  <a:srgbClr val="007020"/>
-                </a:solidFill>
-                <a:latin typeface="Courier"/>
-              </a:rPr>
-              <a:t>summary</a:t>
-            </a:r>
-            <a:r>
-              <a:rPr sz="1800">
-                <a:latin typeface="Courier"/>
-              </a:rPr>
-              <a:t>(cchic[cchic</a:t>
-            </a:r>
-            <a:r>
-              <a:rPr sz="1800">
-                <a:solidFill>
-                  <a:srgbClr val="666666"/>
-                </a:solidFill>
-                <a:latin typeface="Courier"/>
-              </a:rPr>
-              <a:t>$</a:t>
-            </a:r>
-            <a:r>
-              <a:rPr sz="1800">
-                <a:latin typeface="Courier"/>
-              </a:rPr>
-              <a:t>age_years </a:t>
-            </a:r>
-            <a:r>
-              <a:rPr sz="1800">
-                <a:solidFill>
-                  <a:srgbClr val="666666"/>
-                </a:solidFill>
-                <a:latin typeface="Courier"/>
-              </a:rPr>
-              <a:t>&gt;=</a:t>
-            </a:r>
-            <a:r>
-              <a:rPr sz="1800">
-                <a:solidFill>
-                  <a:srgbClr val="4070A0"/>
-                </a:solidFill>
-                <a:latin typeface="Courier"/>
-              </a:rPr>
-              <a:t> </a:t>
-            </a:r>
-            <a:r>
-              <a:rPr sz="1800">
-                <a:solidFill>
-                  <a:srgbClr val="40A070"/>
-                </a:solidFill>
-                <a:latin typeface="Courier"/>
-              </a:rPr>
-              <a:t>65</a:t>
-            </a:r>
-            <a:r>
-              <a:rPr sz="1800">
-                <a:latin typeface="Courier"/>
-              </a:rPr>
-              <a:t>,]</a:t>
-            </a:r>
-            <a:r>
-              <a:rPr sz="1800">
-                <a:solidFill>
-                  <a:srgbClr val="666666"/>
-                </a:solidFill>
-                <a:latin typeface="Courier"/>
-              </a:rPr>
-              <a:t>$</a:t>
-            </a:r>
-            <a:r>
-              <a:rPr sz="1800">
-                <a:latin typeface="Courier"/>
-              </a:rPr>
-              <a:t>gender)</a:t>
-            </a:r>
-          </a:p>
-          <a:p>
-            <a:pPr lvl="0" marL="0" indent="0">
-              <a:buNone/>
-            </a:pPr>
-            <a:r>
-              <a:rPr/>
-              <a:t>Uses the summary function. </a:t>
-            </a:r>
-            <a:r>
-              <a:rPr sz="1800">
-                <a:latin typeface="Courier"/>
-              </a:rPr>
-              <a:t>summary()</a:t>
-            </a:r>
-          </a:p>
-          <a:p>
-            <a:pPr lvl="0" marL="0" indent="0">
-              <a:buNone/>
-            </a:pPr>
-            <a:r>
-              <a:rPr/>
-              <a:t>On the variable </a:t>
-            </a:r>
-            <a:r>
-              <a:rPr sz="1800">
-                <a:latin typeface="Courier"/>
-              </a:rPr>
-              <a:t>gender</a:t>
-            </a:r>
-            <a:r>
-              <a:rPr/>
-              <a:t> from the data frame </a:t>
-            </a:r>
-            <a:r>
-              <a:rPr sz="1800">
-                <a:latin typeface="Courier"/>
-              </a:rPr>
-              <a:t>cchic</a:t>
-            </a:r>
-            <a:r>
-              <a:rPr/>
-              <a:t>. </a:t>
-            </a:r>
-            <a:r>
-              <a:rPr sz="1800">
-                <a:latin typeface="Courier"/>
-              </a:rPr>
-              <a:t>cchic$gender</a:t>
-            </a:r>
-          </a:p>
-          <a:p>
-            <a:pPr lvl="0" marL="0" indent="0">
-              <a:buNone/>
-            </a:pPr>
-            <a:r>
-              <a:rPr/>
-              <a:t>For rows where age is greater than 65. </a:t>
-            </a:r>
-            <a:r>
-              <a:rPr sz="1800">
-                <a:latin typeface="Courier"/>
-              </a:rPr>
-              <a:t>[cchic$age_years &gt;= 65,]</a:t>
-            </a:r>
-            <a:r>
-              <a:rPr/>
-              <a:t> The comma on the end indicates that we are choosing rows.</a:t>
+              <a:rPr/>
+              <a:t>Make sure you are happy running</a:t>
+            </a:r>
+          </a:p>
+          <a:p>
+            <a:pPr lvl="1"/>
+            <a:r>
+              <a:rPr sz="1800">
+                <a:latin typeface="Courier"/>
+              </a:rPr>
+              <a:t>filter()</a:t>
+            </a:r>
+          </a:p>
+          <a:p>
+            <a:pPr lvl="1"/>
+            <a:r>
+              <a:rPr sz="1800">
+                <a:latin typeface="Courier"/>
+              </a:rPr>
+              <a:t>select()</a:t>
+            </a:r>
+          </a:p>
+          <a:p>
+            <a:pPr lvl="1"/>
+            <a:r>
+              <a:rPr sz="1800">
+                <a:latin typeface="Courier"/>
+              </a:rPr>
+              <a:t>group_by()</a:t>
+            </a:r>
+          </a:p>
+          <a:p>
+            <a:pPr lvl="1"/>
+            <a:r>
+              <a:rPr sz="1800">
+                <a:latin typeface="Courier"/>
+              </a:rPr>
+              <a:t>summarise()</a:t>
             </a:r>
           </a:p>
         </p:txBody>
@@ -7128,111 +6923,36 @@
           <a:chExt cx="0" cy="0"/>
         </a:xfrm>
       </p:grpSpPr>
-      <p:sp>
-        <p:nvSpPr>
-          <p:cNvPr id="2" name="Title 1">
-            <a:extLst>
-              <a:ext uri="{FF2B5EF4-FFF2-40B4-BE49-F238E27FC236}">
-                <a16:creationId xmlns:a16="http://schemas.microsoft.com/office/drawing/2014/main" id="{5567D468-EE70-CD4E-A3AC-039CC11EF1FB}"/>
-              </a:ext>
-            </a:extLst>
-          </p:cNvPr>
-          <p:cNvSpPr>
-            <a:spLocks noGrp="1"/>
-          </p:cNvSpPr>
-          <p:nvPr>
-            <p:ph type="title"/>
-          </p:nvPr>
-        </p:nvSpPr>
-        <p:spPr/>
-        <p:txBody>
-          <a:bodyPr/>
-          <a:lstStyle/>
-          <a:p>
-            <a:pPr lvl="0" marL="0" indent="0">
-              <a:buNone/>
-            </a:pPr>
-            <a:r>
-              <a:rPr/>
-              <a:t>Content</a:t>
-            </a:r>
-          </a:p>
-        </p:txBody>
-      </p:sp>
-      <p:sp>
-        <p:nvSpPr>
-          <p:cNvPr id="3" name="Content Placeholder 2">
-            <a:extLst>
-              <a:ext uri="{FF2B5EF4-FFF2-40B4-BE49-F238E27FC236}">
-                <a16:creationId xmlns:a16="http://schemas.microsoft.com/office/drawing/2014/main" id="{D10DDA37-E46B-B641-BC9F-636CB92A2C08}"/>
-              </a:ext>
-            </a:extLst>
-          </p:cNvPr>
-          <p:cNvSpPr>
-            <a:spLocks noGrp="1"/>
-          </p:cNvSpPr>
-          <p:nvPr>
-            <p:ph idx="1"/>
-          </p:nvPr>
-        </p:nvSpPr>
-        <p:spPr/>
-        <p:txBody>
-          <a:bodyPr/>
-          <a:lstStyle/>
-          <a:p>
-            <a:pPr lvl="1"/>
-            <a:r>
-              <a:rPr/>
-              <a:t>Using the </a:t>
-            </a:r>
-            <a:r>
-              <a:rPr sz="1800">
-                <a:latin typeface="Courier"/>
-              </a:rPr>
-              <a:t>dplyr</a:t>
-            </a:r>
-            <a:r>
-              <a:rPr/>
-              <a:t> package.</a:t>
-            </a:r>
-          </a:p>
-          <a:p>
-            <a:pPr lvl="1"/>
-            <a:r>
-              <a:rPr/>
-              <a:t>Standard methods for selecting data</a:t>
-            </a:r>
-          </a:p>
-          <a:p>
-            <a:pPr lvl="1"/>
-            <a:r>
-              <a:rPr/>
-              <a:t>Recipies to perform common operations</a:t>
-            </a:r>
-          </a:p>
-          <a:p>
-            <a:pPr lvl="2"/>
-            <a:r>
-              <a:rPr/>
-              <a:t>Manipulating strings</a:t>
-            </a:r>
-          </a:p>
-          <a:p>
-            <a:pPr lvl="2"/>
-            <a:r>
-              <a:rPr/>
-              <a:t>Manipulating dates</a:t>
-            </a:r>
-          </a:p>
-          <a:p>
-            <a:pPr lvl="2"/>
-            <a:r>
-              <a:rPr/>
-              <a:t>Changing data structure</a:t>
-            </a:r>
-          </a:p>
-        </p:txBody>
-      </p:sp>
+      <p:pic>
+        <p:nvPicPr>
+          <p:cNvPr descr="Images/Clinician%20Coders%20Branding_FINAL_CMYK_Colour.png" id="0" name="Picture 1"/>
+          <p:cNvPicPr>
+            <a:picLocks noGrp="1" noChangeAspect="1"/>
+          </p:cNvPicPr>
+          <p:nvPr/>
+        </p:nvPicPr>
+        <p:blipFill>
+          <a:blip r:embed="rId2"/>
+          <a:stretch>
+            <a:fillRect/>
+          </a:stretch>
+        </p:blipFill>
+        <p:spPr bwMode="auto">
+          <a:xfrm>
+            <a:off x="838200" y="2260600"/>
+            <a:ext cx="10515600" cy="3454400"/>
+          </a:xfrm>
+          <a:prstGeom prst="rect">
+            <a:avLst/>
+          </a:prstGeom>
+          <a:noFill/>
+          <a:ln w="9525">
+            <a:noFill/>
+            <a:headEnd/>
+            <a:tailEnd/>
+          </a:ln>
+        </p:spPr>
+      </p:pic>
     </p:spTree>
   </p:cSld>
 </p:sld>
@@ -7281,39 +7001,39 @@
             </a:pPr>
             <a:r>
               <a:rPr/>
-              <a:t>Take</a:t>
-            </a:r>
-            <a:r>
-              <a:rPr/>
-              <a:t> </a:t>
-            </a:r>
-            <a:r>
-              <a:rPr/>
-              <a:t>a</a:t>
-            </a:r>
-            <a:r>
-              <a:rPr/>
-              <a:t> </a:t>
-            </a:r>
-            <a:r>
-              <a:rPr/>
-              <a:t>break.</a:t>
-            </a:r>
-            <a:r>
-              <a:rPr/>
-              <a:t> </a:t>
-            </a:r>
-            <a:r>
-              <a:rPr/>
-              <a:t>Any</a:t>
-            </a:r>
-            <a:r>
-              <a:rPr/>
-              <a:t> </a:t>
-            </a:r>
-            <a:r>
-              <a:rPr/>
-              <a:t>questions?</a:t>
+              <a:t>Favourite</a:t>
+            </a:r>
+            <a:r>
+              <a:rPr/>
+              <a:t> </a:t>
+            </a:r>
+            <a:r>
+              <a:rPr/>
+              <a:t>data</a:t>
+            </a:r>
+            <a:r>
+              <a:rPr/>
+              <a:t> </a:t>
+            </a:r>
+            <a:r>
+              <a:rPr/>
+              <a:t>tidying</a:t>
+            </a:r>
+            <a:r>
+              <a:rPr/>
+              <a:t> </a:t>
+            </a:r>
+            <a:r>
+              <a:rPr/>
+              <a:t>‘</a:t>
+            </a:r>
+            <a:r>
+              <a:rPr/>
+              <a:t>recipies</a:t>
+            </a:r>
+            <a:r>
+              <a:rPr/>
+              <a:t>’</a:t>
             </a:r>
           </a:p>
         </p:txBody>
@@ -7339,48 +7059,66 @@
           <a:bodyPr/>
           <a:lstStyle/>
           <a:p>
-            <a:pPr lvl="0" marL="0" indent="0">
-              <a:buNone/>
+            <a:pPr lvl="1">
+              <a:buAutoNum type="arabicPeriod"/>
             </a:pPr>
             <a:r>
               <a:rPr/>
-              <a:t>Make sure you are happy running</a:t>
-            </a:r>
-          </a:p>
-          <a:p>
-            <a:pPr lvl="1"/>
-            <a:r>
-              <a:rPr sz="1800">
-                <a:latin typeface="Courier"/>
-              </a:rPr>
-              <a:t>filter()</a:t>
-            </a:r>
-          </a:p>
-          <a:p>
-            <a:pPr lvl="1"/>
-            <a:r>
-              <a:rPr sz="1800">
-                <a:latin typeface="Courier"/>
-              </a:rPr>
-              <a:t>select()</a:t>
-            </a:r>
-          </a:p>
-          <a:p>
-            <a:pPr lvl="1"/>
-            <a:r>
-              <a:rPr sz="1800">
-                <a:latin typeface="Courier"/>
-              </a:rPr>
-              <a:t>group_by()</a:t>
-            </a:r>
-          </a:p>
-          <a:p>
-            <a:pPr lvl="1"/>
-            <a:r>
-              <a:rPr sz="1800">
-                <a:latin typeface="Courier"/>
-              </a:rPr>
-              <a:t>summarise()</a:t>
+              <a:t>Rename a variable</a:t>
+            </a:r>
+          </a:p>
+          <a:p>
+            <a:pPr lvl="1">
+              <a:buAutoNum type="arabicPeriod"/>
+            </a:pPr>
+            <a:r>
+              <a:rPr/>
+              <a:t>Create a new variable</a:t>
+            </a:r>
+          </a:p>
+          <a:p>
+            <a:pPr lvl="1">
+              <a:buAutoNum type="arabicPeriod"/>
+            </a:pPr>
+            <a:r>
+              <a:rPr/>
+              <a:t>Extract numbers</a:t>
+            </a:r>
+          </a:p>
+          <a:p>
+            <a:pPr lvl="1">
+              <a:buAutoNum type="arabicPeriod"/>
+            </a:pPr>
+            <a:r>
+              <a:rPr/>
+              <a:t>Extract strings</a:t>
+            </a:r>
+          </a:p>
+          <a:p>
+            <a:pPr lvl="1">
+              <a:buAutoNum type="arabicPeriod"/>
+            </a:pPr>
+            <a:r>
+              <a:rPr/>
+              <a:t>Parse dates</a:t>
+            </a:r>
+          </a:p>
+          <a:p>
+            <a:pPr lvl="1">
+              <a:buAutoNum type="arabicPeriod"/>
+            </a:pPr>
+            <a:r>
+              <a:rPr/>
+              <a:t>Convert columns to rows and back again</a:t>
+            </a:r>
+          </a:p>
+          <a:p>
+            <a:pPr lvl="1">
+              <a:buAutoNum type="arabicPeriod"/>
+            </a:pPr>
+            <a:r>
+              <a:rPr/>
+              <a:t>Delete columns</a:t>
             </a:r>
           </a:p>
         </p:txBody>
@@ -7433,39 +7171,31 @@
             </a:pPr>
             <a:r>
               <a:rPr/>
-              <a:t>Favourite</a:t>
-            </a:r>
-            <a:r>
-              <a:rPr/>
-              <a:t> </a:t>
-            </a:r>
-            <a:r>
-              <a:rPr/>
-              <a:t>data</a:t>
-            </a:r>
-            <a:r>
-              <a:rPr/>
-              <a:t> </a:t>
-            </a:r>
-            <a:r>
-              <a:rPr/>
-              <a:t>tidying</a:t>
-            </a:r>
-            <a:r>
-              <a:rPr/>
-              <a:t> </a:t>
-            </a:r>
-            <a:r>
-              <a:rPr/>
-              <a:t>‘</a:t>
-            </a:r>
-            <a:r>
-              <a:rPr/>
-              <a:t>recipies</a:t>
-            </a:r>
-            <a:r>
-              <a:rPr/>
-              <a:t>’</a:t>
+              <a:t>1.</a:t>
+            </a:r>
+            <a:r>
+              <a:rPr/>
+              <a:t> </a:t>
+            </a:r>
+            <a:r>
+              <a:rPr/>
+              <a:t>Rename</a:t>
+            </a:r>
+            <a:r>
+              <a:rPr/>
+              <a:t> </a:t>
+            </a:r>
+            <a:r>
+              <a:rPr/>
+              <a:t>a</a:t>
+            </a:r>
+            <a:r>
+              <a:rPr/>
+              <a:t> </a:t>
+            </a:r>
+            <a:r>
+              <a:rPr/>
+              <a:t>variable</a:t>
             </a:r>
           </a:p>
         </p:txBody>
@@ -7491,66 +7221,132 @@
           <a:bodyPr/>
           <a:lstStyle/>
           <a:p>
-            <a:pPr lvl="1">
-              <a:buAutoNum type="arabicPeriod"/>
+            <a:pPr lvl="0" marL="1270000" indent="0">
+              <a:buNone/>
             </a:pPr>
             <a:r>
-              <a:rPr/>
-              <a:t>Rename a variable</a:t>
-            </a:r>
-          </a:p>
-          <a:p>
-            <a:pPr lvl="1">
-              <a:buAutoNum type="arabicPeriod"/>
+              <a:rPr sz="1800" b="1">
+                <a:solidFill>
+                  <a:srgbClr val="007020"/>
+                </a:solidFill>
+                <a:latin typeface="Courier"/>
+              </a:rPr>
+              <a:t>names</a:t>
+            </a:r>
+            <a:r>
+              <a:rPr sz="1800">
+                <a:latin typeface="Courier"/>
+              </a:rPr>
+              <a:t>(cchic)</a:t>
+            </a:r>
+          </a:p>
+          <a:p>
+            <a:pPr lvl="0" marL="1270000" indent="0">
+              <a:buNone/>
             </a:pPr>
             <a:r>
-              <a:rPr/>
-              <a:t>Create a new variable</a:t>
-            </a:r>
-          </a:p>
-          <a:p>
-            <a:pPr lvl="1">
-              <a:buAutoNum type="arabicPeriod"/>
+              <a:rPr sz="1800">
+                <a:latin typeface="Courier"/>
+              </a:rPr>
+              <a:t>##  [1] "patient_id"   "admission"    "dob"          "age_years"   
+##  [5] "sex"          "weight"       "height"       "temp_c"      
+##  [9] "temp_nc"      "urea"         "na"           "sao2_abg"    
+## [13] "pao2_abg"     "lactate"      "vital_status" "care_level"  
+## [17] "discharge"    "los"</a:t>
+            </a:r>
+          </a:p>
+          <a:p>
+            <a:pPr lvl="0" marL="0" indent="0">
+              <a:buNone/>
             </a:pPr>
             <a:r>
               <a:rPr/>
-              <a:t>Extract numbers</a:t>
-            </a:r>
-          </a:p>
-          <a:p>
-            <a:pPr lvl="1">
-              <a:buAutoNum type="arabicPeriod"/>
+              <a:t>The variable called </a:t>
+            </a:r>
+            <a:r>
+              <a:rPr sz="1800">
+                <a:latin typeface="Courier"/>
+              </a:rPr>
+              <a:t>na</a:t>
+            </a:r>
+            <a:r>
+              <a:rPr/>
+              <a:t> is very confusing</a:t>
+            </a:r>
+          </a:p>
+          <a:p>
+            <a:pPr lvl="0" marL="1270000" indent="0">
+              <a:buNone/>
             </a:pPr>
             <a:r>
-              <a:rPr/>
-              <a:t>Extract strings</a:t>
-            </a:r>
-          </a:p>
-          <a:p>
-            <a:pPr lvl="1">
-              <a:buAutoNum type="arabicPeriod"/>
-            </a:pPr>
-            <a:r>
-              <a:rPr/>
-              <a:t>Parse dates</a:t>
-            </a:r>
-          </a:p>
-          <a:p>
-            <a:pPr lvl="1">
-              <a:buAutoNum type="arabicPeriod"/>
-            </a:pPr>
-            <a:r>
-              <a:rPr/>
-              <a:t>Convert columns to rows and back again</a:t>
-            </a:r>
-          </a:p>
-          <a:p>
-            <a:pPr lvl="1">
-              <a:buAutoNum type="arabicPeriod"/>
-            </a:pPr>
-            <a:r>
-              <a:rPr/>
-              <a:t>Delete columns</a:t>
+              <a:rPr sz="1800">
+                <a:latin typeface="Courier"/>
+              </a:rPr>
+              <a:t>cchic &lt;-</a:t>
+            </a:r>
+            <a:r>
+              <a:rPr sz="1800">
+                <a:solidFill>
+                  <a:srgbClr val="4070A0"/>
+                </a:solidFill>
+                <a:latin typeface="Courier"/>
+              </a:rPr>
+              <a:t> </a:t>
+            </a:r>
+            <a:r>
+              <a:rPr sz="1800">
+                <a:latin typeface="Courier"/>
+              </a:rPr>
+              <a:t>cchic </a:t>
+            </a:r>
+            <a:r>
+              <a:rPr sz="1800">
+                <a:solidFill>
+                  <a:srgbClr val="666666"/>
+                </a:solidFill>
+                <a:latin typeface="Courier"/>
+              </a:rPr>
+              <a:t>%&gt;%</a:t>
+            </a:r>
+            <a:br/>
+            <a:r>
+              <a:rPr sz="1800">
+                <a:solidFill>
+                  <a:srgbClr val="4070A0"/>
+                </a:solidFill>
+                <a:latin typeface="Courier"/>
+              </a:rPr>
+              <a:t>  </a:t>
+            </a:r>
+            <a:r>
+              <a:rPr sz="1800" b="1">
+                <a:solidFill>
+                  <a:srgbClr val="007020"/>
+                </a:solidFill>
+                <a:latin typeface="Courier"/>
+              </a:rPr>
+              <a:t>rename</a:t>
+            </a:r>
+            <a:r>
+              <a:rPr sz="1800">
+                <a:latin typeface="Courier"/>
+              </a:rPr>
+              <a:t>(</a:t>
+            </a:r>
+            <a:r>
+              <a:rPr sz="1800">
+                <a:solidFill>
+                  <a:srgbClr val="902000"/>
+                </a:solidFill>
+                <a:latin typeface="Courier"/>
+              </a:rPr>
+              <a:t>sodium =</a:t>
+            </a:r>
+            <a:r>
+              <a:rPr sz="1800">
+                <a:latin typeface="Courier"/>
+              </a:rPr>
+              <a:t> na)</a:t>
             </a:r>
           </a:p>
         </p:txBody>
@@ -7603,15 +7399,15 @@
             </a:pPr>
             <a:r>
               <a:rPr/>
-              <a:t>1.</a:t>
-            </a:r>
-            <a:r>
-              <a:rPr/>
-              <a:t> </a:t>
-            </a:r>
-            <a:r>
-              <a:rPr/>
-              <a:t>Rename</a:t>
+              <a:t>2.</a:t>
+            </a:r>
+            <a:r>
+              <a:rPr/>
+              <a:t> </a:t>
+            </a:r>
+            <a:r>
+              <a:rPr/>
+              <a:t>Create</a:t>
             </a:r>
             <a:r>
               <a:rPr/>
@@ -7627,6 +7423,14 @@
             </a:r>
             <a:r>
               <a:rPr/>
+              <a:t>new</a:t>
+            </a:r>
+            <a:r>
+              <a:rPr/>
+              <a:t> </a:t>
+            </a:r>
+            <a:r>
+              <a:rPr/>
               <a:t>variable</a:t>
             </a:r>
           </a:p>
@@ -7653,53 +7457,106 @@
           <a:bodyPr/>
           <a:lstStyle/>
           <a:p>
+            <a:pPr lvl="0" marL="0" indent="0">
+              <a:buNone/>
+            </a:pPr>
+            <a:r>
+              <a:rPr/>
+              <a:t>Use the </a:t>
+            </a:r>
+            <a:r>
+              <a:rPr sz="1800">
+                <a:latin typeface="Courier"/>
+              </a:rPr>
+              <a:t>mutate</a:t>
+            </a:r>
+            <a:r>
+              <a:rPr/>
+              <a:t> function</a:t>
+            </a:r>
+          </a:p>
+          <a:p>
             <a:pPr lvl="0" marL="1270000" indent="0">
               <a:buNone/>
             </a:pPr>
             <a:r>
+              <a:rPr sz="1800">
+                <a:latin typeface="Courier"/>
+              </a:rPr>
+              <a:t>cchic &lt;-</a:t>
+            </a:r>
+            <a:r>
+              <a:rPr sz="1800">
+                <a:solidFill>
+                  <a:srgbClr val="4070A0"/>
+                </a:solidFill>
+                <a:latin typeface="Courier"/>
+              </a:rPr>
+              <a:t> </a:t>
+            </a:r>
+            <a:r>
+              <a:rPr sz="1800">
+                <a:latin typeface="Courier"/>
+              </a:rPr>
+              <a:t>cchic </a:t>
+            </a:r>
+            <a:r>
+              <a:rPr sz="1800">
+                <a:solidFill>
+                  <a:srgbClr val="666666"/>
+                </a:solidFill>
+                <a:latin typeface="Courier"/>
+              </a:rPr>
+              <a:t>%&gt;%</a:t>
+            </a:r>
+            <a:br/>
+            <a:r>
+              <a:rPr sz="1800">
+                <a:solidFill>
+                  <a:srgbClr val="4070A0"/>
+                </a:solidFill>
+                <a:latin typeface="Courier"/>
+              </a:rPr>
+              <a:t>  </a:t>
+            </a:r>
+            <a:r>
               <a:rPr sz="1800" b="1">
                 <a:solidFill>
                   <a:srgbClr val="007020"/>
                 </a:solidFill>
                 <a:latin typeface="Courier"/>
               </a:rPr>
-              <a:t>names</a:t>
-            </a:r>
-            <a:r>
-              <a:rPr sz="1800">
-                <a:latin typeface="Courier"/>
-              </a:rPr>
-              <a:t>(cchic)</a:t>
-            </a:r>
-          </a:p>
-          <a:p>
-            <a:pPr lvl="0" marL="0" indent="0">
-              <a:buNone/>
-            </a:pPr>
-            <a:r>
-              <a:rPr/>
-              <a:t>The variable called </a:t>
-            </a:r>
-            <a:r>
-              <a:rPr sz="1800">
-                <a:latin typeface="Courier"/>
-              </a:rPr>
-              <a:t>na</a:t>
-            </a:r>
-            <a:r>
-              <a:rPr/>
-              <a:t> is very confusing</a:t>
-            </a:r>
-          </a:p>
-          <a:p>
-            <a:pPr lvl="0" marL="1270000" indent="0">
-              <a:buNone/>
-            </a:pPr>
-            <a:r>
-              <a:rPr sz="1800">
-                <a:latin typeface="Courier"/>
-              </a:rPr>
-              <a:t>cchic &lt;-</a:t>
+              <a:t>mutate</a:t>
+            </a:r>
+            <a:r>
+              <a:rPr sz="1800">
+                <a:latin typeface="Courier"/>
+              </a:rPr>
+              <a:t>(</a:t>
+            </a:r>
+            <a:r>
+              <a:rPr sz="1800">
+                <a:solidFill>
+                  <a:srgbClr val="902000"/>
+                </a:solidFill>
+                <a:latin typeface="Courier"/>
+              </a:rPr>
+              <a:t>bmi =</a:t>
+            </a:r>
+            <a:r>
+              <a:rPr sz="1800">
+                <a:latin typeface="Courier"/>
+              </a:rPr>
+              <a:t> (weight </a:t>
+            </a:r>
+            <a:r>
+              <a:rPr sz="1800">
+                <a:solidFill>
+                  <a:srgbClr val="666666"/>
+                </a:solidFill>
+                <a:latin typeface="Courier"/>
+              </a:rPr>
+              <a:t>/</a:t>
             </a:r>
             <a:r>
               <a:rPr sz="1800">
@@ -7714,7 +7571,7 @@
               <a:rPr sz="1800">
                 <a:latin typeface="Courier"/>
               </a:rPr>
-              <a:t>cchic </a:t>
+              <a:t>(height </a:t>
             </a:r>
             <a:r>
               <a:rPr sz="1800">
@@ -7723,7 +7580,7 @@
                 </a:solidFill>
                 <a:latin typeface="Courier"/>
               </a:rPr>
-              <a:t>%&gt;%</a:t>
+              <a:t>/</a:t>
             </a:r>
             <a:r>
               <a:rPr sz="1800">
@@ -7734,45 +7591,44 @@
               </a:rPr>
               <a:t> </a:t>
             </a:r>
-            <a:br/>
-            <a:r>
-              <a:rPr sz="1800">
-                <a:solidFill>
-                  <a:srgbClr val="4070A0"/>
-                </a:solidFill>
-                <a:latin typeface="Courier"/>
-              </a:rPr>
-              <a:t>           </a:t>
-            </a:r>
-            <a:r>
-              <a:rPr sz="1800" b="1">
-                <a:solidFill>
-                  <a:srgbClr val="007020"/>
-                </a:solidFill>
-                <a:latin typeface="Courier"/>
-              </a:rPr>
-              <a:t>rename</a:t>
-            </a:r>
-            <a:r>
-              <a:rPr sz="1800">
-                <a:latin typeface="Courier"/>
-              </a:rPr>
-              <a:t>(</a:t>
-            </a:r>
-            <a:r>
-              <a:rPr sz="1800">
-                <a:solidFill>
-                  <a:srgbClr val="902000"/>
-                </a:solidFill>
-                <a:latin typeface="Courier"/>
-              </a:rPr>
-              <a:t>sodium =</a:t>
-            </a:r>
-            <a:r>
-              <a:rPr sz="1800">
-                <a:latin typeface="Courier"/>
-              </a:rPr>
-              <a:t> na)</a:t>
+            <a:r>
+              <a:rPr sz="1800">
+                <a:solidFill>
+                  <a:srgbClr val="40A070"/>
+                </a:solidFill>
+                <a:latin typeface="Courier"/>
+              </a:rPr>
+              <a:t>100</a:t>
+            </a:r>
+            <a:r>
+              <a:rPr sz="1800">
+                <a:latin typeface="Courier"/>
+              </a:rPr>
+              <a:t>)</a:t>
+            </a:r>
+            <a:r>
+              <a:rPr sz="1800">
+                <a:solidFill>
+                  <a:srgbClr val="666666"/>
+                </a:solidFill>
+                <a:latin typeface="Courier"/>
+              </a:rPr>
+              <a:t>^</a:t>
+            </a:r>
+            <a:r>
+              <a:rPr sz="1800">
+                <a:solidFill>
+                  <a:srgbClr val="40A070"/>
+                </a:solidFill>
+                <a:latin typeface="Courier"/>
+              </a:rPr>
+              <a:t>2</a:t>
+            </a:r>
+            <a:r>
+              <a:rPr sz="1800">
+                <a:latin typeface="Courier"/>
+              </a:rPr>
+              <a:t>))</a:t>
             </a:r>
           </a:p>
         </p:txBody>
@@ -7825,39 +7681,23 @@
             </a:pPr>
             <a:r>
               <a:rPr/>
-              <a:t>2.</a:t>
-            </a:r>
-            <a:r>
-              <a:rPr/>
-              <a:t> </a:t>
-            </a:r>
-            <a:r>
-              <a:rPr/>
-              <a:t>Create</a:t>
-            </a:r>
-            <a:r>
-              <a:rPr/>
-              <a:t> </a:t>
-            </a:r>
-            <a:r>
-              <a:rPr/>
-              <a:t>a</a:t>
-            </a:r>
-            <a:r>
-              <a:rPr/>
-              <a:t> </a:t>
-            </a:r>
-            <a:r>
-              <a:rPr/>
-              <a:t>new</a:t>
-            </a:r>
-            <a:r>
-              <a:rPr/>
-              <a:t> </a:t>
-            </a:r>
-            <a:r>
-              <a:rPr/>
-              <a:t>variable</a:t>
+              <a:t>3.</a:t>
+            </a:r>
+            <a:r>
+              <a:rPr/>
+              <a:t> </a:t>
+            </a:r>
+            <a:r>
+              <a:rPr/>
+              <a:t>Extract</a:t>
+            </a:r>
+            <a:r>
+              <a:rPr/>
+              <a:t> </a:t>
+            </a:r>
+            <a:r>
+              <a:rPr/>
+              <a:t>numbers</a:t>
             </a:r>
           </a:p>
         </p:txBody>
@@ -7888,17 +7728,17 @@
             </a:pPr>
             <a:r>
               <a:rPr/>
-              <a:t>Use the </a:t>
-            </a:r>
-            <a:r>
-              <a:rPr sz="1800">
-                <a:latin typeface="Courier"/>
-              </a:rPr>
-              <a:t>mutate</a:t>
-            </a:r>
-            <a:r>
-              <a:rPr/>
-              <a:t> function</a:t>
+              <a:t>Parse numbers from text using the </a:t>
+            </a:r>
+            <a:r>
+              <a:rPr sz="1800">
+                <a:latin typeface="Courier"/>
+              </a:rPr>
+              <a:t>readr</a:t>
+            </a:r>
+            <a:r>
+              <a:rPr/>
+              <a:t> package.</a:t>
             </a:r>
           </a:p>
           <a:p>
@@ -7906,11 +7746,87 @@
               <a:buNone/>
             </a:pPr>
             <a:r>
-              <a:rPr sz="1800">
-                <a:latin typeface="Courier"/>
-              </a:rPr>
-              <a:t>cchic &lt;-</a:t>
-            </a:r>
+              <a:rPr sz="1800" b="1">
+                <a:solidFill>
+                  <a:srgbClr val="007020"/>
+                </a:solidFill>
+                <a:latin typeface="Courier"/>
+              </a:rPr>
+              <a:t>library</a:t>
+            </a:r>
+            <a:r>
+              <a:rPr sz="1800">
+                <a:latin typeface="Courier"/>
+              </a:rPr>
+              <a:t>(readr)</a:t>
+            </a:r>
+            <a:br/>
+            <a:r>
+              <a:rPr sz="1800" b="1">
+                <a:solidFill>
+                  <a:srgbClr val="007020"/>
+                </a:solidFill>
+                <a:latin typeface="Courier"/>
+              </a:rPr>
+              <a:t>str</a:t>
+            </a:r>
+            <a:r>
+              <a:rPr sz="1800">
+                <a:latin typeface="Courier"/>
+              </a:rPr>
+              <a:t>(cchic</a:t>
+            </a:r>
+            <a:r>
+              <a:rPr sz="1800">
+                <a:solidFill>
+                  <a:srgbClr val="666666"/>
+                </a:solidFill>
+                <a:latin typeface="Courier"/>
+              </a:rPr>
+              <a:t>$</a:t>
+            </a:r>
+            <a:r>
+              <a:rPr sz="1800">
+                <a:latin typeface="Courier"/>
+              </a:rPr>
+              <a:t>temp_nc)</a:t>
+            </a:r>
+          </a:p>
+          <a:p>
+            <a:pPr lvl="0" marL="0" indent="0">
+              <a:buNone/>
+            </a:pPr>
+            <a:r>
+              <a:rPr/>
+              <a:t>The unit is part of the value. We want to remove the unit.</a:t>
+            </a:r>
+          </a:p>
+          <a:p>
+            <a:pPr lvl="0" marL="1270000" indent="0">
+              <a:buNone/>
+            </a:pPr>
+            <a:r>
+              <a:rPr sz="1800">
+                <a:latin typeface="Courier"/>
+              </a:rPr>
+              <a:t>cchic</a:t>
+            </a:r>
+            <a:r>
+              <a:rPr sz="1800">
+                <a:solidFill>
+                  <a:srgbClr val="666666"/>
+                </a:solidFill>
+                <a:latin typeface="Courier"/>
+              </a:rPr>
+              <a:t>$</a:t>
+            </a:r>
+            <a:r>
+              <a:rPr sz="1800">
+                <a:latin typeface="Courier"/>
+              </a:rPr>
+              <a:t>temp_nc &lt;-</a:t>
+            </a:r>
+            <a:br/>
             <a:r>
               <a:rPr sz="1800">
                 <a:solidFill>
@@ -7918,13 +7834,22 @@
                 </a:solidFill>
                 <a:latin typeface="Courier"/>
               </a:rPr>
-              <a:t> </a:t>
-            </a:r>
-            <a:r>
-              <a:rPr sz="1800">
-                <a:latin typeface="Courier"/>
-              </a:rPr>
-              <a:t>cchic </a:t>
+              <a:t>  </a:t>
+            </a:r>
+            <a:r>
+              <a:rPr sz="1800" b="1">
+                <a:solidFill>
+                  <a:srgbClr val="007020"/>
+                </a:solidFill>
+                <a:latin typeface="Courier"/>
+              </a:rPr>
+              <a:t>parse_number</a:t>
+            </a:r>
+            <a:r>
+              <a:rPr sz="1800">
+                <a:latin typeface="Courier"/>
+              </a:rPr>
+              <a:t>(cchic</a:t>
             </a:r>
             <a:r>
               <a:rPr sz="1800">
@@ -7933,110 +7858,13 @@
                 </a:solidFill>
                 <a:latin typeface="Courier"/>
               </a:rPr>
-              <a:t>%&gt;%</a:t>
-            </a:r>
-            <a:br/>
-            <a:r>
-              <a:rPr sz="1800">
-                <a:solidFill>
-                  <a:srgbClr val="4070A0"/>
-                </a:solidFill>
-                <a:latin typeface="Courier"/>
-              </a:rPr>
-              <a:t>  </a:t>
-            </a:r>
-            <a:r>
-              <a:rPr sz="1800" b="1">
-                <a:solidFill>
-                  <a:srgbClr val="007020"/>
-                </a:solidFill>
-                <a:latin typeface="Courier"/>
-              </a:rPr>
-              <a:t>mutate</a:t>
-            </a:r>
-            <a:r>
-              <a:rPr sz="1800">
-                <a:latin typeface="Courier"/>
-              </a:rPr>
-              <a:t>(</a:t>
-            </a:r>
-            <a:r>
-              <a:rPr sz="1800">
-                <a:solidFill>
-                  <a:srgbClr val="902000"/>
-                </a:solidFill>
-                <a:latin typeface="Courier"/>
-              </a:rPr>
-              <a:t>bmi=</a:t>
-            </a:r>
-            <a:r>
-              <a:rPr sz="1800">
-                <a:latin typeface="Courier"/>
-              </a:rPr>
-              <a:t>(weight</a:t>
-            </a:r>
-            <a:r>
-              <a:rPr sz="1800">
-                <a:solidFill>
-                  <a:srgbClr val="666666"/>
-                </a:solidFill>
-                <a:latin typeface="Courier"/>
-              </a:rPr>
-              <a:t>/</a:t>
-            </a:r>
-            <a:r>
-              <a:rPr sz="1800">
-                <a:latin typeface="Courier"/>
-              </a:rPr>
-              <a:t>(height</a:t>
-            </a:r>
-            <a:r>
-              <a:rPr sz="1800">
-                <a:solidFill>
-                  <a:srgbClr val="666666"/>
-                </a:solidFill>
-                <a:latin typeface="Courier"/>
-              </a:rPr>
-              <a:t>/</a:t>
-            </a:r>
-            <a:r>
-              <a:rPr sz="1800">
-                <a:solidFill>
-                  <a:srgbClr val="40A070"/>
-                </a:solidFill>
-                <a:latin typeface="Courier"/>
-              </a:rPr>
-              <a:t>100</a:t>
-            </a:r>
-            <a:r>
-              <a:rPr sz="1800">
-                <a:latin typeface="Courier"/>
-              </a:rPr>
-              <a:t>)</a:t>
-            </a:r>
-            <a:r>
-              <a:rPr sz="1800">
-                <a:solidFill>
-                  <a:srgbClr val="666666"/>
-                </a:solidFill>
-                <a:latin typeface="Courier"/>
-              </a:rPr>
-              <a:t>^</a:t>
-            </a:r>
-            <a:r>
-              <a:rPr sz="1800">
-                <a:solidFill>
-                  <a:srgbClr val="40A070"/>
-                </a:solidFill>
-                <a:latin typeface="Courier"/>
-              </a:rPr>
-              <a:t>2</a:t>
-            </a:r>
-            <a:r>
-              <a:rPr sz="1800">
-                <a:latin typeface="Courier"/>
-              </a:rPr>
-              <a:t>))</a:t>
+              <a:t>$</a:t>
+            </a:r>
+            <a:r>
+              <a:rPr sz="1800">
+                <a:latin typeface="Courier"/>
+              </a:rPr>
+              <a:t>temp_nc)</a:t>
             </a:r>
           </a:p>
         </p:txBody>
@@ -8089,23 +7917,23 @@
             </a:pPr>
             <a:r>
               <a:rPr/>
-              <a:t>3.</a:t>
-            </a:r>
-            <a:r>
-              <a:rPr/>
-              <a:t> </a:t>
-            </a:r>
-            <a:r>
-              <a:rPr/>
-              <a:t>Extract</a:t>
-            </a:r>
-            <a:r>
-              <a:rPr/>
-              <a:t> </a:t>
-            </a:r>
-            <a:r>
-              <a:rPr/>
-              <a:t>numbers</a:t>
+              <a:t>4.</a:t>
+            </a:r>
+            <a:r>
+              <a:rPr/>
+              <a:t> </a:t>
+            </a:r>
+            <a:r>
+              <a:rPr/>
+              <a:t>Manipulate</a:t>
+            </a:r>
+            <a:r>
+              <a:rPr/>
+              <a:t> </a:t>
+            </a:r>
+            <a:r>
+              <a:rPr/>
+              <a:t>strings</a:t>
             </a:r>
           </a:p>
         </p:txBody>
@@ -8131,22 +7959,142 @@
           <a:bodyPr/>
           <a:lstStyle/>
           <a:p>
+            <a:pPr lvl="0" marL="1270000" indent="0">
+              <a:buNone/>
+            </a:pPr>
+            <a:r>
+              <a:rPr sz="1800" b="1">
+                <a:solidFill>
+                  <a:srgbClr val="007020"/>
+                </a:solidFill>
+                <a:latin typeface="Courier"/>
+              </a:rPr>
+              <a:t>library</a:t>
+            </a:r>
+            <a:r>
+              <a:rPr sz="1800">
+                <a:latin typeface="Courier"/>
+              </a:rPr>
+              <a:t>(stringr)</a:t>
+            </a:r>
+            <a:br/>
+            <a:r>
+              <a:rPr sz="1800">
+                <a:latin typeface="Courier"/>
+              </a:rPr>
+              <a:t>test_gender &lt;-</a:t>
+            </a:r>
+            <a:r>
+              <a:rPr sz="1800">
+                <a:solidFill>
+                  <a:srgbClr val="4070A0"/>
+                </a:solidFill>
+                <a:latin typeface="Courier"/>
+              </a:rPr>
+              <a:t> </a:t>
+            </a:r>
+            <a:r>
+              <a:rPr sz="1800" b="1">
+                <a:solidFill>
+                  <a:srgbClr val="007020"/>
+                </a:solidFill>
+                <a:latin typeface="Courier"/>
+              </a:rPr>
+              <a:t>c</a:t>
+            </a:r>
+            <a:r>
+              <a:rPr sz="1800">
+                <a:latin typeface="Courier"/>
+              </a:rPr>
+              <a:t>(</a:t>
+            </a:r>
+            <a:r>
+              <a:rPr sz="1800">
+                <a:solidFill>
+                  <a:srgbClr val="4070A0"/>
+                </a:solidFill>
+                <a:latin typeface="Courier"/>
+              </a:rPr>
+              <a:t>"f"</a:t>
+            </a:r>
+            <a:r>
+              <a:rPr sz="1800">
+                <a:latin typeface="Courier"/>
+              </a:rPr>
+              <a:t>, </a:t>
+            </a:r>
+            <a:r>
+              <a:rPr sz="1800">
+                <a:solidFill>
+                  <a:srgbClr val="4070A0"/>
+                </a:solidFill>
+                <a:latin typeface="Courier"/>
+              </a:rPr>
+              <a:t>"F"</a:t>
+            </a:r>
+            <a:r>
+              <a:rPr sz="1800">
+                <a:latin typeface="Courier"/>
+              </a:rPr>
+              <a:t>, </a:t>
+            </a:r>
+            <a:r>
+              <a:rPr sz="1800">
+                <a:solidFill>
+                  <a:srgbClr val="4070A0"/>
+                </a:solidFill>
+                <a:latin typeface="Courier"/>
+              </a:rPr>
+              <a:t>"M"</a:t>
+            </a:r>
+            <a:r>
+              <a:rPr sz="1800">
+                <a:latin typeface="Courier"/>
+              </a:rPr>
+              <a:t>, </a:t>
+            </a:r>
+            <a:r>
+              <a:rPr sz="1800">
+                <a:solidFill>
+                  <a:srgbClr val="4070A0"/>
+                </a:solidFill>
+                <a:latin typeface="Courier"/>
+              </a:rPr>
+              <a:t>"f"</a:t>
+            </a:r>
+            <a:r>
+              <a:rPr sz="1800">
+                <a:latin typeface="Courier"/>
+              </a:rPr>
+              <a:t>)</a:t>
+            </a:r>
+          </a:p>
+          <a:p>
             <a:pPr lvl="0" marL="0" indent="0">
               <a:buNone/>
             </a:pPr>
             <a:r>
               <a:rPr/>
-              <a:t>Parse numbers from text using the </a:t>
-            </a:r>
-            <a:r>
-              <a:rPr sz="1800">
-                <a:latin typeface="Courier"/>
-              </a:rPr>
-              <a:t>readr</a:t>
-            </a:r>
-            <a:r>
-              <a:rPr/>
-              <a:t> package.</a:t>
+              <a:t>Notice that </a:t>
+            </a:r>
+            <a:r>
+              <a:rPr sz="1800">
+                <a:latin typeface="Courier"/>
+              </a:rPr>
+              <a:t>female</a:t>
+            </a:r>
+            <a:r>
+              <a:rPr/>
+              <a:t> is coded in 2 different ways</a:t>
+            </a:r>
+          </a:p>
+          <a:p>
+            <a:pPr lvl="0" marL="0" indent="0">
+              <a:buNone/>
+            </a:pPr>
+            <a:r>
+              <a:rPr/>
+              <a:t>We can change all of the letters to uppercase.</a:t>
             </a:r>
           </a:p>
           <a:p>
@@ -8154,50 +8102,52 @@
               <a:buNone/>
             </a:pPr>
             <a:r>
+              <a:rPr sz="1800">
+                <a:latin typeface="Courier"/>
+              </a:rPr>
+              <a:t>test_gender &lt;-</a:t>
+            </a:r>
+            <a:r>
+              <a:rPr sz="1800">
+                <a:solidFill>
+                  <a:srgbClr val="4070A0"/>
+                </a:solidFill>
+                <a:latin typeface="Courier"/>
+              </a:rPr>
+              <a:t> </a:t>
+            </a:r>
+            <a:r>
               <a:rPr sz="1800" b="1">
                 <a:solidFill>
                   <a:srgbClr val="007020"/>
                 </a:solidFill>
                 <a:latin typeface="Courier"/>
               </a:rPr>
-              <a:t>library</a:t>
-            </a:r>
-            <a:r>
-              <a:rPr sz="1800">
-                <a:latin typeface="Courier"/>
-              </a:rPr>
-              <a:t>(readr)</a:t>
+              <a:t>str_to_upper</a:t>
+            </a:r>
+            <a:r>
+              <a:rPr sz="1800">
+                <a:latin typeface="Courier"/>
+              </a:rPr>
+              <a:t>(test_gender)</a:t>
             </a:r>
             <a:br/>
             <a:r>
-              <a:rPr sz="1800" b="1">
-                <a:solidFill>
-                  <a:srgbClr val="007020"/>
-                </a:solidFill>
-                <a:latin typeface="Courier"/>
-              </a:rPr>
-              <a:t>str</a:t>
-            </a:r>
-            <a:r>
-              <a:rPr sz="1800">
-                <a:latin typeface="Courier"/>
-              </a:rPr>
-              <a:t>(cchic</a:t>
-            </a:r>
-            <a:r>
-              <a:rPr sz="1800">
-                <a:solidFill>
-                  <a:srgbClr val="666666"/>
-                </a:solidFill>
-                <a:latin typeface="Courier"/>
-              </a:rPr>
-              <a:t>$</a:t>
-            </a:r>
-            <a:r>
-              <a:rPr sz="1800">
-                <a:latin typeface="Courier"/>
-              </a:rPr>
-              <a:t>temp_nc)</a:t>
+              <a:rPr sz="1800">
+                <a:latin typeface="Courier"/>
+              </a:rPr>
+              <a:t>test_gender</a:t>
+            </a:r>
+          </a:p>
+          <a:p>
+            <a:pPr lvl="0" marL="1270000" indent="0">
+              <a:buNone/>
+            </a:pPr>
+            <a:r>
+              <a:rPr sz="1800">
+                <a:latin typeface="Courier"/>
+              </a:rPr>
+              <a:t>## [1] "F" "F" "M" "F"</a:t>
             </a:r>
           </a:p>
           <a:p>
@@ -8206,73 +8156,7 @@
             </a:pPr>
             <a:r>
               <a:rPr/>
-              <a:t>The unit is part of the value. We want to remove the unit.</a:t>
-            </a:r>
-          </a:p>
-          <a:p>
-            <a:pPr lvl="0" marL="1270000" indent="0">
-              <a:buNone/>
-            </a:pPr>
-            <a:r>
-              <a:rPr sz="1800">
-                <a:latin typeface="Courier"/>
-              </a:rPr>
-              <a:t>cchic</a:t>
-            </a:r>
-            <a:r>
-              <a:rPr sz="1800">
-                <a:solidFill>
-                  <a:srgbClr val="666666"/>
-                </a:solidFill>
-                <a:latin typeface="Courier"/>
-              </a:rPr>
-              <a:t>$</a:t>
-            </a:r>
-            <a:r>
-              <a:rPr sz="1800">
-                <a:latin typeface="Courier"/>
-              </a:rPr>
-              <a:t>temp_nc &lt;-</a:t>
-            </a:r>
-            <a:br/>
-            <a:r>
-              <a:rPr sz="1800">
-                <a:solidFill>
-                  <a:srgbClr val="4070A0"/>
-                </a:solidFill>
-                <a:latin typeface="Courier"/>
-              </a:rPr>
-              <a:t>  </a:t>
-            </a:r>
-            <a:r>
-              <a:rPr sz="1800" b="1">
-                <a:solidFill>
-                  <a:srgbClr val="007020"/>
-                </a:solidFill>
-                <a:latin typeface="Courier"/>
-              </a:rPr>
-              <a:t>parse_number</a:t>
-            </a:r>
-            <a:r>
-              <a:rPr sz="1800">
-                <a:latin typeface="Courier"/>
-              </a:rPr>
-              <a:t>(cchic</a:t>
-            </a:r>
-            <a:r>
-              <a:rPr sz="1800">
-                <a:solidFill>
-                  <a:srgbClr val="666666"/>
-                </a:solidFill>
-                <a:latin typeface="Courier"/>
-              </a:rPr>
-              <a:t>$</a:t>
-            </a:r>
-            <a:r>
-              <a:rPr sz="1800">
-                <a:latin typeface="Courier"/>
-              </a:rPr>
-              <a:t>temp_nc)</a:t>
+              <a:t>Look at the manipulate strings cheat sheet for other functions you can use.</a:t>
             </a:r>
           </a:p>
         </p:txBody>
@@ -8325,23 +8209,31 @@
             </a:pPr>
             <a:r>
               <a:rPr/>
-              <a:t>4.</a:t>
-            </a:r>
-            <a:r>
-              <a:rPr/>
-              <a:t> </a:t>
-            </a:r>
-            <a:r>
-              <a:rPr/>
-              <a:t>Manipulate</a:t>
-            </a:r>
-            <a:r>
-              <a:rPr/>
-              <a:t> </a:t>
-            </a:r>
-            <a:r>
-              <a:rPr/>
-              <a:t>strings</a:t>
+              <a:t>5.</a:t>
+            </a:r>
+            <a:r>
+              <a:rPr/>
+              <a:t> </a:t>
+            </a:r>
+            <a:r>
+              <a:rPr/>
+              <a:t>Working</a:t>
+            </a:r>
+            <a:r>
+              <a:rPr/>
+              <a:t> </a:t>
+            </a:r>
+            <a:r>
+              <a:rPr/>
+              <a:t>with</a:t>
+            </a:r>
+            <a:r>
+              <a:rPr/>
+              <a:t> </a:t>
+            </a:r>
+            <a:r>
+              <a:rPr/>
+              <a:t>dates</a:t>
             </a:r>
           </a:p>
         </p:txBody>
@@ -8367,6 +8259,15 @@
           <a:bodyPr/>
           <a:lstStyle/>
           <a:p>
+            <a:pPr lvl="0" marL="0" indent="0">
+              <a:buNone/>
+            </a:pPr>
+            <a:r>
+              <a:rPr/>
+              <a:t>R treats dates as characters unless you tell it not to.</a:t>
+            </a:r>
+          </a:p>
+          <a:p>
             <a:pPr lvl="0" marL="1270000" indent="0">
               <a:buNone/>
             </a:pPr>
@@ -8383,14 +8284,15 @@
               <a:rPr sz="1800">
                 <a:latin typeface="Courier"/>
               </a:rPr>
-              <a:t>(stringr)</a:t>
+              <a:t>(lubridate)</a:t>
             </a:r>
             <a:br/>
-            <a:r>
-              <a:rPr sz="1800">
-                <a:latin typeface="Courier"/>
-              </a:rPr>
-              <a:t>test_gender &lt;-</a:t>
+            <a:br/>
+            <a:r>
+              <a:rPr sz="1800">
+                <a:latin typeface="Courier"/>
+              </a:rPr>
+              <a:t>test_dates &lt;-</a:t>
             </a:r>
             <a:r>
               <a:rPr sz="1800">
@@ -8423,7 +8325,7 @@
                 </a:solidFill>
                 <a:latin typeface="Courier"/>
               </a:rPr>
-              <a:t>"f"</a:t>
+              <a:t>"02-01-12"</a:t>
             </a:r>
             <a:r>
               <a:rPr sz="1800">
@@ -8438,7 +8340,7 @@
                 </a:solidFill>
                 <a:latin typeface="Courier"/>
               </a:rPr>
-              <a:t>"F"</a:t>
+              <a:t>"03-04-15"</a:t>
             </a:r>
             <a:r>
               <a:rPr sz="1800">
@@ -8453,13 +8355,33 @@
                 </a:solidFill>
                 <a:latin typeface="Courier"/>
               </a:rPr>
-              <a:t>"M"</a:t>
-            </a:r>
-            <a:r>
-              <a:rPr sz="1800">
-                <a:latin typeface="Courier"/>
-              </a:rPr>
-              <a:t>, </a:t>
+              <a:t>"15-06-02"</a:t>
+            </a:r>
+            <a:r>
+              <a:rPr sz="1800">
+                <a:latin typeface="Courier"/>
+              </a:rPr>
+              <a:t>)</a:t>
+            </a:r>
+          </a:p>
+          <a:p>
+            <a:pPr lvl="0" marL="0" indent="0">
+              <a:buNone/>
+            </a:pPr>
+            <a:r>
+              <a:rPr/>
+              <a:t>Convert these characters to dates.</a:t>
+            </a:r>
+          </a:p>
+          <a:p>
+            <a:pPr lvl="0" marL="1270000" indent="0">
+              <a:buNone/>
+            </a:pPr>
+            <a:r>
+              <a:rPr sz="1800">
+                <a:latin typeface="Courier"/>
+              </a:rPr>
+              <a:t>test_dates &lt;-</a:t>
             </a:r>
             <a:r>
               <a:rPr sz="1800">
@@ -8468,103 +8390,40 @@
                 </a:solidFill>
                 <a:latin typeface="Courier"/>
               </a:rPr>
-              <a:t>"f"</a:t>
-            </a:r>
-            <a:r>
-              <a:rPr sz="1800">
-                <a:latin typeface="Courier"/>
-              </a:rPr>
-              <a:t>)</a:t>
-            </a:r>
-          </a:p>
-          <a:p>
-            <a:pPr lvl="0" marL="0" indent="0">
+              <a:t> </a:t>
+            </a:r>
+            <a:r>
+              <a:rPr sz="1800" b="1">
+                <a:solidFill>
+                  <a:srgbClr val="007020"/>
+                </a:solidFill>
+                <a:latin typeface="Courier"/>
+              </a:rPr>
+              <a:t>dmy</a:t>
+            </a:r>
+            <a:r>
+              <a:rPr sz="1800">
+                <a:latin typeface="Courier"/>
+              </a:rPr>
+              <a:t>(test_dates)</a:t>
+            </a:r>
+            <a:br/>
+            <a:r>
+              <a:rPr sz="1800">
+                <a:latin typeface="Courier"/>
+              </a:rPr>
+              <a:t>test_dates</a:t>
+            </a:r>
+          </a:p>
+          <a:p>
+            <a:pPr lvl="0" marL="1270000" indent="0">
               <a:buNone/>
             </a:pPr>
             <a:r>
-              <a:rPr/>
-              <a:t>Notice that </a:t>
-            </a:r>
-            <a:r>
-              <a:rPr sz="1800">
-                <a:latin typeface="Courier"/>
-              </a:rPr>
-              <a:t>female</a:t>
-            </a:r>
-            <a:r>
-              <a:rPr/>
-              <a:t> is coded in 2 different ways</a:t>
-            </a:r>
-          </a:p>
-          <a:p>
-            <a:pPr lvl="0" marL="0" indent="0">
-              <a:buNone/>
-            </a:pPr>
-            <a:r>
-              <a:rPr/>
-              <a:t>We can change all of the letters to uppercase.</a:t>
-            </a:r>
-          </a:p>
-          <a:p>
-            <a:pPr lvl="0" marL="1270000" indent="0">
-              <a:buNone/>
-            </a:pPr>
-            <a:r>
-              <a:rPr sz="1800">
-                <a:latin typeface="Courier"/>
-              </a:rPr>
-              <a:t>test_gender &lt;-</a:t>
-            </a:r>
-            <a:r>
-              <a:rPr sz="1800">
-                <a:solidFill>
-                  <a:srgbClr val="4070A0"/>
-                </a:solidFill>
-                <a:latin typeface="Courier"/>
-              </a:rPr>
-              <a:t> </a:t>
-            </a:r>
-            <a:r>
-              <a:rPr sz="1800" b="1">
-                <a:solidFill>
-                  <a:srgbClr val="007020"/>
-                </a:solidFill>
-                <a:latin typeface="Courier"/>
-              </a:rPr>
-              <a:t>str_to_upper</a:t>
-            </a:r>
-            <a:r>
-              <a:rPr sz="1800">
-                <a:latin typeface="Courier"/>
-              </a:rPr>
-              <a:t>(test_gender)</a:t>
-            </a:r>
-            <a:br/>
-            <a:r>
-              <a:rPr sz="1800">
-                <a:latin typeface="Courier"/>
-              </a:rPr>
-              <a:t>test_gender</a:t>
-            </a:r>
-          </a:p>
-          <a:p>
-            <a:pPr lvl="0" marL="1270000" indent="0">
-              <a:buNone/>
-            </a:pPr>
-            <a:r>
-              <a:rPr sz="1800">
-                <a:latin typeface="Courier"/>
-              </a:rPr>
-              <a:t>## [1] "F" "F" "M" "F"</a:t>
-            </a:r>
-          </a:p>
-          <a:p>
-            <a:pPr lvl="0" marL="0" indent="0">
-              <a:buNone/>
-            </a:pPr>
-            <a:r>
-              <a:rPr/>
-              <a:t>Look at the manipulate strings cheat sheet for other functions you can use.</a:t>
+              <a:rPr sz="1800">
+                <a:latin typeface="Courier"/>
+              </a:rPr>
+              <a:t>## [1] "2012-01-02" "2015-04-03" "2002-06-15"</a:t>
             </a:r>
           </a:p>
         </p:txBody>
@@ -8617,31 +8476,15 @@
             </a:pPr>
             <a:r>
               <a:rPr/>
-              <a:t>5.</a:t>
-            </a:r>
-            <a:r>
-              <a:rPr/>
-              <a:t> </a:t>
-            </a:r>
-            <a:r>
-              <a:rPr/>
-              <a:t>Working</a:t>
-            </a:r>
-            <a:r>
-              <a:rPr/>
-              <a:t> </a:t>
-            </a:r>
-            <a:r>
-              <a:rPr/>
-              <a:t>with</a:t>
-            </a:r>
-            <a:r>
-              <a:rPr/>
-              <a:t> </a:t>
-            </a:r>
-            <a:r>
-              <a:rPr/>
-              <a:t>dates</a:t>
+              <a:t>Parsing</a:t>
+            </a:r>
+            <a:r>
+              <a:rPr/>
+              <a:t> </a:t>
+            </a:r>
+            <a:r>
+              <a:rPr/>
+              <a:t>dates.</a:t>
             </a:r>
           </a:p>
         </p:txBody>
@@ -8672,7 +8515,16 @@
             </a:pPr>
             <a:r>
               <a:rPr/>
-              <a:t>R treats dates as characters unless you tell it not to.</a:t>
+              <a:t>We can extract components of dates.</a:t>
+            </a:r>
+          </a:p>
+          <a:p>
+            <a:pPr lvl="0" marL="0" indent="0">
+              <a:buNone/>
+            </a:pPr>
+            <a:r>
+              <a:rPr/>
+              <a:t>Extracting years</a:t>
             </a:r>
           </a:p>
           <a:p>
@@ -8680,28 +8532,86 @@
               <a:buNone/>
             </a:pPr>
             <a:r>
+              <a:rPr sz="1800">
+                <a:latin typeface="Courier"/>
+              </a:rPr>
+              <a:t>cchic_year_born &lt;-</a:t>
+            </a:r>
+            <a:r>
+              <a:rPr sz="1800">
+                <a:solidFill>
+                  <a:srgbClr val="4070A0"/>
+                </a:solidFill>
+                <a:latin typeface="Courier"/>
+              </a:rPr>
+              <a:t> </a:t>
+            </a:r>
+            <a:r>
               <a:rPr sz="1800" b="1">
                 <a:solidFill>
                   <a:srgbClr val="007020"/>
                 </a:solidFill>
                 <a:latin typeface="Courier"/>
               </a:rPr>
-              <a:t>library</a:t>
-            </a:r>
-            <a:r>
-              <a:rPr sz="1800">
-                <a:latin typeface="Courier"/>
-              </a:rPr>
-              <a:t>(lubridate)</a:t>
+              <a:t>year</a:t>
+            </a:r>
+            <a:r>
+              <a:rPr sz="1800">
+                <a:latin typeface="Courier"/>
+              </a:rPr>
+              <a:t>(</a:t>
+            </a:r>
+            <a:r>
+              <a:rPr sz="1800" b="1">
+                <a:solidFill>
+                  <a:srgbClr val="007020"/>
+                </a:solidFill>
+                <a:latin typeface="Courier"/>
+              </a:rPr>
+              <a:t>dmy</a:t>
+            </a:r>
+            <a:r>
+              <a:rPr sz="1800">
+                <a:latin typeface="Courier"/>
+              </a:rPr>
+              <a:t>(cchic</a:t>
+            </a:r>
+            <a:r>
+              <a:rPr sz="1800">
+                <a:solidFill>
+                  <a:srgbClr val="666666"/>
+                </a:solidFill>
+                <a:latin typeface="Courier"/>
+              </a:rPr>
+              <a:t>$</a:t>
+            </a:r>
+            <a:r>
+              <a:rPr sz="1800">
+                <a:latin typeface="Courier"/>
+              </a:rPr>
+              <a:t>dob))</a:t>
+            </a:r>
+          </a:p>
+          <a:p>
+            <a:pPr lvl="0" marL="0" indent="0">
+              <a:buNone/>
+            </a:pPr>
+            <a:r>
+              <a:rPr/>
+              <a:t>Extracting days</a:t>
+            </a:r>
+          </a:p>
+          <a:p>
+            <a:pPr lvl="0" marL="1270000" indent="0">
+              <a:buNone/>
+            </a:pPr>
+            <a:r>
+              <a:rPr sz="1800">
+                <a:latin typeface="Courier"/>
+              </a:rPr>
+              <a:t>discharge_days &lt;-</a:t>
             </a:r>
             <a:br/>
-            <a:br/>
-            <a:r>
-              <a:rPr sz="1800">
-                <a:latin typeface="Courier"/>
-              </a:rPr>
-              <a:t>test_dates &lt;-</a:t>
-            </a:r>
             <a:r>
               <a:rPr sz="1800">
                 <a:solidFill>
@@ -8709,7 +8619,7 @@
                 </a:solidFill>
                 <a:latin typeface="Courier"/>
               </a:rPr>
-              <a:t> </a:t>
+              <a:t>  </a:t>
             </a:r>
             <a:r>
               <a:rPr sz="1800" b="1">
@@ -8718,7 +8628,7 @@
                 </a:solidFill>
                 <a:latin typeface="Courier"/>
               </a:rPr>
-              <a:t>c</a:t>
+              <a:t>day</a:t>
             </a:r>
             <a:r>
               <a:rPr sz="1800">
@@ -8727,80 +8637,6 @@
               <a:t>(</a:t>
             </a:r>
             <a:r>
-              <a:rPr sz="1800">
-                <a:solidFill>
-                  <a:srgbClr val="4070A0"/>
-                </a:solidFill>
-                <a:latin typeface="Courier"/>
-              </a:rPr>
-              <a:t>"02-01-12"</a:t>
-            </a:r>
-            <a:r>
-              <a:rPr sz="1800">
-                <a:latin typeface="Courier"/>
-              </a:rPr>
-              <a:t>, </a:t>
-            </a:r>
-            <a:r>
-              <a:rPr sz="1800">
-                <a:solidFill>
-                  <a:srgbClr val="4070A0"/>
-                </a:solidFill>
-                <a:latin typeface="Courier"/>
-              </a:rPr>
-              <a:t>"03-04-15"</a:t>
-            </a:r>
-            <a:r>
-              <a:rPr sz="1800">
-                <a:latin typeface="Courier"/>
-              </a:rPr>
-              <a:t>, </a:t>
-            </a:r>
-            <a:r>
-              <a:rPr sz="1800">
-                <a:solidFill>
-                  <a:srgbClr val="4070A0"/>
-                </a:solidFill>
-                <a:latin typeface="Courier"/>
-              </a:rPr>
-              <a:t>"15-06-02"</a:t>
-            </a:r>
-            <a:r>
-              <a:rPr sz="1800">
-                <a:latin typeface="Courier"/>
-              </a:rPr>
-              <a:t>) </a:t>
-            </a:r>
-          </a:p>
-          <a:p>
-            <a:pPr lvl="0" marL="0" indent="0">
-              <a:buNone/>
-            </a:pPr>
-            <a:r>
-              <a:rPr/>
-              <a:t>Convert these characters to dates.</a:t>
-            </a:r>
-          </a:p>
-          <a:p>
-            <a:pPr lvl="0" marL="1270000" indent="0">
-              <a:buNone/>
-            </a:pPr>
-            <a:r>
-              <a:rPr sz="1800">
-                <a:latin typeface="Courier"/>
-              </a:rPr>
-              <a:t>test_dates &lt;-</a:t>
-            </a:r>
-            <a:r>
-              <a:rPr sz="1800">
-                <a:solidFill>
-                  <a:srgbClr val="4070A0"/>
-                </a:solidFill>
-                <a:latin typeface="Courier"/>
-              </a:rPr>
-              <a:t> </a:t>
-            </a:r>
-            <a:r>
               <a:rPr sz="1800" b="1">
                 <a:solidFill>
                   <a:srgbClr val="007020"/>
@@ -8813,25 +8649,22 @@
               <a:rPr sz="1800">
                 <a:latin typeface="Courier"/>
               </a:rPr>
-              <a:t>(test_dates)</a:t>
-            </a:r>
-            <a:br/>
-            <a:r>
-              <a:rPr sz="1800">
-                <a:latin typeface="Courier"/>
-              </a:rPr>
-              <a:t>test_dates</a:t>
-            </a:r>
-          </a:p>
-          <a:p>
-            <a:pPr lvl="0" marL="1270000" indent="0">
-              <a:buNone/>
-            </a:pPr>
-            <a:r>
-              <a:rPr sz="1800">
-                <a:latin typeface="Courier"/>
-              </a:rPr>
-              <a:t>## [1] "2012-01-02" "2015-04-03" "2002-06-15"</a:t>
+              <a:t>(cchic</a:t>
+            </a:r>
+            <a:r>
+              <a:rPr sz="1800">
+                <a:solidFill>
+                  <a:srgbClr val="666666"/>
+                </a:solidFill>
+                <a:latin typeface="Courier"/>
+              </a:rPr>
+              <a:t>$</a:t>
+            </a:r>
+            <a:r>
+              <a:rPr sz="1800">
+                <a:latin typeface="Courier"/>
+              </a:rPr>
+              <a:t>discharge))</a:t>
             </a:r>
           </a:p>
         </p:txBody>
@@ -8884,15 +8717,15 @@
             </a:pPr>
             <a:r>
               <a:rPr/>
-              <a:t>Parsing</a:t>
-            </a:r>
-            <a:r>
-              <a:rPr/>
-              <a:t> </a:t>
-            </a:r>
-            <a:r>
-              <a:rPr/>
-              <a:t>dates.</a:t>
+              <a:t>Date</a:t>
+            </a:r>
+            <a:r>
+              <a:rPr/>
+              <a:t> </a:t>
+            </a:r>
+            <a:r>
+              <a:rPr/>
+              <a:t>intervals</a:t>
             </a:r>
           </a:p>
         </p:txBody>
@@ -8923,156 +8756,25 @@
             </a:pPr>
             <a:r>
               <a:rPr/>
-              <a:t>We can extract components of dates.</a:t>
-            </a:r>
-          </a:p>
-          <a:p>
-            <a:pPr lvl="0" marL="0" indent="0">
-              <a:buNone/>
+              <a:t>Calculating time differences between dates.</a:t>
+            </a:r>
+          </a:p>
+          <a:p>
+            <a:pPr lvl="1">
+              <a:buAutoNum type="arabicPeriod"/>
             </a:pPr>
             <a:r>
               <a:rPr/>
-              <a:t>Extracting years</a:t>
-            </a:r>
-          </a:p>
-          <a:p>
-            <a:pPr lvl="0" marL="1270000" indent="0">
-              <a:buNone/>
+              <a:t>Initially convert both variables to date format, then calculate difference (R normally imports dates as characters)</a:t>
+            </a:r>
+          </a:p>
+          <a:p>
+            <a:pPr lvl="1">
+              <a:buAutoNum type="arabicPeriod"/>
             </a:pPr>
             <a:r>
-              <a:rPr sz="1800">
-                <a:latin typeface="Courier"/>
-              </a:rPr>
-              <a:t>cchic_year_born &lt;-</a:t>
-            </a:r>
-            <a:r>
-              <a:rPr sz="1800">
-                <a:solidFill>
-                  <a:srgbClr val="4070A0"/>
-                </a:solidFill>
-                <a:latin typeface="Courier"/>
-              </a:rPr>
-              <a:t> </a:t>
-            </a:r>
-            <a:r>
-              <a:rPr sz="1800" b="1">
-                <a:solidFill>
-                  <a:srgbClr val="007020"/>
-                </a:solidFill>
-                <a:latin typeface="Courier"/>
-              </a:rPr>
-              <a:t>year</a:t>
-            </a:r>
-            <a:r>
-              <a:rPr sz="1800">
-                <a:latin typeface="Courier"/>
-              </a:rPr>
-              <a:t>(</a:t>
-            </a:r>
-            <a:r>
-              <a:rPr sz="1800" b="1">
-                <a:solidFill>
-                  <a:srgbClr val="007020"/>
-                </a:solidFill>
-                <a:latin typeface="Courier"/>
-              </a:rPr>
-              <a:t>dmy</a:t>
-            </a:r>
-            <a:r>
-              <a:rPr sz="1800">
-                <a:latin typeface="Courier"/>
-              </a:rPr>
-              <a:t>(cchic</a:t>
-            </a:r>
-            <a:r>
-              <a:rPr sz="1800">
-                <a:solidFill>
-                  <a:srgbClr val="666666"/>
-                </a:solidFill>
-                <a:latin typeface="Courier"/>
-              </a:rPr>
-              <a:t>$</a:t>
-            </a:r>
-            <a:r>
-              <a:rPr sz="1800">
-                <a:latin typeface="Courier"/>
-              </a:rPr>
-              <a:t>dob))</a:t>
-            </a:r>
-          </a:p>
-          <a:p>
-            <a:pPr lvl="0" marL="0" indent="0">
-              <a:buNone/>
-            </a:pPr>
-            <a:r>
-              <a:rPr/>
-              <a:t>Extracting days</a:t>
-            </a:r>
-          </a:p>
-          <a:p>
-            <a:pPr lvl="0" marL="1270000" indent="0">
-              <a:buNone/>
-            </a:pPr>
-            <a:r>
-              <a:rPr sz="1800">
-                <a:latin typeface="Courier"/>
-              </a:rPr>
-              <a:t>discharge_days &lt;-</a:t>
-            </a:r>
-            <a:br/>
-            <a:r>
-              <a:rPr sz="1800">
-                <a:solidFill>
-                  <a:srgbClr val="4070A0"/>
-                </a:solidFill>
-                <a:latin typeface="Courier"/>
-              </a:rPr>
-              <a:t>  </a:t>
-            </a:r>
-            <a:r>
-              <a:rPr sz="1800" b="1">
-                <a:solidFill>
-                  <a:srgbClr val="007020"/>
-                </a:solidFill>
-                <a:latin typeface="Courier"/>
-              </a:rPr>
-              <a:t>day</a:t>
-            </a:r>
-            <a:r>
-              <a:rPr sz="1800">
-                <a:latin typeface="Courier"/>
-              </a:rPr>
-              <a:t>(</a:t>
-            </a:r>
-            <a:r>
-              <a:rPr sz="1800" b="1">
-                <a:solidFill>
-                  <a:srgbClr val="007020"/>
-                </a:solidFill>
-                <a:latin typeface="Courier"/>
-              </a:rPr>
-              <a:t>dmy</a:t>
-            </a:r>
-            <a:r>
-              <a:rPr sz="1800">
-                <a:latin typeface="Courier"/>
-              </a:rPr>
-              <a:t>(cchic</a:t>
-            </a:r>
-            <a:r>
-              <a:rPr sz="1800">
-                <a:solidFill>
-                  <a:srgbClr val="666666"/>
-                </a:solidFill>
-                <a:latin typeface="Courier"/>
-              </a:rPr>
-              <a:t>$</a:t>
-            </a:r>
-            <a:r>
-              <a:rPr sz="1800">
-                <a:latin typeface="Courier"/>
-              </a:rPr>
-              <a:t>discharge)) </a:t>
+              <a:rPr/>
+              <a:t>Calculate difference in one go, ensuring that R knows the two variables are dates</a:t>
             </a:r>
           </a:p>
         </p:txBody>
@@ -9101,18 +8803,18 @@
       </p:grpSpPr>
       <p:sp>
         <p:nvSpPr>
-          <p:cNvPr id="2" name="Title 1">
-            <a:extLst>
-              <a:ext uri="{FF2B5EF4-FFF2-40B4-BE49-F238E27FC236}">
-                <a16:creationId xmlns:a16="http://schemas.microsoft.com/office/drawing/2014/main" id="{5567D468-EE70-CD4E-A3AC-039CC11EF1FB}"/>
-              </a:ext>
-            </a:extLst>
-          </p:cNvPr>
-          <p:cNvSpPr>
-            <a:spLocks noGrp="1"/>
-          </p:cNvSpPr>
-          <p:nvPr>
-            <p:ph type="title"/>
+          <p:cNvPr id="3" name="Content Placeholder 2">
+            <a:extLst>
+              <a:ext uri="{FF2B5EF4-FFF2-40B4-BE49-F238E27FC236}">
+                <a16:creationId xmlns:a16="http://schemas.microsoft.com/office/drawing/2014/main" id="{D10DDA37-E46B-B641-BC9F-636CB92A2C08}"/>
+              </a:ext>
+            </a:extLst>
+          </p:cNvPr>
+          <p:cNvSpPr>
+            <a:spLocks noGrp="1"/>
+          </p:cNvSpPr>
+          <p:nvPr>
+            <p:ph idx="1"/>
           </p:nvPr>
         </p:nvSpPr>
         <p:spPr/>
@@ -9125,64 +8827,210 @@
             </a:pPr>
             <a:r>
               <a:rPr/>
-              <a:t>Date</a:t>
-            </a:r>
-            <a:r>
-              <a:rPr/>
-              <a:t> </a:t>
-            </a:r>
-            <a:r>
-              <a:rPr/>
-              <a:t>intervals</a:t>
-            </a:r>
-          </a:p>
-        </p:txBody>
-      </p:sp>
-      <p:sp>
-        <p:nvSpPr>
-          <p:cNvPr id="3" name="Content Placeholder 2">
-            <a:extLst>
-              <a:ext uri="{FF2B5EF4-FFF2-40B4-BE49-F238E27FC236}">
-                <a16:creationId xmlns:a16="http://schemas.microsoft.com/office/drawing/2014/main" id="{D10DDA37-E46B-B641-BC9F-636CB92A2C08}"/>
-              </a:ext>
-            </a:extLst>
-          </p:cNvPr>
-          <p:cNvSpPr>
-            <a:spLocks noGrp="1"/>
-          </p:cNvSpPr>
-          <p:nvPr>
-            <p:ph idx="1"/>
-          </p:nvPr>
-        </p:nvSpPr>
-        <p:spPr/>
-        <p:txBody>
-          <a:bodyPr/>
-          <a:lstStyle/>
-          <a:p>
-            <a:pPr lvl="0" marL="0" indent="0">
+              <a:t>Convert both variables to date format, then calculate difference</a:t>
+            </a:r>
+          </a:p>
+          <a:p>
+            <a:pPr lvl="0" marL="1270000" indent="0">
               <a:buNone/>
             </a:pPr>
             <a:r>
-              <a:rPr/>
-              <a:t>Calculating time differences between dates.</a:t>
-            </a:r>
-          </a:p>
-          <a:p>
-            <a:pPr lvl="1">
-              <a:buAutoNum type="arabicPeriod"/>
-            </a:pPr>
-            <a:r>
-              <a:rPr/>
-              <a:t>Initially convert both variables to date format, then calculate difference (R normally imports dates as characters)</a:t>
-            </a:r>
-          </a:p>
-          <a:p>
-            <a:pPr lvl="1">
-              <a:buAutoNum type="arabicPeriod"/>
-            </a:pPr>
-            <a:r>
-              <a:rPr/>
-              <a:t>Calculate difference in one go, ensuring that R knows the two variables are dates</a:t>
+              <a:rPr sz="1800">
+                <a:latin typeface="Courier"/>
+              </a:rPr>
+              <a:t>cchic</a:t>
+            </a:r>
+            <a:r>
+              <a:rPr sz="1800">
+                <a:solidFill>
+                  <a:srgbClr val="666666"/>
+                </a:solidFill>
+                <a:latin typeface="Courier"/>
+              </a:rPr>
+              <a:t>$</a:t>
+            </a:r>
+            <a:r>
+              <a:rPr sz="1800">
+                <a:latin typeface="Courier"/>
+              </a:rPr>
+              <a:t>discharge &lt;-</a:t>
+            </a:r>
+            <a:r>
+              <a:rPr sz="1800">
+                <a:solidFill>
+                  <a:srgbClr val="4070A0"/>
+                </a:solidFill>
+                <a:latin typeface="Courier"/>
+              </a:rPr>
+              <a:t> </a:t>
+            </a:r>
+            <a:r>
+              <a:rPr sz="1800" b="1">
+                <a:solidFill>
+                  <a:srgbClr val="007020"/>
+                </a:solidFill>
+                <a:latin typeface="Courier"/>
+              </a:rPr>
+              <a:t>dmy</a:t>
+            </a:r>
+            <a:r>
+              <a:rPr sz="1800">
+                <a:latin typeface="Courier"/>
+              </a:rPr>
+              <a:t>(cchic</a:t>
+            </a:r>
+            <a:r>
+              <a:rPr sz="1800">
+                <a:solidFill>
+                  <a:srgbClr val="666666"/>
+                </a:solidFill>
+                <a:latin typeface="Courier"/>
+              </a:rPr>
+              <a:t>$</a:t>
+            </a:r>
+            <a:r>
+              <a:rPr sz="1800">
+                <a:latin typeface="Courier"/>
+              </a:rPr>
+              <a:t>discharge)</a:t>
+            </a:r>
+            <a:br/>
+            <a:r>
+              <a:rPr sz="1800">
+                <a:latin typeface="Courier"/>
+              </a:rPr>
+              <a:t>cchic</a:t>
+            </a:r>
+            <a:r>
+              <a:rPr sz="1800">
+                <a:solidFill>
+                  <a:srgbClr val="666666"/>
+                </a:solidFill>
+                <a:latin typeface="Courier"/>
+              </a:rPr>
+              <a:t>$</a:t>
+            </a:r>
+            <a:r>
+              <a:rPr sz="1800">
+                <a:latin typeface="Courier"/>
+              </a:rPr>
+              <a:t>admission &lt;-</a:t>
+            </a:r>
+            <a:r>
+              <a:rPr sz="1800">
+                <a:solidFill>
+                  <a:srgbClr val="4070A0"/>
+                </a:solidFill>
+                <a:latin typeface="Courier"/>
+              </a:rPr>
+              <a:t> </a:t>
+            </a:r>
+            <a:r>
+              <a:rPr sz="1800" b="1">
+                <a:solidFill>
+                  <a:srgbClr val="007020"/>
+                </a:solidFill>
+                <a:latin typeface="Courier"/>
+              </a:rPr>
+              <a:t>dmy</a:t>
+            </a:r>
+            <a:r>
+              <a:rPr sz="1800">
+                <a:latin typeface="Courier"/>
+              </a:rPr>
+              <a:t>(cchic</a:t>
+            </a:r>
+            <a:r>
+              <a:rPr sz="1800">
+                <a:solidFill>
+                  <a:srgbClr val="666666"/>
+                </a:solidFill>
+                <a:latin typeface="Courier"/>
+              </a:rPr>
+              <a:t>$</a:t>
+            </a:r>
+            <a:r>
+              <a:rPr sz="1800">
+                <a:latin typeface="Courier"/>
+              </a:rPr>
+              <a:t>admission)</a:t>
+            </a:r>
+            <a:br/>
+            <a:br/>
+            <a:r>
+              <a:rPr sz="1800">
+                <a:latin typeface="Courier"/>
+              </a:rPr>
+              <a:t>cchic_los_test &lt;-</a:t>
+            </a:r>
+            <a:r>
+              <a:rPr sz="1800">
+                <a:solidFill>
+                  <a:srgbClr val="4070A0"/>
+                </a:solidFill>
+                <a:latin typeface="Courier"/>
+              </a:rPr>
+              <a:t> </a:t>
+            </a:r>
+            <a:r>
+              <a:rPr sz="1800">
+                <a:latin typeface="Courier"/>
+              </a:rPr>
+              <a:t>cchic</a:t>
+            </a:r>
+            <a:r>
+              <a:rPr sz="1800">
+                <a:solidFill>
+                  <a:srgbClr val="666666"/>
+                </a:solidFill>
+                <a:latin typeface="Courier"/>
+              </a:rPr>
+              <a:t>$</a:t>
+            </a:r>
+            <a:r>
+              <a:rPr sz="1800">
+                <a:latin typeface="Courier"/>
+              </a:rPr>
+              <a:t>discharge </a:t>
+            </a:r>
+            <a:r>
+              <a:rPr sz="1800">
+                <a:solidFill>
+                  <a:srgbClr val="666666"/>
+                </a:solidFill>
+                <a:latin typeface="Courier"/>
+              </a:rPr>
+              <a:t>-</a:t>
+            </a:r>
+            <a:r>
+              <a:rPr sz="1800">
+                <a:solidFill>
+                  <a:srgbClr val="4070A0"/>
+                </a:solidFill>
+                <a:latin typeface="Courier"/>
+              </a:rPr>
+              <a:t> </a:t>
+            </a:r>
+            <a:r>
+              <a:rPr sz="1800">
+                <a:latin typeface="Courier"/>
+              </a:rPr>
+              <a:t>cchic</a:t>
+            </a:r>
+            <a:r>
+              <a:rPr sz="1800">
+                <a:solidFill>
+                  <a:srgbClr val="666666"/>
+                </a:solidFill>
+                <a:latin typeface="Courier"/>
+              </a:rPr>
+              <a:t>$</a:t>
+            </a:r>
+            <a:r>
+              <a:rPr sz="1800">
+                <a:latin typeface="Courier"/>
+              </a:rPr>
+              <a:t>admission</a:t>
             </a:r>
           </a:p>
         </p:txBody>
@@ -9235,7 +9083,7 @@
             </a:pPr>
             <a:r>
               <a:rPr/>
-              <a:t>Convert both variables to date format, then calculate difference</a:t>
+              <a:t>Or do it in one go. Calculate difference, ensuring that R knows the two variables are dates</a:t>
             </a:r>
           </a:p>
           <a:p>
@@ -9246,7 +9094,22 @@
               <a:rPr sz="1800">
                 <a:latin typeface="Courier"/>
               </a:rPr>
-              <a:t>cchic</a:t>
+              <a:t>cchic &lt;-</a:t>
+            </a:r>
+            <a:r>
+              <a:rPr sz="1800">
+                <a:solidFill>
+                  <a:srgbClr val="4070A0"/>
+                </a:solidFill>
+                <a:latin typeface="Courier"/>
+              </a:rPr>
+              <a:t> </a:t>
+            </a:r>
+            <a:r>
+              <a:rPr sz="1800">
+                <a:latin typeface="Courier"/>
+              </a:rPr>
+              <a:t>cchic </a:t>
             </a:r>
             <a:r>
               <a:rPr sz="1800">
@@ -9255,14 +9118,9 @@
                 </a:solidFill>
                 <a:latin typeface="Courier"/>
               </a:rPr>
-              <a:t>$</a:t>
-            </a:r>
-            <a:r>
-              <a:rPr sz="1800">
-                <a:latin typeface="Courier"/>
-              </a:rPr>
-              <a:t>discharge &lt;-</a:t>
-            </a:r>
+              <a:t>%&gt;%</a:t>
+            </a:r>
+            <a:br/>
             <a:r>
               <a:rPr sz="1800">
                 <a:solidFill>
@@ -9270,7 +9128,7 @@
                 </a:solidFill>
                 <a:latin typeface="Courier"/>
               </a:rPr>
-              <a:t> </a:t>
+              <a:t>  </a:t>
             </a:r>
             <a:r>
               <a:rPr sz="1800" b="1">
@@ -9279,13 +9137,43 @@
                 </a:solidFill>
                 <a:latin typeface="Courier"/>
               </a:rPr>
+              <a:t>mutate</a:t>
+            </a:r>
+            <a:r>
+              <a:rPr sz="1800">
+                <a:latin typeface="Courier"/>
+              </a:rPr>
+              <a:t>(</a:t>
+            </a:r>
+            <a:r>
+              <a:rPr sz="1800">
+                <a:solidFill>
+                  <a:srgbClr val="902000"/>
+                </a:solidFill>
+                <a:latin typeface="Courier"/>
+              </a:rPr>
+              <a:t>los =</a:t>
+            </a:r>
+            <a:r>
+              <a:rPr sz="1800">
+                <a:latin typeface="Courier"/>
+              </a:rPr>
+              <a:t> (</a:t>
+            </a:r>
+            <a:r>
+              <a:rPr sz="1800" b="1">
+                <a:solidFill>
+                  <a:srgbClr val="007020"/>
+                </a:solidFill>
+                <a:latin typeface="Courier"/>
+              </a:rPr>
               <a:t>dmy</a:t>
             </a:r>
             <a:r>
               <a:rPr sz="1800">
                 <a:latin typeface="Courier"/>
               </a:rPr>
-              <a:t>(cchic</a:t>
+              <a:t>(discharge) </a:t>
             </a:r>
             <a:r>
               <a:rPr sz="1800">
@@ -9294,44 +9182,17 @@
                 </a:solidFill>
                 <a:latin typeface="Courier"/>
               </a:rPr>
-              <a:t>$</a:t>
-            </a:r>
-            <a:r>
-              <a:rPr sz="1800">
-                <a:latin typeface="Courier"/>
-              </a:rPr>
-              <a:t>discharge)</a:t>
+              <a:t>-</a:t>
             </a:r>
             <a:br/>
             <a:r>
               <a:rPr sz="1800">
-                <a:latin typeface="Courier"/>
-              </a:rPr>
-              <a:t>cchic</a:t>
-            </a:r>
-            <a:r>
-              <a:rPr sz="1800">
-                <a:solidFill>
-                  <a:srgbClr val="666666"/>
-                </a:solidFill>
-                <a:latin typeface="Courier"/>
-              </a:rPr>
-              <a:t>$</a:t>
-            </a:r>
-            <a:r>
-              <a:rPr sz="1800">
-                <a:latin typeface="Courier"/>
-              </a:rPr>
-              <a:t>admission &lt;-</a:t>
-            </a:r>
-            <a:r>
-              <a:rPr sz="1800">
                 <a:solidFill>
                   <a:srgbClr val="4070A0"/>
                 </a:solidFill>
                 <a:latin typeface="Courier"/>
               </a:rPr>
-              <a:t> </a:t>
+              <a:t>    </a:t>
             </a:r>
             <a:r>
               <a:rPr sz="1800" b="1">
@@ -9346,99 +9207,7 @@
               <a:rPr sz="1800">
                 <a:latin typeface="Courier"/>
               </a:rPr>
-              <a:t>(cchic</a:t>
-            </a:r>
-            <a:r>
-              <a:rPr sz="1800">
-                <a:solidFill>
-                  <a:srgbClr val="666666"/>
-                </a:solidFill>
-                <a:latin typeface="Courier"/>
-              </a:rPr>
-              <a:t>$</a:t>
-            </a:r>
-            <a:r>
-              <a:rPr sz="1800">
-                <a:latin typeface="Courier"/>
-              </a:rPr>
-              <a:t>admission)</a:t>
-            </a:r>
-            <a:br/>
-            <a:br/>
-            <a:r>
-              <a:rPr sz="1800">
-                <a:latin typeface="Courier"/>
-              </a:rPr>
-              <a:t>cchic_los_test &lt;-</a:t>
-            </a:r>
-            <a:r>
-              <a:rPr sz="1800">
-                <a:solidFill>
-                  <a:srgbClr val="4070A0"/>
-                </a:solidFill>
-                <a:latin typeface="Courier"/>
-              </a:rPr>
-              <a:t> </a:t>
-            </a:r>
-            <a:r>
-              <a:rPr sz="1800">
-                <a:latin typeface="Courier"/>
-              </a:rPr>
-              <a:t>cchic</a:t>
-            </a:r>
-            <a:r>
-              <a:rPr sz="1800">
-                <a:solidFill>
-                  <a:srgbClr val="666666"/>
-                </a:solidFill>
-                <a:latin typeface="Courier"/>
-              </a:rPr>
-              <a:t>$</a:t>
-            </a:r>
-            <a:r>
-              <a:rPr sz="1800">
-                <a:latin typeface="Courier"/>
-              </a:rPr>
-              <a:t>discharge </a:t>
-            </a:r>
-            <a:r>
-              <a:rPr sz="1800">
-                <a:solidFill>
-                  <a:srgbClr val="666666"/>
-                </a:solidFill>
-                <a:latin typeface="Courier"/>
-              </a:rPr>
-              <a:t>-</a:t>
-            </a:r>
-            <a:r>
-              <a:rPr sz="1800">
-                <a:solidFill>
-                  <a:srgbClr val="4070A0"/>
-                </a:solidFill>
-                <a:latin typeface="Courier"/>
-              </a:rPr>
-              <a:t> </a:t>
-            </a:r>
-            <a:r>
-              <a:rPr sz="1800">
-                <a:latin typeface="Courier"/>
-              </a:rPr>
-              <a:t>cchic</a:t>
-            </a:r>
-            <a:r>
-              <a:rPr sz="1800">
-                <a:solidFill>
-                  <a:srgbClr val="666666"/>
-                </a:solidFill>
-                <a:latin typeface="Courier"/>
-              </a:rPr>
-              <a:t>$</a:t>
-            </a:r>
-            <a:r>
-              <a:rPr sz="1800">
-                <a:latin typeface="Courier"/>
-              </a:rPr>
-              <a:t>admission</a:t>
+              <a:t>(admission)))</a:t>
             </a:r>
           </a:p>
         </p:txBody>
@@ -9491,31 +9260,7 @@
             </a:pPr>
             <a:r>
               <a:rPr/>
-              <a:t>What</a:t>
-            </a:r>
-            <a:r>
-              <a:rPr/>
-              <a:t> </a:t>
-            </a:r>
-            <a:r>
-              <a:rPr/>
-              <a:t>is</a:t>
-            </a:r>
-            <a:r>
-              <a:rPr/>
-              <a:t> </a:t>
-            </a:r>
-            <a:r>
-              <a:rPr/>
-              <a:t>data</a:t>
-            </a:r>
-            <a:r>
-              <a:rPr/>
-              <a:t> </a:t>
-            </a:r>
-            <a:r>
-              <a:rPr/>
-              <a:t>wrangling?</a:t>
+              <a:t>Content</a:t>
             </a:r>
           </a:p>
         </p:txBody>
@@ -9544,42 +9289,52 @@
             <a:pPr lvl="1"/>
             <a:r>
               <a:rPr/>
-              <a:t>Transforming raw data into a form you can use for analysis</a:t>
+              <a:t>Using the </a:t>
+            </a:r>
+            <a:r>
+              <a:rPr sz="1800">
+                <a:latin typeface="Courier"/>
+              </a:rPr>
+              <a:t>dplyr</a:t>
+            </a:r>
+            <a:r>
+              <a:rPr/>
+              <a:t> package.</a:t>
             </a:r>
           </a:p>
           <a:p>
             <a:pPr lvl="1"/>
             <a:r>
               <a:rPr/>
-              <a:t>Includes</a:t>
+              <a:t>Standard methods for selecting data</a:t>
+            </a:r>
+          </a:p>
+          <a:p>
+            <a:pPr lvl="1"/>
+            <a:r>
+              <a:rPr/>
+              <a:t>Recipies to perform common operations</a:t>
             </a:r>
           </a:p>
           <a:p>
             <a:pPr lvl="2"/>
             <a:r>
               <a:rPr/>
-              <a:t>Cleaning data (Workshop 2)</a:t>
+              <a:t>Manipulating strings</a:t>
             </a:r>
           </a:p>
           <a:p>
             <a:pPr lvl="2"/>
             <a:r>
               <a:rPr/>
-              <a:t>Organising it into a structure that allows you to analyse it.</a:t>
+              <a:t>Manipulating dates</a:t>
             </a:r>
           </a:p>
           <a:p>
             <a:pPr lvl="2"/>
             <a:r>
               <a:rPr/>
-              <a:t>Creating derived variables from raw data</a:t>
-            </a:r>
-          </a:p>
-          <a:p>
-            <a:pPr lvl="2"/>
-            <a:r>
-              <a:rPr/>
-              <a:t>Validating the data</a:t>
+              <a:t>Changing data structure</a:t>
             </a:r>
           </a:p>
         </p:txBody>
@@ -9590,192 +9345,6 @@
 </file>
 
 <file path=ppt/slides/slide30.xml><?xml version="1.0" encoding="utf-8"?>
-<p:sld xmlns:a="http://schemas.openxmlformats.org/drawingml/2006/main" xmlns:r="http://schemas.openxmlformats.org/officeDocument/2006/relationships" xmlns:p="http://schemas.openxmlformats.org/presentationml/2006/main">
-  <p:cSld>
-    <p:spTree>
-      <p:nvGrpSpPr>
-        <p:cNvPr id="1" name=""/>
-        <p:cNvGrpSpPr/>
-        <p:nvPr/>
-      </p:nvGrpSpPr>
-      <p:grpSpPr>
-        <a:xfrm>
-          <a:off x="0" y="0"/>
-          <a:ext cx="0" cy="0"/>
-          <a:chOff x="0" y="0"/>
-          <a:chExt cx="0" cy="0"/>
-        </a:xfrm>
-      </p:grpSpPr>
-      <p:sp>
-        <p:nvSpPr>
-          <p:cNvPr id="3" name="Content Placeholder 2">
-            <a:extLst>
-              <a:ext uri="{FF2B5EF4-FFF2-40B4-BE49-F238E27FC236}">
-                <a16:creationId xmlns:a16="http://schemas.microsoft.com/office/drawing/2014/main" id="{D10DDA37-E46B-B641-BC9F-636CB92A2C08}"/>
-              </a:ext>
-            </a:extLst>
-          </p:cNvPr>
-          <p:cNvSpPr>
-            <a:spLocks noGrp="1"/>
-          </p:cNvSpPr>
-          <p:nvPr>
-            <p:ph idx="1"/>
-          </p:nvPr>
-        </p:nvSpPr>
-        <p:spPr/>
-        <p:txBody>
-          <a:bodyPr/>
-          <a:lstStyle/>
-          <a:p>
-            <a:pPr lvl="0" marL="0" indent="0">
-              <a:buNone/>
-            </a:pPr>
-            <a:r>
-              <a:rPr/>
-              <a:t>Or do it in one go. Calculate difference, ensuring that R knows the two variables are dates</a:t>
-            </a:r>
-          </a:p>
-          <a:p>
-            <a:pPr lvl="0" marL="1270000" indent="0">
-              <a:buNone/>
-            </a:pPr>
-            <a:r>
-              <a:rPr sz="1800">
-                <a:latin typeface="Courier"/>
-              </a:rPr>
-              <a:t>cchic &lt;-</a:t>
-            </a:r>
-            <a:r>
-              <a:rPr sz="1800">
-                <a:solidFill>
-                  <a:srgbClr val="4070A0"/>
-                </a:solidFill>
-                <a:latin typeface="Courier"/>
-              </a:rPr>
-              <a:t> </a:t>
-            </a:r>
-            <a:r>
-              <a:rPr sz="1800">
-                <a:latin typeface="Courier"/>
-              </a:rPr>
-              <a:t>cchic </a:t>
-            </a:r>
-            <a:r>
-              <a:rPr sz="1800">
-                <a:solidFill>
-                  <a:srgbClr val="666666"/>
-                </a:solidFill>
-                <a:latin typeface="Courier"/>
-              </a:rPr>
-              <a:t>%&gt;%</a:t>
-            </a:r>
-            <a:r>
-              <a:rPr sz="1800">
-                <a:solidFill>
-                  <a:srgbClr val="4070A0"/>
-                </a:solidFill>
-                <a:latin typeface="Courier"/>
-              </a:rPr>
-              <a:t> </a:t>
-            </a:r>
-            <a:br/>
-            <a:r>
-              <a:rPr sz="1800">
-                <a:solidFill>
-                  <a:srgbClr val="4070A0"/>
-                </a:solidFill>
-                <a:latin typeface="Courier"/>
-              </a:rPr>
-              <a:t>          </a:t>
-            </a:r>
-            <a:r>
-              <a:rPr sz="1800" b="1">
-                <a:solidFill>
-                  <a:srgbClr val="007020"/>
-                </a:solidFill>
-                <a:latin typeface="Courier"/>
-              </a:rPr>
-              <a:t>mutate</a:t>
-            </a:r>
-            <a:r>
-              <a:rPr sz="1800">
-                <a:latin typeface="Courier"/>
-              </a:rPr>
-              <a:t>(</a:t>
-            </a:r>
-            <a:r>
-              <a:rPr sz="1800">
-                <a:solidFill>
-                  <a:srgbClr val="902000"/>
-                </a:solidFill>
-                <a:latin typeface="Courier"/>
-              </a:rPr>
-              <a:t>los=</a:t>
-            </a:r>
-            <a:r>
-              <a:rPr sz="1800">
-                <a:latin typeface="Courier"/>
-              </a:rPr>
-              <a:t>(</a:t>
-            </a:r>
-            <a:r>
-              <a:rPr sz="1800" b="1">
-                <a:solidFill>
-                  <a:srgbClr val="007020"/>
-                </a:solidFill>
-                <a:latin typeface="Courier"/>
-              </a:rPr>
-              <a:t>dmy</a:t>
-            </a:r>
-            <a:r>
-              <a:rPr sz="1800">
-                <a:latin typeface="Courier"/>
-              </a:rPr>
-              <a:t>(discharge)</a:t>
-            </a:r>
-            <a:r>
-              <a:rPr sz="1800">
-                <a:solidFill>
-                  <a:srgbClr val="666666"/>
-                </a:solidFill>
-                <a:latin typeface="Courier"/>
-              </a:rPr>
-              <a:t>-</a:t>
-            </a:r>
-            <a:br/>
-            <a:r>
-              <a:rPr sz="1800">
-                <a:solidFill>
-                  <a:srgbClr val="4070A0"/>
-                </a:solidFill>
-                <a:latin typeface="Courier"/>
-              </a:rPr>
-              <a:t>          </a:t>
-            </a:r>
-            <a:r>
-              <a:rPr sz="1800" b="1">
-                <a:solidFill>
-                  <a:srgbClr val="007020"/>
-                </a:solidFill>
-                <a:latin typeface="Courier"/>
-              </a:rPr>
-              <a:t>dmy</a:t>
-            </a:r>
-            <a:r>
-              <a:rPr sz="1800">
-                <a:latin typeface="Courier"/>
-              </a:rPr>
-              <a:t>(admission)))</a:t>
-            </a:r>
-          </a:p>
-        </p:txBody>
-      </p:sp>
-    </p:spTree>
-  </p:cSld>
-</p:sld>
-</file>
-
-<file path=ppt/slides/slide31.xml><?xml version="1.0" encoding="utf-8"?>
 <p:sld xmlns:a="http://schemas.openxmlformats.org/drawingml/2006/main" xmlns:r="http://schemas.openxmlformats.org/officeDocument/2006/relationships" xmlns:p="http://schemas.openxmlformats.org/presentationml/2006/main">
   <p:cSld>
     <p:spTree>
@@ -9984,6 +9553,118 @@
 </p:sld>
 </file>
 
+<file path=ppt/slides/slide31.xml><?xml version="1.0" encoding="utf-8"?>
+<p:sld xmlns:a="http://schemas.openxmlformats.org/drawingml/2006/main" xmlns:r="http://schemas.openxmlformats.org/officeDocument/2006/relationships" xmlns:p="http://schemas.openxmlformats.org/presentationml/2006/main">
+  <p:cSld>
+    <p:spTree>
+      <p:nvGrpSpPr>
+        <p:cNvPr id="1" name=""/>
+        <p:cNvGrpSpPr/>
+        <p:nvPr/>
+      </p:nvGrpSpPr>
+      <p:grpSpPr>
+        <a:xfrm>
+          <a:off x="0" y="0"/>
+          <a:ext cx="0" cy="0"/>
+          <a:chOff x="0" y="0"/>
+          <a:chExt cx="0" cy="0"/>
+        </a:xfrm>
+      </p:grpSpPr>
+      <p:sp>
+        <p:nvSpPr>
+          <p:cNvPr id="2" name="Title 1">
+            <a:extLst>
+              <a:ext uri="{FF2B5EF4-FFF2-40B4-BE49-F238E27FC236}">
+                <a16:creationId xmlns:a16="http://schemas.microsoft.com/office/drawing/2014/main" id="{5567D468-EE70-CD4E-A3AC-039CC11EF1FB}"/>
+              </a:ext>
+            </a:extLst>
+          </p:cNvPr>
+          <p:cNvSpPr>
+            <a:spLocks noGrp="1"/>
+          </p:cNvSpPr>
+          <p:nvPr>
+            <p:ph type="title"/>
+          </p:nvPr>
+        </p:nvSpPr>
+        <p:spPr/>
+        <p:txBody>
+          <a:bodyPr/>
+          <a:lstStyle/>
+          <a:p>
+            <a:pPr lvl="0" marL="0" indent="0">
+              <a:buNone/>
+            </a:pPr>
+            <a:r>
+              <a:rPr/>
+              <a:t>Why</a:t>
+            </a:r>
+            <a:r>
+              <a:rPr/>
+              <a:t> </a:t>
+            </a:r>
+            <a:r>
+              <a:rPr/>
+              <a:t>do</a:t>
+            </a:r>
+            <a:r>
+              <a:rPr/>
+              <a:t> </a:t>
+            </a:r>
+            <a:r>
+              <a:rPr/>
+              <a:t>this?</a:t>
+            </a:r>
+          </a:p>
+        </p:txBody>
+      </p:sp>
+      <p:sp>
+        <p:nvSpPr>
+          <p:cNvPr id="3" name="Content Placeholder 2">
+            <a:extLst>
+              <a:ext uri="{FF2B5EF4-FFF2-40B4-BE49-F238E27FC236}">
+                <a16:creationId xmlns:a16="http://schemas.microsoft.com/office/drawing/2014/main" id="{D10DDA37-E46B-B641-BC9F-636CB92A2C08}"/>
+              </a:ext>
+            </a:extLst>
+          </p:cNvPr>
+          <p:cNvSpPr>
+            <a:spLocks noGrp="1"/>
+          </p:cNvSpPr>
+          <p:nvPr>
+            <p:ph idx="1"/>
+          </p:nvPr>
+        </p:nvSpPr>
+        <p:spPr/>
+        <p:txBody>
+          <a:bodyPr/>
+          <a:lstStyle/>
+          <a:p>
+            <a:pPr lvl="1"/>
+            <a:r>
+              <a:rPr/>
+              <a:t>You may want to calculate the mean and standard deviation of all temperatures, and don’t care about the source.</a:t>
+            </a:r>
+          </a:p>
+          <a:p>
+            <a:pPr lvl="1"/>
+            <a:r>
+              <a:rPr/>
+              <a:t>You may want to plot all temperatures on a graph.</a:t>
+            </a:r>
+          </a:p>
+          <a:p>
+            <a:pPr lvl="1"/>
+            <a:r>
+              <a:rPr/>
+              <a:t>Instead of temperature area, you may have temperature on day 1, 2 etc.</a:t>
+            </a:r>
+          </a:p>
+        </p:txBody>
+      </p:sp>
+    </p:spTree>
+  </p:cSld>
+</p:sld>
+</file>
+
 <file path=ppt/slides/slide32.xml><?xml version="1.0" encoding="utf-8"?>
 <p:sld xmlns:a="http://schemas.openxmlformats.org/drawingml/2006/main" xmlns:r="http://schemas.openxmlformats.org/officeDocument/2006/relationships" xmlns:p="http://schemas.openxmlformats.org/presentationml/2006/main">
   <p:cSld>
@@ -10027,23 +9708,23 @@
             </a:pPr>
             <a:r>
               <a:rPr/>
-              <a:t>Why</a:t>
-            </a:r>
-            <a:r>
-              <a:rPr/>
-              <a:t> </a:t>
-            </a:r>
-            <a:r>
-              <a:rPr/>
-              <a:t>do</a:t>
-            </a:r>
-            <a:r>
-              <a:rPr/>
-              <a:t> </a:t>
-            </a:r>
-            <a:r>
-              <a:rPr/>
-              <a:t>this?</a:t>
+              <a:t>Converting</a:t>
+            </a:r>
+            <a:r>
+              <a:rPr/>
+              <a:t> </a:t>
+            </a:r>
+            <a:r>
+              <a:rPr/>
+              <a:t>the</a:t>
+            </a:r>
+            <a:r>
+              <a:rPr/>
+              <a:t> </a:t>
+            </a:r>
+            <a:r>
+              <a:rPr/>
+              <a:t>data</a:t>
             </a:r>
           </a:p>
         </p:txBody>
@@ -10069,24 +9750,170 @@
           <a:bodyPr/>
           <a:lstStyle/>
           <a:p>
-            <a:pPr lvl="1"/>
-            <a:r>
-              <a:rPr/>
-              <a:t>You may want to calculate the mean and standard deviation of all temperatures, and don’t care about the source.</a:t>
-            </a:r>
-          </a:p>
-          <a:p>
-            <a:pPr lvl="1"/>
-            <a:r>
-              <a:rPr/>
-              <a:t>You may want to plot all temperatures on a graph.</a:t>
-            </a:r>
-          </a:p>
-          <a:p>
-            <a:pPr lvl="1"/>
-            <a:r>
-              <a:rPr/>
-              <a:t>Instead of temperature area, you may have temperature on day 1, 2 etc.</a:t>
+            <a:pPr lvl="0" marL="1270000" indent="0">
+              <a:buNone/>
+            </a:pPr>
+            <a:r>
+              <a:rPr sz="1800" b="1">
+                <a:solidFill>
+                  <a:srgbClr val="007020"/>
+                </a:solidFill>
+                <a:latin typeface="Courier"/>
+              </a:rPr>
+              <a:t>library</a:t>
+            </a:r>
+            <a:r>
+              <a:rPr sz="1800">
+                <a:latin typeface="Courier"/>
+              </a:rPr>
+              <a:t>(tidyr)</a:t>
+            </a:r>
+            <a:br/>
+            <a:r>
+              <a:rPr sz="1800">
+                <a:latin typeface="Courier"/>
+              </a:rPr>
+              <a:t>cchic</a:t>
+            </a:r>
+            <a:br/>
+            <a:br/>
+            <a:r>
+              <a:rPr sz="1800">
+                <a:latin typeface="Courier"/>
+              </a:rPr>
+              <a:t>cchic_long &lt;-</a:t>
+            </a:r>
+            <a:r>
+              <a:rPr sz="1800">
+                <a:solidFill>
+                  <a:srgbClr val="4070A0"/>
+                </a:solidFill>
+                <a:latin typeface="Courier"/>
+              </a:rPr>
+              <a:t> </a:t>
+            </a:r>
+            <a:r>
+              <a:rPr sz="1800">
+                <a:latin typeface="Courier"/>
+              </a:rPr>
+              <a:t>cchic </a:t>
+            </a:r>
+            <a:r>
+              <a:rPr sz="1800">
+                <a:solidFill>
+                  <a:srgbClr val="666666"/>
+                </a:solidFill>
+                <a:latin typeface="Courier"/>
+              </a:rPr>
+              <a:t>%&gt;%</a:t>
+            </a:r>
+            <a:br/>
+            <a:r>
+              <a:rPr sz="1800">
+                <a:solidFill>
+                  <a:srgbClr val="4070A0"/>
+                </a:solidFill>
+                <a:latin typeface="Courier"/>
+              </a:rPr>
+              <a:t>  </a:t>
+            </a:r>
+            <a:r>
+              <a:rPr sz="1800" b="1">
+                <a:solidFill>
+                  <a:srgbClr val="007020"/>
+                </a:solidFill>
+                <a:latin typeface="Courier"/>
+              </a:rPr>
+              <a:t>gather</a:t>
+            </a:r>
+            <a:r>
+              <a:rPr sz="1800">
+                <a:latin typeface="Courier"/>
+              </a:rPr>
+              <a:t>(</a:t>
+            </a:r>
+            <a:br/>
+            <a:r>
+              <a:rPr sz="1800">
+                <a:latin typeface="Courier"/>
+              </a:rPr>
+              <a:t>    </a:t>
+            </a:r>
+            <a:r>
+              <a:rPr sz="1800">
+                <a:solidFill>
+                  <a:srgbClr val="4070A0"/>
+                </a:solidFill>
+                <a:latin typeface="Courier"/>
+              </a:rPr>
+              <a:t>"temp_point"</a:t>
+            </a:r>
+            <a:r>
+              <a:rPr sz="1800">
+                <a:latin typeface="Courier"/>
+              </a:rPr>
+              <a:t>, </a:t>
+            </a:r>
+            <a:r>
+              <a:rPr sz="1800">
+                <a:solidFill>
+                  <a:srgbClr val="4070A0"/>
+                </a:solidFill>
+                <a:latin typeface="Courier"/>
+              </a:rPr>
+              <a:t>"temperature"</a:t>
+            </a:r>
+            <a:r>
+              <a:rPr sz="1800">
+                <a:latin typeface="Courier"/>
+              </a:rPr>
+              <a:t>,</a:t>
+            </a:r>
+            <a:br/>
+            <a:r>
+              <a:rPr sz="1800">
+                <a:latin typeface="Courier"/>
+              </a:rPr>
+              <a:t>    temp_c</a:t>
+            </a:r>
+            <a:r>
+              <a:rPr sz="1800">
+                <a:solidFill>
+                  <a:srgbClr val="666666"/>
+                </a:solidFill>
+                <a:latin typeface="Courier"/>
+              </a:rPr>
+              <a:t>:</a:t>
+            </a:r>
+            <a:r>
+              <a:rPr sz="1800">
+                <a:latin typeface="Courier"/>
+              </a:rPr>
+              <a:t>temp_nc</a:t>
+            </a:r>
+            <a:br/>
+            <a:r>
+              <a:rPr sz="1800">
+                <a:latin typeface="Courier"/>
+              </a:rPr>
+              <a:t>  )</a:t>
+            </a:r>
+            <a:br/>
+            <a:br/>
+            <a:r>
+              <a:rPr sz="1800" b="1">
+                <a:solidFill>
+                  <a:srgbClr val="007020"/>
+                </a:solidFill>
+                <a:latin typeface="Courier"/>
+              </a:rPr>
+              <a:t>names</a:t>
+            </a:r>
+            <a:r>
+              <a:rPr sz="1800">
+                <a:latin typeface="Courier"/>
+              </a:rPr>
+              <a:t>(cchic_long)</a:t>
             </a:r>
           </a:p>
         </p:txBody>
@@ -10139,7 +9966,47 @@
             </a:pPr>
             <a:r>
               <a:rPr/>
-              <a:t>Converting</a:t>
+              <a:t>This</a:t>
+            </a:r>
+            <a:r>
+              <a:rPr/>
+              <a:t> </a:t>
+            </a:r>
+            <a:r>
+              <a:rPr/>
+              <a:t>is</a:t>
+            </a:r>
+            <a:r>
+              <a:rPr/>
+              <a:t> </a:t>
+            </a:r>
+            <a:r>
+              <a:rPr/>
+              <a:t>why</a:t>
+            </a:r>
+            <a:r>
+              <a:rPr/>
+              <a:t> </a:t>
+            </a:r>
+            <a:r>
+              <a:rPr/>
+              <a:t>we</a:t>
+            </a:r>
+            <a:r>
+              <a:rPr/>
+              <a:t> </a:t>
+            </a:r>
+            <a:r>
+              <a:rPr/>
+              <a:t>‘</a:t>
+            </a:r>
+            <a:r>
+              <a:rPr/>
+              <a:t>gathered</a:t>
+            </a:r>
+            <a:r>
+              <a:rPr/>
+              <a:t>’</a:t>
             </a:r>
             <a:r>
               <a:rPr/>
@@ -10197,23 +10064,134 @@
               <a:rPr sz="1800">
                 <a:latin typeface="Courier"/>
               </a:rPr>
-              <a:t>(tidyr)</a:t>
+              <a:t>(ggplot2)</a:t>
             </a:r>
             <a:br/>
             <a:r>
               <a:rPr sz="1800">
                 <a:latin typeface="Courier"/>
               </a:rPr>
-              <a:t>cchic</a:t>
+              <a:t>cchic_long </a:t>
+            </a:r>
+            <a:r>
+              <a:rPr sz="1800">
+                <a:solidFill>
+                  <a:srgbClr val="666666"/>
+                </a:solidFill>
+                <a:latin typeface="Courier"/>
+              </a:rPr>
+              <a:t>%&gt;%</a:t>
             </a:r>
             <a:br/>
+            <a:r>
+              <a:rPr sz="1800">
+                <a:solidFill>
+                  <a:srgbClr val="4070A0"/>
+                </a:solidFill>
+                <a:latin typeface="Courier"/>
+              </a:rPr>
+              <a:t>  </a:t>
+            </a:r>
+            <a:r>
+              <a:rPr sz="1800" b="1">
+                <a:solidFill>
+                  <a:srgbClr val="007020"/>
+                </a:solidFill>
+                <a:latin typeface="Courier"/>
+              </a:rPr>
+              <a:t>ggplot</a:t>
+            </a:r>
+            <a:r>
+              <a:rPr sz="1800">
+                <a:latin typeface="Courier"/>
+              </a:rPr>
+              <a:t>(</a:t>
+            </a:r>
+            <a:r>
+              <a:rPr sz="1800" b="1">
+                <a:solidFill>
+                  <a:srgbClr val="007020"/>
+                </a:solidFill>
+                <a:latin typeface="Courier"/>
+              </a:rPr>
+              <a:t>aes</a:t>
+            </a:r>
+            <a:r>
+              <a:rPr sz="1800">
+                <a:latin typeface="Courier"/>
+              </a:rPr>
+              <a:t>(</a:t>
+            </a:r>
             <a:br/>
             <a:r>
               <a:rPr sz="1800">
                 <a:latin typeface="Courier"/>
               </a:rPr>
-              <a:t>cchic_long &lt;-</a:t>
-            </a:r>
+              <a:t>    </a:t>
+            </a:r>
+            <a:r>
+              <a:rPr sz="1800">
+                <a:solidFill>
+                  <a:srgbClr val="902000"/>
+                </a:solidFill>
+                <a:latin typeface="Courier"/>
+              </a:rPr>
+              <a:t>x =</a:t>
+            </a:r>
+            <a:r>
+              <a:rPr sz="1800">
+                <a:latin typeface="Courier"/>
+              </a:rPr>
+              <a:t> temp_point, </a:t>
+            </a:r>
+            <a:r>
+              <a:rPr sz="1800">
+                <a:solidFill>
+                  <a:srgbClr val="902000"/>
+                </a:solidFill>
+                <a:latin typeface="Courier"/>
+              </a:rPr>
+              <a:t>y =</a:t>
+            </a:r>
+            <a:br/>
+            <a:r>
+              <a:rPr sz="1800">
+                <a:latin typeface="Courier"/>
+              </a:rPr>
+              <a:t>      </a:t>
+            </a:r>
+            <a:r>
+              <a:rPr sz="1800" b="1">
+                <a:solidFill>
+                  <a:srgbClr val="007020"/>
+                </a:solidFill>
+                <a:latin typeface="Courier"/>
+              </a:rPr>
+              <a:t>as.numeric</a:t>
+            </a:r>
+            <a:r>
+              <a:rPr sz="1800">
+                <a:latin typeface="Courier"/>
+              </a:rPr>
+              <a:t>(temperature)</a:t>
+            </a:r>
+            <a:br/>
+            <a:r>
+              <a:rPr sz="1800">
+                <a:latin typeface="Courier"/>
+              </a:rPr>
+              <a:t>  )) </a:t>
+            </a:r>
+            <a:r>
+              <a:rPr sz="1800">
+                <a:solidFill>
+                  <a:srgbClr val="666666"/>
+                </a:solidFill>
+                <a:latin typeface="Courier"/>
+              </a:rPr>
+              <a:t>+</a:t>
+            </a:r>
+            <a:br/>
             <a:r>
               <a:rPr sz="1800">
                 <a:solidFill>
@@ -10221,31 +10199,6 @@
                 </a:solidFill>
                 <a:latin typeface="Courier"/>
               </a:rPr>
-              <a:t> </a:t>
-            </a:r>
-            <a:r>
-              <a:rPr sz="1800">
-                <a:latin typeface="Courier"/>
-              </a:rPr>
-              <a:t>cchic </a:t>
-            </a:r>
-            <a:r>
-              <a:rPr sz="1800">
-                <a:solidFill>
-                  <a:srgbClr val="666666"/>
-                </a:solidFill>
-                <a:latin typeface="Courier"/>
-              </a:rPr>
-              <a:t>%&gt;%</a:t>
-            </a:r>
-            <a:br/>
-            <a:r>
-              <a:rPr sz="1800">
-                <a:solidFill>
-                  <a:srgbClr val="4070A0"/>
-                </a:solidFill>
-                <a:latin typeface="Courier"/>
-              </a:rPr>
               <a:t>  </a:t>
             </a:r>
             <a:r>
@@ -10255,82 +10208,13 @@
                 </a:solidFill>
                 <a:latin typeface="Courier"/>
               </a:rPr>
-              <a:t>gather</a:t>
-            </a:r>
-            <a:r>
-              <a:rPr sz="1800">
-                <a:latin typeface="Courier"/>
-              </a:rPr>
-              <a:t>(</a:t>
-            </a:r>
-            <a:r>
-              <a:rPr sz="1800">
-                <a:solidFill>
-                  <a:srgbClr val="4070A0"/>
-                </a:solidFill>
-                <a:latin typeface="Courier"/>
-              </a:rPr>
-              <a:t>"temp_point"</a:t>
-            </a:r>
-            <a:r>
-              <a:rPr sz="1800">
-                <a:latin typeface="Courier"/>
-              </a:rPr>
-              <a:t>, </a:t>
-            </a:r>
-            <a:r>
-              <a:rPr sz="1800">
-                <a:solidFill>
-                  <a:srgbClr val="4070A0"/>
-                </a:solidFill>
-                <a:latin typeface="Courier"/>
-              </a:rPr>
-              <a:t>"temperature"</a:t>
-            </a:r>
-            <a:r>
-              <a:rPr sz="1800">
-                <a:latin typeface="Courier"/>
-              </a:rPr>
-              <a:t>,</a:t>
-            </a:r>
-            <a:br/>
-            <a:r>
-              <a:rPr sz="1800">
-                <a:latin typeface="Courier"/>
-              </a:rPr>
-              <a:t>  temp_c</a:t>
-            </a:r>
-            <a:r>
-              <a:rPr sz="1800">
-                <a:solidFill>
-                  <a:srgbClr val="666666"/>
-                </a:solidFill>
-                <a:latin typeface="Courier"/>
-              </a:rPr>
-              <a:t>:</a:t>
-            </a:r>
-            <a:r>
-              <a:rPr sz="1800">
-                <a:latin typeface="Courier"/>
-              </a:rPr>
-              <a:t>temp_nc)</a:t>
-            </a:r>
-            <a:br/>
-            <a:br/>
-            <a:r>
-              <a:rPr sz="1800" b="1">
-                <a:solidFill>
-                  <a:srgbClr val="007020"/>
-                </a:solidFill>
-                <a:latin typeface="Courier"/>
-              </a:rPr>
-              <a:t>names</a:t>
-            </a:r>
-            <a:r>
-              <a:rPr sz="1800">
-                <a:latin typeface="Courier"/>
-              </a:rPr>
-              <a:t>(cchic_long)</a:t>
+              <a:t>geom_boxplot</a:t>
+            </a:r>
+            <a:r>
+              <a:rPr sz="1800">
+                <a:latin typeface="Courier"/>
+              </a:rPr>
+              <a:t>()</a:t>
             </a:r>
           </a:p>
         </p:txBody>
@@ -10383,63 +10267,23 @@
             </a:pPr>
             <a:r>
               <a:rPr/>
-              <a:t>This</a:t>
-            </a:r>
-            <a:r>
-              <a:rPr/>
-              <a:t> </a:t>
-            </a:r>
-            <a:r>
-              <a:rPr/>
-              <a:t>is</a:t>
-            </a:r>
-            <a:r>
-              <a:rPr/>
-              <a:t> </a:t>
-            </a:r>
-            <a:r>
-              <a:rPr/>
-              <a:t>why</a:t>
-            </a:r>
-            <a:r>
-              <a:rPr/>
-              <a:t> </a:t>
-            </a:r>
-            <a:r>
-              <a:rPr/>
-              <a:t>we</a:t>
-            </a:r>
-            <a:r>
-              <a:rPr/>
-              <a:t> </a:t>
-            </a:r>
-            <a:r>
-              <a:rPr/>
-              <a:t>‘</a:t>
-            </a:r>
-            <a:r>
-              <a:rPr/>
-              <a:t>gathered</a:t>
-            </a:r>
-            <a:r>
-              <a:rPr/>
-              <a:t>’</a:t>
-            </a:r>
-            <a:r>
-              <a:rPr/>
-              <a:t> </a:t>
-            </a:r>
-            <a:r>
-              <a:rPr/>
-              <a:t>the</a:t>
-            </a:r>
-            <a:r>
-              <a:rPr/>
-              <a:t> </a:t>
-            </a:r>
-            <a:r>
-              <a:rPr/>
-              <a:t>data</a:t>
+              <a:t>7.</a:t>
+            </a:r>
+            <a:r>
+              <a:rPr/>
+              <a:t> </a:t>
+            </a:r>
+            <a:r>
+              <a:rPr/>
+              <a:t>Deleting</a:t>
+            </a:r>
+            <a:r>
+              <a:rPr/>
+              <a:t> </a:t>
+            </a:r>
+            <a:r>
+              <a:rPr/>
+              <a:t>columns</a:t>
             </a:r>
           </a:p>
         </p:txBody>
@@ -10465,30 +10309,67 @@
           <a:bodyPr/>
           <a:lstStyle/>
           <a:p>
+            <a:pPr lvl="0" marL="0" indent="0">
+              <a:buNone/>
+            </a:pPr>
+            <a:r>
+              <a:rPr/>
+              <a:t>What if we wanted to remove the </a:t>
+            </a:r>
+            <a:r>
+              <a:rPr sz="1800">
+                <a:latin typeface="Courier"/>
+              </a:rPr>
+              <a:t>lactate</a:t>
+            </a:r>
+            <a:r>
+              <a:rPr/>
+              <a:t> variable?</a:t>
+            </a:r>
+          </a:p>
+          <a:p>
             <a:pPr lvl="0" marL="1270000" indent="0">
               <a:buNone/>
             </a:pPr>
             <a:r>
+              <a:rPr sz="1800">
+                <a:latin typeface="Courier"/>
+              </a:rPr>
+              <a:t>cchic </a:t>
+            </a:r>
+            <a:r>
+              <a:rPr sz="1800">
+                <a:solidFill>
+                  <a:srgbClr val="666666"/>
+                </a:solidFill>
+                <a:latin typeface="Courier"/>
+              </a:rPr>
+              <a:t>%&gt;%</a:t>
+            </a:r>
+            <a:br/>
+            <a:r>
+              <a:rPr sz="1800">
+                <a:solidFill>
+                  <a:srgbClr val="4070A0"/>
+                </a:solidFill>
+                <a:latin typeface="Courier"/>
+              </a:rPr>
+              <a:t>  </a:t>
+            </a:r>
+            <a:r>
               <a:rPr sz="1800" b="1">
                 <a:solidFill>
                   <a:srgbClr val="007020"/>
                 </a:solidFill>
                 <a:latin typeface="Courier"/>
               </a:rPr>
-              <a:t>library</a:t>
-            </a:r>
-            <a:r>
-              <a:rPr sz="1800">
-                <a:latin typeface="Courier"/>
-              </a:rPr>
-              <a:t>(ggplot2)</a:t>
-            </a:r>
-            <a:br/>
-            <a:r>
-              <a:rPr sz="1800">
-                <a:latin typeface="Courier"/>
-              </a:rPr>
-              <a:t>cchic_long </a:t>
+              <a:t>select</a:t>
+            </a:r>
+            <a:r>
+              <a:rPr sz="1800">
+                <a:latin typeface="Courier"/>
+              </a:rPr>
+              <a:t>(</a:t>
             </a:r>
             <a:r>
               <a:rPr sz="1800">
@@ -10497,136 +10378,41 @@
                 </a:solidFill>
                 <a:latin typeface="Courier"/>
               </a:rPr>
-              <a:t>%&gt;%</a:t>
-            </a:r>
-            <a:r>
-              <a:rPr sz="1800">
-                <a:solidFill>
-                  <a:srgbClr val="4070A0"/>
-                </a:solidFill>
-                <a:latin typeface="Courier"/>
-              </a:rPr>
-              <a:t> </a:t>
-            </a:r>
-            <a:br/>
-            <a:r>
-              <a:rPr sz="1800">
-                <a:solidFill>
-                  <a:srgbClr val="4070A0"/>
-                </a:solidFill>
-                <a:latin typeface="Courier"/>
-              </a:rPr>
-              <a:t>  </a:t>
-            </a:r>
-            <a:r>
-              <a:rPr sz="1800" b="1">
-                <a:solidFill>
-                  <a:srgbClr val="007020"/>
-                </a:solidFill>
-                <a:latin typeface="Courier"/>
-              </a:rPr>
-              <a:t>ggplot</a:t>
-            </a:r>
-            <a:r>
-              <a:rPr sz="1800">
-                <a:latin typeface="Courier"/>
-              </a:rPr>
-              <a:t>(</a:t>
-            </a:r>
-            <a:r>
-              <a:rPr sz="1800" b="1">
-                <a:solidFill>
-                  <a:srgbClr val="007020"/>
-                </a:solidFill>
-                <a:latin typeface="Courier"/>
-              </a:rPr>
-              <a:t>aes</a:t>
-            </a:r>
-            <a:r>
-              <a:rPr sz="1800">
-                <a:latin typeface="Courier"/>
-              </a:rPr>
-              <a:t>(</a:t>
-            </a:r>
-            <a:r>
-              <a:rPr sz="1800">
-                <a:solidFill>
-                  <a:srgbClr val="902000"/>
-                </a:solidFill>
-                <a:latin typeface="Courier"/>
-              </a:rPr>
-              <a:t>x =</a:t>
-            </a:r>
-            <a:r>
-              <a:rPr sz="1800">
-                <a:latin typeface="Courier"/>
-              </a:rPr>
-              <a:t> temp_point, </a:t>
-            </a:r>
-            <a:r>
-              <a:rPr sz="1800">
-                <a:solidFill>
-                  <a:srgbClr val="902000"/>
-                </a:solidFill>
-                <a:latin typeface="Courier"/>
-              </a:rPr>
-              <a:t>y =</a:t>
-            </a:r>
-            <a:br/>
-            <a:r>
-              <a:rPr sz="1800">
-                <a:latin typeface="Courier"/>
-              </a:rPr>
-              <a:t>  </a:t>
-            </a:r>
-            <a:r>
-              <a:rPr sz="1800" b="1">
-                <a:solidFill>
-                  <a:srgbClr val="007020"/>
-                </a:solidFill>
-                <a:latin typeface="Courier"/>
-              </a:rPr>
-              <a:t>as.numeric</a:t>
-            </a:r>
-            <a:r>
-              <a:rPr sz="1800">
-                <a:latin typeface="Courier"/>
-              </a:rPr>
-              <a:t>(temperature))) </a:t>
-            </a:r>
-            <a:r>
-              <a:rPr sz="1800">
-                <a:solidFill>
-                  <a:srgbClr val="666666"/>
-                </a:solidFill>
-                <a:latin typeface="Courier"/>
-              </a:rPr>
-              <a:t>+</a:t>
-            </a:r>
-            <a:br/>
-            <a:r>
-              <a:rPr sz="1800">
-                <a:solidFill>
-                  <a:srgbClr val="4070A0"/>
-                </a:solidFill>
-                <a:latin typeface="Courier"/>
-              </a:rPr>
-              <a:t>  </a:t>
-            </a:r>
-            <a:r>
-              <a:rPr sz="1800" b="1">
-                <a:solidFill>
-                  <a:srgbClr val="007020"/>
-                </a:solidFill>
-                <a:latin typeface="Courier"/>
-              </a:rPr>
-              <a:t>geom_boxplot</a:t>
-            </a:r>
-            <a:r>
-              <a:rPr sz="1800">
-                <a:latin typeface="Courier"/>
-              </a:rPr>
-              <a:t>()</a:t>
+              <a:t>-</a:t>
+            </a:r>
+            <a:r>
+              <a:rPr sz="1800">
+                <a:latin typeface="Courier"/>
+              </a:rPr>
+              <a:t>lactate)</a:t>
+            </a:r>
+          </a:p>
+          <a:p>
+            <a:pPr lvl="0" marL="0" indent="0">
+              <a:buNone/>
+            </a:pPr>
+            <a:r>
+              <a:rPr/>
+              <a:t>The </a:t>
+            </a:r>
+            <a:r>
+              <a:rPr sz="1800">
+                <a:latin typeface="Courier"/>
+              </a:rPr>
+              <a:t>-</a:t>
+            </a:r>
+            <a:r>
+              <a:rPr/>
+              <a:t> sign means deselect here.</a:t>
+            </a:r>
+          </a:p>
+          <a:p>
+            <a:pPr lvl="0" marL="0" indent="0">
+              <a:buNone/>
+            </a:pPr>
+            <a:r>
+              <a:rPr/>
+              <a:t>Don’t forget to assign the above code to something, otherwise the output won’t be saved.</a:t>
             </a:r>
           </a:p>
         </p:txBody>
@@ -10679,23 +10465,7 @@
             </a:pPr>
             <a:r>
               <a:rPr/>
-              <a:t>7.</a:t>
-            </a:r>
-            <a:r>
-              <a:rPr/>
-              <a:t> </a:t>
-            </a:r>
-            <a:r>
-              <a:rPr/>
-              <a:t>Deleting</a:t>
-            </a:r>
-            <a:r>
-              <a:rPr/>
-              <a:t> </a:t>
-            </a:r>
-            <a:r>
-              <a:rPr/>
-              <a:t>columns</a:t>
+              <a:t>Excercise</a:t>
             </a:r>
           </a:p>
         </p:txBody>
@@ -10721,119 +10491,69 @@
           <a:bodyPr/>
           <a:lstStyle/>
           <a:p>
-            <a:pPr lvl="0" marL="0" indent="0">
-              <a:buNone/>
+            <a:pPr lvl="1">
+              <a:buAutoNum type="arabicPeriod"/>
             </a:pPr>
             <a:r>
               <a:rPr/>
-              <a:t>What if we wanted to remove the </a:t>
-            </a:r>
-            <a:r>
-              <a:rPr sz="1800">
-                <a:latin typeface="Courier"/>
-              </a:rPr>
-              <a:t>lactate</a:t>
-            </a:r>
-            <a:r>
-              <a:rPr/>
-              <a:t> variable?</a:t>
-            </a:r>
-          </a:p>
-          <a:p>
-            <a:pPr lvl="0" marL="1270000" indent="0">
-              <a:buNone/>
+              <a:t>How many patients weigh more than 70kg?</a:t>
+            </a:r>
+          </a:p>
+          <a:p>
+            <a:pPr lvl="2"/>
+            <a:r>
+              <a:rPr/>
+              <a:t>Hint- look at the </a:t>
+            </a:r>
+            <a:r>
+              <a:rPr sz="1800">
+                <a:latin typeface="Courier"/>
+              </a:rPr>
+              <a:t>n()</a:t>
+            </a:r>
+            <a:r>
+              <a:rPr/>
+              <a:t> function.</a:t>
+            </a:r>
+          </a:p>
+          <a:p>
+            <a:pPr lvl="1">
+              <a:buAutoNum type="arabicPeriod"/>
             </a:pPr>
             <a:r>
-              <a:rPr sz="1800">
-                <a:latin typeface="Courier"/>
-              </a:rPr>
-              <a:t>cchic </a:t>
-            </a:r>
-            <a:r>
-              <a:rPr sz="1800">
-                <a:solidFill>
-                  <a:srgbClr val="666666"/>
-                </a:solidFill>
-                <a:latin typeface="Courier"/>
-              </a:rPr>
-              <a:t>%&gt;%</a:t>
-            </a:r>
-            <a:r>
-              <a:rPr sz="1800">
-                <a:solidFill>
-                  <a:srgbClr val="4070A0"/>
-                </a:solidFill>
-                <a:latin typeface="Courier"/>
-              </a:rPr>
-              <a:t> </a:t>
-            </a:r>
-            <a:br/>
-            <a:r>
-              <a:rPr sz="1800">
-                <a:solidFill>
-                  <a:srgbClr val="4070A0"/>
-                </a:solidFill>
-                <a:latin typeface="Courier"/>
-              </a:rPr>
-              <a:t>  </a:t>
-            </a:r>
-            <a:r>
-              <a:rPr sz="1800" b="1">
-                <a:solidFill>
-                  <a:srgbClr val="007020"/>
-                </a:solidFill>
-                <a:latin typeface="Courier"/>
-              </a:rPr>
-              <a:t>select</a:t>
-            </a:r>
-            <a:r>
-              <a:rPr sz="1800">
-                <a:latin typeface="Courier"/>
-              </a:rPr>
-              <a:t>(</a:t>
-            </a:r>
-            <a:r>
-              <a:rPr sz="1800">
-                <a:solidFill>
-                  <a:srgbClr val="666666"/>
-                </a:solidFill>
-                <a:latin typeface="Courier"/>
-              </a:rPr>
-              <a:t>-</a:t>
-            </a:r>
-            <a:r>
-              <a:rPr sz="1800">
-                <a:latin typeface="Courier"/>
-              </a:rPr>
-              <a:t>lactate)</a:t>
-            </a:r>
-          </a:p>
-          <a:p>
-            <a:pPr lvl="0" marL="0" indent="0">
-              <a:buNone/>
-            </a:pPr>
-            <a:r>
-              <a:rPr/>
-              <a:t>The </a:t>
-            </a:r>
-            <a:r>
-              <a:rPr sz="1800">
-                <a:latin typeface="Courier"/>
-              </a:rPr>
-              <a:t>-</a:t>
-            </a:r>
-            <a:r>
-              <a:rPr/>
-              <a:t> sign means deselect here.</a:t>
-            </a:r>
-          </a:p>
-          <a:p>
-            <a:pPr lvl="0" marL="0" indent="0">
-              <a:buNone/>
-            </a:pPr>
-            <a:r>
-              <a:rPr/>
-              <a:t>Don’t forget to assign the above code to something, otherwise the output won’t be saved.</a:t>
+              <a:rPr/>
+              <a:t>Outcome of patients who were 60 years or older?</a:t>
+            </a:r>
+          </a:p>
+          <a:p>
+            <a:pPr lvl="2"/>
+            <a:r>
+              <a:rPr/>
+              <a:t>What is the mean length of stay of patients who are 60 years or older?</a:t>
+            </a:r>
+          </a:p>
+          <a:p>
+            <a:pPr lvl="2"/>
+            <a:r>
+              <a:rPr/>
+              <a:t>How many of these patients were discharged alive?</a:t>
+            </a:r>
+          </a:p>
+          <a:p>
+            <a:pPr lvl="2"/>
+            <a:r>
+              <a:rPr/>
+              <a:t>Hint - the variable </a:t>
+            </a:r>
+            <a:r>
+              <a:rPr sz="1800">
+                <a:latin typeface="Courier"/>
+              </a:rPr>
+              <a:t>vital_status</a:t>
+            </a:r>
+            <a:r>
+              <a:rPr/>
+              <a:t> indicates if the patient was alive or dead on discharge.</a:t>
             </a:r>
           </a:p>
         </p:txBody>
@@ -10886,7 +10606,55 @@
             </a:pPr>
             <a:r>
               <a:rPr/>
-              <a:t>Excercise</a:t>
+              <a:t>How</a:t>
+            </a:r>
+            <a:r>
+              <a:rPr/>
+              <a:t> </a:t>
+            </a:r>
+            <a:r>
+              <a:rPr/>
+              <a:t>many</a:t>
+            </a:r>
+            <a:r>
+              <a:rPr/>
+              <a:t> </a:t>
+            </a:r>
+            <a:r>
+              <a:rPr/>
+              <a:t>patients</a:t>
+            </a:r>
+            <a:r>
+              <a:rPr/>
+              <a:t> </a:t>
+            </a:r>
+            <a:r>
+              <a:rPr/>
+              <a:t>weigh</a:t>
+            </a:r>
+            <a:r>
+              <a:rPr/>
+              <a:t> </a:t>
+            </a:r>
+            <a:r>
+              <a:rPr/>
+              <a:t>more</a:t>
+            </a:r>
+            <a:r>
+              <a:rPr/>
+              <a:t> </a:t>
+            </a:r>
+            <a:r>
+              <a:rPr/>
+              <a:t>than</a:t>
+            </a:r>
+            <a:r>
+              <a:rPr/>
+              <a:t> </a:t>
+            </a:r>
+            <a:r>
+              <a:rPr/>
+              <a:t>70kg?</a:t>
             </a:r>
           </a:p>
         </p:txBody>
@@ -10912,69 +10680,159 @@
           <a:bodyPr/>
           <a:lstStyle/>
           <a:p>
-            <a:pPr lvl="1">
-              <a:buAutoNum type="arabicPeriod"/>
+            <a:pPr lvl="0" marL="1270000" indent="0">
+              <a:buNone/>
             </a:pPr>
             <a:r>
-              <a:rPr/>
-              <a:t>How many patients weigh more than 70kg?</a:t>
-            </a:r>
-          </a:p>
-          <a:p>
-            <a:pPr lvl="2"/>
-            <a:r>
-              <a:rPr/>
-              <a:t>Hint- look at the </a:t>
-            </a:r>
-            <a:r>
-              <a:rPr sz="1800">
-                <a:latin typeface="Courier"/>
-              </a:rPr>
-              <a:t>n()</a:t>
-            </a:r>
-            <a:r>
-              <a:rPr/>
-              <a:t> function.</a:t>
-            </a:r>
-          </a:p>
-          <a:p>
-            <a:pPr lvl="1">
-              <a:buAutoNum type="arabicPeriod"/>
+              <a:rPr sz="1800">
+                <a:latin typeface="Courier"/>
+              </a:rPr>
+              <a:t>cchic </a:t>
+            </a:r>
+            <a:r>
+              <a:rPr sz="1800">
+                <a:solidFill>
+                  <a:srgbClr val="666666"/>
+                </a:solidFill>
+                <a:latin typeface="Courier"/>
+              </a:rPr>
+              <a:t>%&gt;%</a:t>
+            </a:r>
+            <a:br/>
+            <a:r>
+              <a:rPr sz="1800">
+                <a:solidFill>
+                  <a:srgbClr val="4070A0"/>
+                </a:solidFill>
+                <a:latin typeface="Courier"/>
+              </a:rPr>
+              <a:t>  </a:t>
+            </a:r>
+            <a:r>
+              <a:rPr sz="1800" b="1">
+                <a:solidFill>
+                  <a:srgbClr val="007020"/>
+                </a:solidFill>
+                <a:latin typeface="Courier"/>
+              </a:rPr>
+              <a:t>filter</a:t>
+            </a:r>
+            <a:r>
+              <a:rPr sz="1800">
+                <a:latin typeface="Courier"/>
+              </a:rPr>
+              <a:t>(weight </a:t>
+            </a:r>
+            <a:r>
+              <a:rPr sz="1800">
+                <a:solidFill>
+                  <a:srgbClr val="666666"/>
+                </a:solidFill>
+                <a:latin typeface="Courier"/>
+              </a:rPr>
+              <a:t>&gt;</a:t>
+            </a:r>
+            <a:r>
+              <a:rPr sz="1800">
+                <a:solidFill>
+                  <a:srgbClr val="4070A0"/>
+                </a:solidFill>
+                <a:latin typeface="Courier"/>
+              </a:rPr>
+              <a:t> </a:t>
+            </a:r>
+            <a:r>
+              <a:rPr sz="1800">
+                <a:solidFill>
+                  <a:srgbClr val="40A070"/>
+                </a:solidFill>
+                <a:latin typeface="Courier"/>
+              </a:rPr>
+              <a:t>70</a:t>
+            </a:r>
+            <a:r>
+              <a:rPr sz="1800">
+                <a:latin typeface="Courier"/>
+              </a:rPr>
+              <a:t>) </a:t>
+            </a:r>
+            <a:r>
+              <a:rPr sz="1800">
+                <a:solidFill>
+                  <a:srgbClr val="666666"/>
+                </a:solidFill>
+                <a:latin typeface="Courier"/>
+              </a:rPr>
+              <a:t>%&gt;%</a:t>
+            </a:r>
+            <a:br/>
+            <a:r>
+              <a:rPr sz="1800">
+                <a:solidFill>
+                  <a:srgbClr val="4070A0"/>
+                </a:solidFill>
+                <a:latin typeface="Courier"/>
+              </a:rPr>
+              <a:t>  </a:t>
+            </a:r>
+            <a:r>
+              <a:rPr sz="1800" b="1">
+                <a:solidFill>
+                  <a:srgbClr val="007020"/>
+                </a:solidFill>
+                <a:latin typeface="Courier"/>
+              </a:rPr>
+              <a:t>summarise</a:t>
+            </a:r>
+            <a:r>
+              <a:rPr sz="1800">
+                <a:latin typeface="Courier"/>
+              </a:rPr>
+              <a:t>(</a:t>
+            </a:r>
+            <a:r>
+              <a:rPr sz="1800">
+                <a:solidFill>
+                  <a:srgbClr val="902000"/>
+                </a:solidFill>
+                <a:latin typeface="Courier"/>
+              </a:rPr>
+              <a:t>number =</a:t>
+            </a:r>
+            <a:r>
+              <a:rPr sz="1800">
+                <a:latin typeface="Courier"/>
+              </a:rPr>
+              <a:t> </a:t>
+            </a:r>
+            <a:r>
+              <a:rPr sz="1800" b="1">
+                <a:solidFill>
+                  <a:srgbClr val="007020"/>
+                </a:solidFill>
+                <a:latin typeface="Courier"/>
+              </a:rPr>
+              <a:t>n</a:t>
+            </a:r>
+            <a:r>
+              <a:rPr sz="1800">
+                <a:latin typeface="Courier"/>
+              </a:rPr>
+              <a:t>())</a:t>
+            </a:r>
+          </a:p>
+          <a:p>
+            <a:pPr lvl="0" marL="1270000" indent="0">
+              <a:buNone/>
             </a:pPr>
             <a:r>
-              <a:rPr/>
-              <a:t>Outcome of patients who were 60 years or older?</a:t>
-            </a:r>
-          </a:p>
-          <a:p>
-            <a:pPr lvl="2"/>
-            <a:r>
-              <a:rPr/>
-              <a:t>What is the mean length of stay of patients who are 60 years or older?</a:t>
-            </a:r>
-          </a:p>
-          <a:p>
-            <a:pPr lvl="2"/>
-            <a:r>
-              <a:rPr/>
-              <a:t>How many of these patients were discharged alive?</a:t>
-            </a:r>
-          </a:p>
-          <a:p>
-            <a:pPr lvl="2"/>
-            <a:r>
-              <a:rPr/>
-              <a:t>Hint - the variable </a:t>
-            </a:r>
-            <a:r>
-              <a:rPr sz="1800">
-                <a:latin typeface="Courier"/>
-              </a:rPr>
-              <a:t>vital_status</a:t>
-            </a:r>
-            <a:r>
-              <a:rPr/>
-              <a:t> indicates if the patient was alive or dead on discharge.</a:t>
+              <a:rPr sz="1800">
+                <a:latin typeface="Courier"/>
+              </a:rPr>
+              <a:t>## # A tibble: 1 x 1
+##   number
+##    &lt;int&gt;
+## 1     48</a:t>
             </a:r>
           </a:p>
         </p:txBody>
@@ -11027,15 +10885,15 @@
             </a:pPr>
             <a:r>
               <a:rPr/>
-              <a:t>How</a:t>
-            </a:r>
-            <a:r>
-              <a:rPr/>
-              <a:t> </a:t>
-            </a:r>
-            <a:r>
-              <a:rPr/>
-              <a:t>many</a:t>
+              <a:t>Outcome</a:t>
+            </a:r>
+            <a:r>
+              <a:rPr/>
+              <a:t> </a:t>
+            </a:r>
+            <a:r>
+              <a:rPr/>
+              <a:t>of</a:t>
             </a:r>
             <a:r>
               <a:rPr/>
@@ -11051,31 +10909,47 @@
             </a:r>
             <a:r>
               <a:rPr/>
-              <a:t>weigh</a:t>
-            </a:r>
-            <a:r>
-              <a:rPr/>
-              <a:t> </a:t>
-            </a:r>
-            <a:r>
-              <a:rPr/>
-              <a:t>more</a:t>
-            </a:r>
-            <a:r>
-              <a:rPr/>
-              <a:t> </a:t>
-            </a:r>
-            <a:r>
-              <a:rPr/>
-              <a:t>than</a:t>
-            </a:r>
-            <a:r>
-              <a:rPr/>
-              <a:t> </a:t>
-            </a:r>
-            <a:r>
-              <a:rPr/>
-              <a:t>70kg?</a:t>
+              <a:t>who</a:t>
+            </a:r>
+            <a:r>
+              <a:rPr/>
+              <a:t> </a:t>
+            </a:r>
+            <a:r>
+              <a:rPr/>
+              <a:t>were</a:t>
+            </a:r>
+            <a:r>
+              <a:rPr/>
+              <a:t> </a:t>
+            </a:r>
+            <a:r>
+              <a:rPr/>
+              <a:t>60</a:t>
+            </a:r>
+            <a:r>
+              <a:rPr/>
+              <a:t> </a:t>
+            </a:r>
+            <a:r>
+              <a:rPr/>
+              <a:t>years</a:t>
+            </a:r>
+            <a:r>
+              <a:rPr/>
+              <a:t> </a:t>
+            </a:r>
+            <a:r>
+              <a:rPr/>
+              <a:t>or</a:t>
+            </a:r>
+            <a:r>
+              <a:rPr/>
+              <a:t> </a:t>
+            </a:r>
+            <a:r>
+              <a:rPr/>
+              <a:t>older.</a:t>
             </a:r>
           </a:p>
         </p:txBody>
@@ -11105,6 +10979,16 @@
               <a:buNone/>
             </a:pPr>
             <a:r>
+              <a:rPr sz="1800" i="1">
+                <a:solidFill>
+                  <a:srgbClr val="60A0B0"/>
+                </a:solidFill>
+                <a:latin typeface="Courier"/>
+              </a:rPr>
+              <a:t># Mean length of stay</a:t>
+            </a:r>
+            <a:br/>
+            <a:r>
               <a:rPr sz="1800">
                 <a:latin typeface="Courier"/>
               </a:rPr>
@@ -11119,6 +11003,7 @@
               </a:rPr>
               <a:t>%&gt;%</a:t>
             </a:r>
+            <a:br/>
             <a:r>
               <a:rPr sz="1800">
                 <a:solidFill>
@@ -11126,7 +11011,64 @@
                 </a:solidFill>
                 <a:latin typeface="Courier"/>
               </a:rPr>
-              <a:t> </a:t>
+              <a:t>  </a:t>
+            </a:r>
+            <a:r>
+              <a:rPr sz="1800" b="1">
+                <a:solidFill>
+                  <a:srgbClr val="007020"/>
+                </a:solidFill>
+                <a:latin typeface="Courier"/>
+              </a:rPr>
+              <a:t>filter</a:t>
+            </a:r>
+            <a:r>
+              <a:rPr sz="1800">
+                <a:latin typeface="Courier"/>
+              </a:rPr>
+              <a:t>(age_years </a:t>
+            </a:r>
+            <a:r>
+              <a:rPr sz="1800">
+                <a:solidFill>
+                  <a:srgbClr val="666666"/>
+                </a:solidFill>
+                <a:latin typeface="Courier"/>
+              </a:rPr>
+              <a:t>&gt;=</a:t>
+            </a:r>
+            <a:r>
+              <a:rPr sz="1800">
+                <a:solidFill>
+                  <a:srgbClr val="4070A0"/>
+                </a:solidFill>
+                <a:latin typeface="Courier"/>
+              </a:rPr>
+              <a:t> </a:t>
+            </a:r>
+            <a:r>
+              <a:rPr sz="1800">
+                <a:solidFill>
+                  <a:srgbClr val="40A070"/>
+                </a:solidFill>
+                <a:latin typeface="Courier"/>
+              </a:rPr>
+              <a:t>60</a:t>
+            </a:r>
+            <a:r>
+              <a:rPr sz="1800">
+                <a:latin typeface="Courier"/>
+              </a:rPr>
+              <a:t>) </a:t>
+            </a:r>
+            <a:r>
+              <a:rPr sz="1800">
+                <a:solidFill>
+                  <a:srgbClr val="666666"/>
+                </a:solidFill>
+                <a:latin typeface="Courier"/>
+              </a:rPr>
+              <a:t>%&gt;%</a:t>
             </a:r>
             <a:br/>
             <a:r>
@@ -11145,13 +11087,128 @@
                 </a:solidFill>
                 <a:latin typeface="Courier"/>
               </a:rPr>
+              <a:t>summarise</a:t>
+            </a:r>
+            <a:r>
+              <a:rPr sz="1800">
+                <a:latin typeface="Courier"/>
+              </a:rPr>
+              <a:t>(</a:t>
+            </a:r>
+            <a:r>
+              <a:rPr sz="1800">
+                <a:solidFill>
+                  <a:srgbClr val="902000"/>
+                </a:solidFill>
+                <a:latin typeface="Courier"/>
+              </a:rPr>
+              <a:t>los =</a:t>
+            </a:r>
+            <a:r>
+              <a:rPr sz="1800">
+                <a:latin typeface="Courier"/>
+              </a:rPr>
+              <a:t> </a:t>
+            </a:r>
+            <a:r>
+              <a:rPr sz="1800" b="1">
+                <a:solidFill>
+                  <a:srgbClr val="007020"/>
+                </a:solidFill>
+                <a:latin typeface="Courier"/>
+              </a:rPr>
+              <a:t>mean</a:t>
+            </a:r>
+            <a:r>
+              <a:rPr sz="1800">
+                <a:latin typeface="Courier"/>
+              </a:rPr>
+              <a:t>(los, </a:t>
+            </a:r>
+            <a:r>
+              <a:rPr sz="1800">
+                <a:solidFill>
+                  <a:srgbClr val="902000"/>
+                </a:solidFill>
+                <a:latin typeface="Courier"/>
+              </a:rPr>
+              <a:t>na.rm =</a:t>
+            </a:r>
+            <a:r>
+              <a:rPr sz="1800">
+                <a:latin typeface="Courier"/>
+              </a:rPr>
+              <a:t> </a:t>
+            </a:r>
+            <a:r>
+              <a:rPr sz="1800">
+                <a:solidFill>
+                  <a:srgbClr val="007020"/>
+                </a:solidFill>
+                <a:latin typeface="Courier"/>
+              </a:rPr>
+              <a:t>TRUE</a:t>
+            </a:r>
+            <a:r>
+              <a:rPr sz="1800">
+                <a:latin typeface="Courier"/>
+              </a:rPr>
+              <a:t>))</a:t>
+            </a:r>
+          </a:p>
+          <a:p>
+            <a:pPr lvl="0" marL="1270000" indent="0">
+              <a:buNone/>
+            </a:pPr>
+            <a:r>
+              <a:rPr sz="1800" i="1">
+                <a:solidFill>
+                  <a:srgbClr val="60A0B0"/>
+                </a:solidFill>
+                <a:latin typeface="Courier"/>
+              </a:rPr>
+              <a:t># Number of people alive at discharge.</a:t>
+            </a:r>
+            <a:br/>
+            <a:r>
+              <a:rPr sz="1800">
+                <a:latin typeface="Courier"/>
+              </a:rPr>
+              <a:t>cchic </a:t>
+            </a:r>
+            <a:r>
+              <a:rPr sz="1800">
+                <a:solidFill>
+                  <a:srgbClr val="666666"/>
+                </a:solidFill>
+                <a:latin typeface="Courier"/>
+              </a:rPr>
+              <a:t>%&gt;%</a:t>
+            </a:r>
+            <a:br/>
+            <a:r>
+              <a:rPr sz="1800">
+                <a:solidFill>
+                  <a:srgbClr val="4070A0"/>
+                </a:solidFill>
+                <a:latin typeface="Courier"/>
+              </a:rPr>
+              <a:t>  </a:t>
+            </a:r>
+            <a:r>
+              <a:rPr sz="1800" b="1">
+                <a:solidFill>
+                  <a:srgbClr val="007020"/>
+                </a:solidFill>
+                <a:latin typeface="Courier"/>
+              </a:rPr>
               <a:t>filter</a:t>
             </a:r>
             <a:r>
               <a:rPr sz="1800">
                 <a:latin typeface="Courier"/>
               </a:rPr>
-              <a:t>(weight </a:t>
+              <a:t>(age_years </a:t>
             </a:r>
             <a:r>
               <a:rPr sz="1800">
@@ -11160,7 +11217,7 @@
                 </a:solidFill>
                 <a:latin typeface="Courier"/>
               </a:rPr>
-              <a:t>&gt;</a:t>
+              <a:t>&gt;=</a:t>
             </a:r>
             <a:r>
               <a:rPr sz="1800">
@@ -11178,7 +11235,7 @@
                 </a:solidFill>
                 <a:latin typeface="Courier"/>
               </a:rPr>
-              <a:t>70</a:t>
+              <a:t>60</a:t>
             </a:r>
             <a:r>
               <a:rPr sz="1800">
@@ -11195,6 +11252,7 @@
               </a:rPr>
               <a:t>%&gt;%</a:t>
             </a:r>
+            <a:br/>
             <a:r>
               <a:rPr sz="1800">
                 <a:solidFill>
@@ -11202,7 +11260,31 @@
                 </a:solidFill>
                 <a:latin typeface="Courier"/>
               </a:rPr>
-              <a:t> </a:t>
+              <a:t>  </a:t>
+            </a:r>
+            <a:r>
+              <a:rPr sz="1800" b="1">
+                <a:solidFill>
+                  <a:srgbClr val="007020"/>
+                </a:solidFill>
+                <a:latin typeface="Courier"/>
+              </a:rPr>
+              <a:t>select</a:t>
+            </a:r>
+            <a:r>
+              <a:rPr sz="1800">
+                <a:latin typeface="Courier"/>
+              </a:rPr>
+              <a:t>(vital_status) </a:t>
+            </a:r>
+            <a:r>
+              <a:rPr sz="1800">
+                <a:solidFill>
+                  <a:srgbClr val="666666"/>
+                </a:solidFill>
+                <a:latin typeface="Courier"/>
+              </a:rPr>
+              <a:t>%&gt;%</a:t>
             </a:r>
             <a:br/>
             <a:r>
@@ -11221,553 +11303,26 @@
                 </a:solidFill>
                 <a:latin typeface="Courier"/>
               </a:rPr>
-              <a:t>summarise</a:t>
-            </a:r>
-            <a:r>
-              <a:rPr sz="1800">
-                <a:latin typeface="Courier"/>
-              </a:rPr>
-              <a:t>(</a:t>
-            </a:r>
-            <a:r>
-              <a:rPr sz="1800">
-                <a:solidFill>
-                  <a:srgbClr val="902000"/>
-                </a:solidFill>
-                <a:latin typeface="Courier"/>
-              </a:rPr>
-              <a:t>number =</a:t>
-            </a:r>
-            <a:r>
-              <a:rPr sz="1800">
-                <a:latin typeface="Courier"/>
-              </a:rPr>
-              <a:t> </a:t>
-            </a:r>
-            <a:r>
-              <a:rPr sz="1800" b="1">
-                <a:solidFill>
-                  <a:srgbClr val="007020"/>
-                </a:solidFill>
-                <a:latin typeface="Courier"/>
-              </a:rPr>
-              <a:t>n</a:t>
-            </a:r>
-            <a:r>
-              <a:rPr sz="1800">
-                <a:latin typeface="Courier"/>
-              </a:rPr>
-              <a:t>())</a:t>
-            </a:r>
-          </a:p>
-        </p:txBody>
-      </p:sp>
-    </p:spTree>
-  </p:cSld>
-</p:sld>
-</file>
-
-<file path=ppt/slides/slide38.xml><?xml version="1.0" encoding="utf-8"?>
-<p:sld xmlns:a="http://schemas.openxmlformats.org/drawingml/2006/main" xmlns:r="http://schemas.openxmlformats.org/officeDocument/2006/relationships" xmlns:p="http://schemas.openxmlformats.org/presentationml/2006/main">
-  <p:cSld>
-    <p:spTree>
-      <p:nvGrpSpPr>
-        <p:cNvPr id="1" name=""/>
-        <p:cNvGrpSpPr/>
-        <p:nvPr/>
-      </p:nvGrpSpPr>
-      <p:grpSpPr>
-        <a:xfrm>
-          <a:off x="0" y="0"/>
-          <a:ext cx="0" cy="0"/>
-          <a:chOff x="0" y="0"/>
-          <a:chExt cx="0" cy="0"/>
-        </a:xfrm>
-      </p:grpSpPr>
-      <p:sp>
-        <p:nvSpPr>
-          <p:cNvPr id="2" name="Title 1">
-            <a:extLst>
-              <a:ext uri="{FF2B5EF4-FFF2-40B4-BE49-F238E27FC236}">
-                <a16:creationId xmlns:a16="http://schemas.microsoft.com/office/drawing/2014/main" id="{5567D468-EE70-CD4E-A3AC-039CC11EF1FB}"/>
-              </a:ext>
-            </a:extLst>
-          </p:cNvPr>
-          <p:cNvSpPr>
-            <a:spLocks noGrp="1"/>
-          </p:cNvSpPr>
-          <p:nvPr>
-            <p:ph type="title"/>
-          </p:nvPr>
-        </p:nvSpPr>
-        <p:spPr/>
-        <p:txBody>
-          <a:bodyPr/>
-          <a:lstStyle/>
-          <a:p>
-            <a:pPr lvl="0" marL="0" indent="0">
+              <a:t>table</a:t>
+            </a:r>
+            <a:r>
+              <a:rPr sz="1800">
+                <a:latin typeface="Courier"/>
+              </a:rPr>
+              <a:t>()</a:t>
+            </a:r>
+          </a:p>
+          <a:p>
+            <a:pPr lvl="0" marL="1270000" indent="0">
               <a:buNone/>
             </a:pPr>
             <a:r>
-              <a:rPr/>
-              <a:t>Outcome</a:t>
-            </a:r>
-            <a:r>
-              <a:rPr/>
-              <a:t> </a:t>
-            </a:r>
-            <a:r>
-              <a:rPr/>
-              <a:t>of</a:t>
-            </a:r>
-            <a:r>
-              <a:rPr/>
-              <a:t> </a:t>
-            </a:r>
-            <a:r>
-              <a:rPr/>
-              <a:t>patients</a:t>
-            </a:r>
-            <a:r>
-              <a:rPr/>
-              <a:t> </a:t>
-            </a:r>
-            <a:r>
-              <a:rPr/>
-              <a:t>who</a:t>
-            </a:r>
-            <a:r>
-              <a:rPr/>
-              <a:t> </a:t>
-            </a:r>
-            <a:r>
-              <a:rPr/>
-              <a:t>were</a:t>
-            </a:r>
-            <a:r>
-              <a:rPr/>
-              <a:t> </a:t>
-            </a:r>
-            <a:r>
-              <a:rPr/>
-              <a:t>60</a:t>
-            </a:r>
-            <a:r>
-              <a:rPr/>
-              <a:t> </a:t>
-            </a:r>
-            <a:r>
-              <a:rPr/>
-              <a:t>years</a:t>
-            </a:r>
-            <a:r>
-              <a:rPr/>
-              <a:t> </a:t>
-            </a:r>
-            <a:r>
-              <a:rPr/>
-              <a:t>or</a:t>
-            </a:r>
-            <a:r>
-              <a:rPr/>
-              <a:t> </a:t>
-            </a:r>
-            <a:r>
-              <a:rPr/>
-              <a:t>older.</a:t>
-            </a:r>
-          </a:p>
-        </p:txBody>
-      </p:sp>
-      <p:sp>
-        <p:nvSpPr>
-          <p:cNvPr id="3" name="Content Placeholder 2">
-            <a:extLst>
-              <a:ext uri="{FF2B5EF4-FFF2-40B4-BE49-F238E27FC236}">
-                <a16:creationId xmlns:a16="http://schemas.microsoft.com/office/drawing/2014/main" id="{D10DDA37-E46B-B641-BC9F-636CB92A2C08}"/>
-              </a:ext>
-            </a:extLst>
-          </p:cNvPr>
-          <p:cNvSpPr>
-            <a:spLocks noGrp="1"/>
-          </p:cNvSpPr>
-          <p:nvPr>
-            <p:ph idx="1"/>
-          </p:nvPr>
-        </p:nvSpPr>
-        <p:spPr/>
-        <p:txBody>
-          <a:bodyPr/>
-          <a:lstStyle/>
-          <a:p>
-            <a:pPr lvl="0" marL="1270000" indent="0">
-              <a:buNone/>
-            </a:pPr>
-            <a:r>
-              <a:rPr sz="1800" i="1">
-                <a:solidFill>
-                  <a:srgbClr val="60A0B0"/>
-                </a:solidFill>
-                <a:latin typeface="Courier"/>
-              </a:rPr>
-              <a:t># Mean length of stay</a:t>
-            </a:r>
-            <a:br/>
-            <a:r>
-              <a:rPr sz="1800">
-                <a:latin typeface="Courier"/>
-              </a:rPr>
-              <a:t>cchic </a:t>
-            </a:r>
-            <a:r>
-              <a:rPr sz="1800">
-                <a:solidFill>
-                  <a:srgbClr val="666666"/>
-                </a:solidFill>
-                <a:latin typeface="Courier"/>
-              </a:rPr>
-              <a:t>%&gt;%</a:t>
-            </a:r>
-            <a:r>
-              <a:rPr sz="1800">
-                <a:solidFill>
-                  <a:srgbClr val="4070A0"/>
-                </a:solidFill>
-                <a:latin typeface="Courier"/>
-              </a:rPr>
-              <a:t> </a:t>
-            </a:r>
-            <a:br/>
-            <a:r>
-              <a:rPr sz="1800">
-                <a:solidFill>
-                  <a:srgbClr val="4070A0"/>
-                </a:solidFill>
-                <a:latin typeface="Courier"/>
-              </a:rPr>
-              <a:t>  </a:t>
-            </a:r>
-            <a:r>
-              <a:rPr sz="1800" b="1">
-                <a:solidFill>
-                  <a:srgbClr val="007020"/>
-                </a:solidFill>
-                <a:latin typeface="Courier"/>
-              </a:rPr>
-              <a:t>filter</a:t>
-            </a:r>
-            <a:r>
-              <a:rPr sz="1800">
-                <a:latin typeface="Courier"/>
-              </a:rPr>
-              <a:t>(age_years </a:t>
-            </a:r>
-            <a:r>
-              <a:rPr sz="1800">
-                <a:solidFill>
-                  <a:srgbClr val="666666"/>
-                </a:solidFill>
-                <a:latin typeface="Courier"/>
-              </a:rPr>
-              <a:t>&gt;=</a:t>
-            </a:r>
-            <a:r>
-              <a:rPr sz="1800">
-                <a:solidFill>
-                  <a:srgbClr val="4070A0"/>
-                </a:solidFill>
-                <a:latin typeface="Courier"/>
-              </a:rPr>
-              <a:t> </a:t>
-            </a:r>
-            <a:r>
-              <a:rPr sz="1800">
-                <a:solidFill>
-                  <a:srgbClr val="40A070"/>
-                </a:solidFill>
-                <a:latin typeface="Courier"/>
-              </a:rPr>
-              <a:t>60</a:t>
-            </a:r>
-            <a:r>
-              <a:rPr sz="1800">
-                <a:latin typeface="Courier"/>
-              </a:rPr>
-              <a:t>) </a:t>
-            </a:r>
-            <a:r>
-              <a:rPr sz="1800">
-                <a:solidFill>
-                  <a:srgbClr val="666666"/>
-                </a:solidFill>
-                <a:latin typeface="Courier"/>
-              </a:rPr>
-              <a:t>%&gt;%</a:t>
-            </a:r>
-            <a:r>
-              <a:rPr sz="1800">
-                <a:solidFill>
-                  <a:srgbClr val="4070A0"/>
-                </a:solidFill>
-                <a:latin typeface="Courier"/>
-              </a:rPr>
-              <a:t> </a:t>
-            </a:r>
-            <a:br/>
-            <a:r>
-              <a:rPr sz="1800">
-                <a:solidFill>
-                  <a:srgbClr val="4070A0"/>
-                </a:solidFill>
-                <a:latin typeface="Courier"/>
-              </a:rPr>
-              <a:t>  </a:t>
-            </a:r>
-            <a:r>
-              <a:rPr sz="1800" b="1">
-                <a:solidFill>
-                  <a:srgbClr val="007020"/>
-                </a:solidFill>
-                <a:latin typeface="Courier"/>
-              </a:rPr>
-              <a:t>summarise</a:t>
-            </a:r>
-            <a:r>
-              <a:rPr sz="1800">
-                <a:latin typeface="Courier"/>
-              </a:rPr>
-              <a:t>(</a:t>
-            </a:r>
-            <a:r>
-              <a:rPr sz="1800">
-                <a:solidFill>
-                  <a:srgbClr val="902000"/>
-                </a:solidFill>
-                <a:latin typeface="Courier"/>
-              </a:rPr>
-              <a:t>los =</a:t>
-            </a:r>
-            <a:r>
-              <a:rPr sz="1800">
-                <a:latin typeface="Courier"/>
-              </a:rPr>
-              <a:t> </a:t>
-            </a:r>
-            <a:r>
-              <a:rPr sz="1800" b="1">
-                <a:solidFill>
-                  <a:srgbClr val="007020"/>
-                </a:solidFill>
-                <a:latin typeface="Courier"/>
-              </a:rPr>
-              <a:t>mean</a:t>
-            </a:r>
-            <a:r>
-              <a:rPr sz="1800">
-                <a:latin typeface="Courier"/>
-              </a:rPr>
-              <a:t>(los, </a:t>
-            </a:r>
-            <a:r>
-              <a:rPr sz="1800">
-                <a:solidFill>
-                  <a:srgbClr val="902000"/>
-                </a:solidFill>
-                <a:latin typeface="Courier"/>
-              </a:rPr>
-              <a:t>na.rm =</a:t>
-            </a:r>
-            <a:r>
-              <a:rPr sz="1800">
-                <a:latin typeface="Courier"/>
-              </a:rPr>
-              <a:t> </a:t>
-            </a:r>
-            <a:r>
-              <a:rPr sz="1800">
-                <a:solidFill>
-                  <a:srgbClr val="007020"/>
-                </a:solidFill>
-                <a:latin typeface="Courier"/>
-              </a:rPr>
-              <a:t>TRUE</a:t>
-            </a:r>
-            <a:r>
-              <a:rPr sz="1800">
-                <a:latin typeface="Courier"/>
-              </a:rPr>
-              <a:t>))</a:t>
-            </a:r>
-            <a:br/>
-            <a:br/>
-            <a:r>
-              <a:rPr sz="1800" i="1">
-                <a:solidFill>
-                  <a:srgbClr val="60A0B0"/>
-                </a:solidFill>
-                <a:latin typeface="Courier"/>
-              </a:rPr>
-              <a:t># Number of people alive at discharge.</a:t>
-            </a:r>
-            <a:br/>
-            <a:r>
-              <a:rPr sz="1800">
-                <a:latin typeface="Courier"/>
-              </a:rPr>
-              <a:t>cchic </a:t>
-            </a:r>
-            <a:r>
-              <a:rPr sz="1800">
-                <a:solidFill>
-                  <a:srgbClr val="666666"/>
-                </a:solidFill>
-                <a:latin typeface="Courier"/>
-              </a:rPr>
-              <a:t>%&gt;%</a:t>
-            </a:r>
-            <a:r>
-              <a:rPr sz="1800">
-                <a:solidFill>
-                  <a:srgbClr val="4070A0"/>
-                </a:solidFill>
-                <a:latin typeface="Courier"/>
-              </a:rPr>
-              <a:t> </a:t>
-            </a:r>
-            <a:br/>
-            <a:r>
-              <a:rPr sz="1800">
-                <a:solidFill>
-                  <a:srgbClr val="4070A0"/>
-                </a:solidFill>
-                <a:latin typeface="Courier"/>
-              </a:rPr>
-              <a:t>  </a:t>
-            </a:r>
-            <a:r>
-              <a:rPr sz="1800" b="1">
-                <a:solidFill>
-                  <a:srgbClr val="007020"/>
-                </a:solidFill>
-                <a:latin typeface="Courier"/>
-              </a:rPr>
-              <a:t>filter</a:t>
-            </a:r>
-            <a:r>
-              <a:rPr sz="1800">
-                <a:latin typeface="Courier"/>
-              </a:rPr>
-              <a:t>(age_years </a:t>
-            </a:r>
-            <a:r>
-              <a:rPr sz="1800">
-                <a:solidFill>
-                  <a:srgbClr val="666666"/>
-                </a:solidFill>
-                <a:latin typeface="Courier"/>
-              </a:rPr>
-              <a:t>&gt;=</a:t>
-            </a:r>
-            <a:r>
-              <a:rPr sz="1800">
-                <a:solidFill>
-                  <a:srgbClr val="40A070"/>
-                </a:solidFill>
-                <a:latin typeface="Courier"/>
-              </a:rPr>
-              <a:t>60</a:t>
-            </a:r>
-            <a:r>
-              <a:rPr sz="1800">
-                <a:latin typeface="Courier"/>
-              </a:rPr>
-              <a:t>) </a:t>
-            </a:r>
-            <a:r>
-              <a:rPr sz="1800">
-                <a:solidFill>
-                  <a:srgbClr val="666666"/>
-                </a:solidFill>
-                <a:latin typeface="Courier"/>
-              </a:rPr>
-              <a:t>%&gt;%</a:t>
-            </a:r>
-            <a:r>
-              <a:rPr sz="1800">
-                <a:solidFill>
-                  <a:srgbClr val="4070A0"/>
-                </a:solidFill>
-                <a:latin typeface="Courier"/>
-              </a:rPr>
-              <a:t> </a:t>
-            </a:r>
-            <a:br/>
-            <a:r>
-              <a:rPr sz="1800">
-                <a:solidFill>
-                  <a:srgbClr val="4070A0"/>
-                </a:solidFill>
-                <a:latin typeface="Courier"/>
-              </a:rPr>
-              <a:t>  </a:t>
-            </a:r>
-            <a:r>
-              <a:rPr sz="1800" b="1">
-                <a:solidFill>
-                  <a:srgbClr val="007020"/>
-                </a:solidFill>
-                <a:latin typeface="Courier"/>
-              </a:rPr>
-              <a:t>select</a:t>
-            </a:r>
-            <a:r>
-              <a:rPr sz="1800">
-                <a:latin typeface="Courier"/>
-              </a:rPr>
-              <a:t>(vital_status) </a:t>
-            </a:r>
-            <a:r>
-              <a:rPr sz="1800">
-                <a:solidFill>
-                  <a:srgbClr val="666666"/>
-                </a:solidFill>
-                <a:latin typeface="Courier"/>
-              </a:rPr>
-              <a:t>%&gt;%</a:t>
-            </a:r>
-            <a:r>
-              <a:rPr sz="1800">
-                <a:solidFill>
-                  <a:srgbClr val="4070A0"/>
-                </a:solidFill>
-                <a:latin typeface="Courier"/>
-              </a:rPr>
-              <a:t> </a:t>
-            </a:r>
-            <a:br/>
-            <a:r>
-              <a:rPr sz="1800">
-                <a:solidFill>
-                  <a:srgbClr val="4070A0"/>
-                </a:solidFill>
-                <a:latin typeface="Courier"/>
-              </a:rPr>
-              <a:t>  </a:t>
-            </a:r>
-            <a:r>
-              <a:rPr sz="1800" b="1">
-                <a:solidFill>
-                  <a:srgbClr val="007020"/>
-                </a:solidFill>
-                <a:latin typeface="Courier"/>
-              </a:rPr>
-              <a:t>table</a:t>
-            </a:r>
-            <a:r>
-              <a:rPr sz="1800">
-                <a:latin typeface="Courier"/>
-              </a:rPr>
-              <a:t>()</a:t>
+              <a:rPr sz="1800">
+                <a:latin typeface="Courier"/>
+              </a:rPr>
+              <a:t>## .
+##  A  D 
+## 59  8</a:t>
             </a:r>
           </a:p>
         </p:txBody>
@@ -11820,47 +11375,31 @@
             </a:pPr>
             <a:r>
               <a:rPr/>
-              <a:t>Another</a:t>
-            </a:r>
-            <a:r>
-              <a:rPr/>
-              <a:t> </a:t>
-            </a:r>
-            <a:r>
-              <a:rPr/>
-              <a:t>way</a:t>
-            </a:r>
-            <a:r>
-              <a:rPr/>
-              <a:t> </a:t>
-            </a:r>
-            <a:r>
-              <a:rPr/>
-              <a:t>to</a:t>
-            </a:r>
-            <a:r>
-              <a:rPr/>
-              <a:t> </a:t>
-            </a:r>
-            <a:r>
-              <a:rPr/>
-              <a:t>think</a:t>
-            </a:r>
-            <a:r>
-              <a:rPr/>
-              <a:t> </a:t>
-            </a:r>
-            <a:r>
-              <a:rPr/>
-              <a:t>of</a:t>
-            </a:r>
-            <a:r>
-              <a:rPr/>
-              <a:t> </a:t>
-            </a:r>
-            <a:r>
-              <a:rPr/>
-              <a:t>it…</a:t>
+              <a:t>What</a:t>
+            </a:r>
+            <a:r>
+              <a:rPr/>
+              <a:t> </a:t>
+            </a:r>
+            <a:r>
+              <a:rPr/>
+              <a:t>is</a:t>
+            </a:r>
+            <a:r>
+              <a:rPr/>
+              <a:t> </a:t>
+            </a:r>
+            <a:r>
+              <a:rPr/>
+              <a:t>data</a:t>
+            </a:r>
+            <a:r>
+              <a:rPr/>
+              <a:t> </a:t>
+            </a:r>
+            <a:r>
+              <a:rPr/>
+              <a:t>wrangling?</a:t>
             </a:r>
           </a:p>
         </p:txBody>
@@ -11889,21 +11428,42 @@
             <a:pPr lvl="1"/>
             <a:r>
               <a:rPr/>
-              <a:t>Taking raw data</a:t>
+              <a:t>Transforming raw data into a form you can use for analysis</a:t>
             </a:r>
           </a:p>
           <a:p>
             <a:pPr lvl="1"/>
             <a:r>
               <a:rPr/>
-              <a:t>Subjecting it to processes along a data pipeline</a:t>
-            </a:r>
-          </a:p>
-          <a:p>
-            <a:pPr lvl="1"/>
-            <a:r>
-              <a:rPr/>
-              <a:t>You can then use your processed data for analysis</a:t>
+              <a:t>Includes</a:t>
+            </a:r>
+          </a:p>
+          <a:p>
+            <a:pPr lvl="2"/>
+            <a:r>
+              <a:rPr/>
+              <a:t>Cleaning data (Workshop 2)</a:t>
+            </a:r>
+          </a:p>
+          <a:p>
+            <a:pPr lvl="2"/>
+            <a:r>
+              <a:rPr/>
+              <a:t>Organising it into a structure that allows you to analyse it.</a:t>
+            </a:r>
+          </a:p>
+          <a:p>
+            <a:pPr lvl="2"/>
+            <a:r>
+              <a:rPr/>
+              <a:t>Creating derived variables from raw data</a:t>
+            </a:r>
+          </a:p>
+          <a:p>
+            <a:pPr lvl="2"/>
+            <a:r>
+              <a:rPr/>
+              <a:t>Validating the data</a:t>
             </a:r>
           </a:p>
         </p:txBody>
@@ -11914,6 +11474,142 @@
 </file>
 
 <file path=ppt/slides/slide5.xml><?xml version="1.0" encoding="utf-8"?>
+<p:sld xmlns:a="http://schemas.openxmlformats.org/drawingml/2006/main" xmlns:r="http://schemas.openxmlformats.org/officeDocument/2006/relationships" xmlns:p="http://schemas.openxmlformats.org/presentationml/2006/main">
+  <p:cSld>
+    <p:spTree>
+      <p:nvGrpSpPr>
+        <p:cNvPr id="1" name=""/>
+        <p:cNvGrpSpPr/>
+        <p:nvPr/>
+      </p:nvGrpSpPr>
+      <p:grpSpPr>
+        <a:xfrm>
+          <a:off x="0" y="0"/>
+          <a:ext cx="0" cy="0"/>
+          <a:chOff x="0" y="0"/>
+          <a:chExt cx="0" cy="0"/>
+        </a:xfrm>
+      </p:grpSpPr>
+      <p:sp>
+        <p:nvSpPr>
+          <p:cNvPr id="2" name="Title 1">
+            <a:extLst>
+              <a:ext uri="{FF2B5EF4-FFF2-40B4-BE49-F238E27FC236}">
+                <a16:creationId xmlns:a16="http://schemas.microsoft.com/office/drawing/2014/main" id="{5567D468-EE70-CD4E-A3AC-039CC11EF1FB}"/>
+              </a:ext>
+            </a:extLst>
+          </p:cNvPr>
+          <p:cNvSpPr>
+            <a:spLocks noGrp="1"/>
+          </p:cNvSpPr>
+          <p:nvPr>
+            <p:ph type="title"/>
+          </p:nvPr>
+        </p:nvSpPr>
+        <p:spPr/>
+        <p:txBody>
+          <a:bodyPr/>
+          <a:lstStyle/>
+          <a:p>
+            <a:pPr lvl="0" marL="0" indent="0">
+              <a:buNone/>
+            </a:pPr>
+            <a:r>
+              <a:rPr/>
+              <a:t>Another</a:t>
+            </a:r>
+            <a:r>
+              <a:rPr/>
+              <a:t> </a:t>
+            </a:r>
+            <a:r>
+              <a:rPr/>
+              <a:t>way</a:t>
+            </a:r>
+            <a:r>
+              <a:rPr/>
+              <a:t> </a:t>
+            </a:r>
+            <a:r>
+              <a:rPr/>
+              <a:t>to</a:t>
+            </a:r>
+            <a:r>
+              <a:rPr/>
+              <a:t> </a:t>
+            </a:r>
+            <a:r>
+              <a:rPr/>
+              <a:t>think</a:t>
+            </a:r>
+            <a:r>
+              <a:rPr/>
+              <a:t> </a:t>
+            </a:r>
+            <a:r>
+              <a:rPr/>
+              <a:t>of</a:t>
+            </a:r>
+            <a:r>
+              <a:rPr/>
+              <a:t> </a:t>
+            </a:r>
+            <a:r>
+              <a:rPr/>
+              <a:t>it…</a:t>
+            </a:r>
+          </a:p>
+        </p:txBody>
+      </p:sp>
+      <p:sp>
+        <p:nvSpPr>
+          <p:cNvPr id="3" name="Content Placeholder 2">
+            <a:extLst>
+              <a:ext uri="{FF2B5EF4-FFF2-40B4-BE49-F238E27FC236}">
+                <a16:creationId xmlns:a16="http://schemas.microsoft.com/office/drawing/2014/main" id="{D10DDA37-E46B-B641-BC9F-636CB92A2C08}"/>
+              </a:ext>
+            </a:extLst>
+          </p:cNvPr>
+          <p:cNvSpPr>
+            <a:spLocks noGrp="1"/>
+          </p:cNvSpPr>
+          <p:nvPr>
+            <p:ph idx="1"/>
+          </p:nvPr>
+        </p:nvSpPr>
+        <p:spPr/>
+        <p:txBody>
+          <a:bodyPr/>
+          <a:lstStyle/>
+          <a:p>
+            <a:pPr lvl="1"/>
+            <a:r>
+              <a:rPr/>
+              <a:t>Taking raw data</a:t>
+            </a:r>
+          </a:p>
+          <a:p>
+            <a:pPr lvl="1"/>
+            <a:r>
+              <a:rPr/>
+              <a:t>Subjecting it to processes along a data pipeline</a:t>
+            </a:r>
+          </a:p>
+          <a:p>
+            <a:pPr lvl="1"/>
+            <a:r>
+              <a:rPr/>
+              <a:t>You can then use your processed data for analysis</a:t>
+            </a:r>
+          </a:p>
+        </p:txBody>
+      </p:sp>
+    </p:spTree>
+  </p:cSld>
+</p:sld>
+</file>
+
+<file path=ppt/slides/slide6.xml><?xml version="1.0" encoding="utf-8"?>
 <p:sld xmlns:a="http://schemas.openxmlformats.org/drawingml/2006/main" xmlns:r="http://schemas.openxmlformats.org/officeDocument/2006/relationships" xmlns:p="http://schemas.openxmlformats.org/presentationml/2006/main">
   <p:cSld>
     <p:spTree>
@@ -11965,161 +11661,6 @@
 </p:sld>
 </file>
 
-<file path=ppt/slides/slide6.xml><?xml version="1.0" encoding="utf-8"?>
-<p:sld xmlns:a="http://schemas.openxmlformats.org/drawingml/2006/main" xmlns:r="http://schemas.openxmlformats.org/officeDocument/2006/relationships" xmlns:p="http://schemas.openxmlformats.org/presentationml/2006/main">
-  <p:cSld>
-    <p:spTree>
-      <p:nvGrpSpPr>
-        <p:cNvPr id="1" name=""/>
-        <p:cNvGrpSpPr/>
-        <p:nvPr/>
-      </p:nvGrpSpPr>
-      <p:grpSpPr>
-        <a:xfrm>
-          <a:off x="0" y="0"/>
-          <a:ext cx="0" cy="0"/>
-          <a:chOff x="0" y="0"/>
-          <a:chExt cx="0" cy="0"/>
-        </a:xfrm>
-      </p:grpSpPr>
-      <p:sp>
-        <p:nvSpPr>
-          <p:cNvPr id="2" name="Title 1">
-            <a:extLst>
-              <a:ext uri="{FF2B5EF4-FFF2-40B4-BE49-F238E27FC236}">
-                <a16:creationId xmlns:a16="http://schemas.microsoft.com/office/drawing/2014/main" id="{5567D468-EE70-CD4E-A3AC-039CC11EF1FB}"/>
-              </a:ext>
-            </a:extLst>
-          </p:cNvPr>
-          <p:cNvSpPr>
-            <a:spLocks noGrp="1"/>
-          </p:cNvSpPr>
-          <p:nvPr>
-            <p:ph type="title"/>
-          </p:nvPr>
-        </p:nvSpPr>
-        <p:spPr/>
-        <p:txBody>
-          <a:bodyPr/>
-          <a:lstStyle/>
-          <a:p>
-            <a:pPr lvl="0" marL="0" indent="0">
-              <a:buNone/>
-            </a:pPr>
-            <a:r>
-              <a:rPr/>
-              <a:t>Load</a:t>
-            </a:r>
-            <a:r>
-              <a:rPr/>
-              <a:t> </a:t>
-            </a:r>
-            <a:r>
-              <a:rPr/>
-              <a:t>dplyr</a:t>
-            </a:r>
-          </a:p>
-        </p:txBody>
-      </p:sp>
-      <p:sp>
-        <p:nvSpPr>
-          <p:cNvPr id="3" name="Content Placeholder 2">
-            <a:extLst>
-              <a:ext uri="{FF2B5EF4-FFF2-40B4-BE49-F238E27FC236}">
-                <a16:creationId xmlns:a16="http://schemas.microsoft.com/office/drawing/2014/main" id="{D10DDA37-E46B-B641-BC9F-636CB92A2C08}"/>
-              </a:ext>
-            </a:extLst>
-          </p:cNvPr>
-          <p:cNvSpPr>
-            <a:spLocks noGrp="1"/>
-          </p:cNvSpPr>
-          <p:nvPr>
-            <p:ph idx="1"/>
-          </p:nvPr>
-        </p:nvSpPr>
-        <p:spPr/>
-        <p:txBody>
-          <a:bodyPr/>
-          <a:lstStyle/>
-          <a:p>
-            <a:pPr lvl="0" marL="1270000" indent="0">
-              <a:buNone/>
-            </a:pPr>
-            <a:r>
-              <a:rPr sz="1800" i="1">
-                <a:solidFill>
-                  <a:srgbClr val="60A0B0"/>
-                </a:solidFill>
-                <a:latin typeface="Courier"/>
-              </a:rPr>
-              <a:t># You only need to install the package once.</a:t>
-            </a:r>
-            <a:br/>
-            <a:r>
-              <a:rPr sz="1800" b="1">
-                <a:solidFill>
-                  <a:srgbClr val="007020"/>
-                </a:solidFill>
-                <a:latin typeface="Courier"/>
-              </a:rPr>
-              <a:t>install.packages</a:t>
-            </a:r>
-            <a:r>
-              <a:rPr sz="1800">
-                <a:latin typeface="Courier"/>
-              </a:rPr>
-              <a:t>(</a:t>
-            </a:r>
-            <a:r>
-              <a:rPr sz="1800">
-                <a:solidFill>
-                  <a:srgbClr val="4070A0"/>
-                </a:solidFill>
-                <a:latin typeface="Courier"/>
-              </a:rPr>
-              <a:t>"dplyr"</a:t>
-            </a:r>
-            <a:r>
-              <a:rPr sz="1800">
-                <a:latin typeface="Courier"/>
-              </a:rPr>
-              <a:t>)</a:t>
-            </a:r>
-            <a:br/>
-            <a:br/>
-            <a:r>
-              <a:rPr sz="1800" i="1">
-                <a:solidFill>
-                  <a:srgbClr val="60A0B0"/>
-                </a:solidFill>
-                <a:latin typeface="Courier"/>
-              </a:rPr>
-              <a:t># You need to load the package each time you open R.</a:t>
-            </a:r>
-            <a:br/>
-            <a:r>
-              <a:rPr sz="1800" b="1">
-                <a:solidFill>
-                  <a:srgbClr val="007020"/>
-                </a:solidFill>
-                <a:latin typeface="Courier"/>
-              </a:rPr>
-              <a:t>library</a:t>
-            </a:r>
-            <a:r>
-              <a:rPr sz="1800">
-                <a:latin typeface="Courier"/>
-              </a:rPr>
-              <a:t>(dplyr)</a:t>
-            </a:r>
-          </a:p>
-        </p:txBody>
-      </p:sp>
-    </p:spTree>
-  </p:cSld>
-</p:sld>
-</file>
-
 <file path=ppt/slides/slide7.xml><?xml version="1.0" encoding="utf-8"?>
 <p:sld xmlns:a="http://schemas.openxmlformats.org/drawingml/2006/main" xmlns:r="http://schemas.openxmlformats.org/officeDocument/2006/relationships" xmlns:p="http://schemas.openxmlformats.org/presentationml/2006/main">
   <p:cSld>
@@ -12171,7 +11712,7 @@
             </a:r>
             <a:r>
               <a:rPr/>
-              <a:t>data</a:t>
+              <a:t>dplyr</a:t>
             </a:r>
           </a:p>
         </p:txBody>
@@ -12197,18 +11738,75 @@
           <a:bodyPr/>
           <a:lstStyle/>
           <a:p>
-            <a:pPr lvl="0" marL="0" indent="0">
+            <a:pPr lvl="0" marL="1270000" indent="0">
               <a:buNone/>
             </a:pPr>
             <a:r>
-              <a:rPr/>
-              <a:t>Load data from the file you created earlier. The data frame should be called </a:t>
-            </a:r>
-            <a:r>
-              <a:rPr sz="1800">
-                <a:latin typeface="Courier"/>
-              </a:rPr>
-              <a:t>cchic</a:t>
+              <a:rPr sz="1800" i="1">
+                <a:solidFill>
+                  <a:srgbClr val="60A0B0"/>
+                </a:solidFill>
+                <a:latin typeface="Courier"/>
+              </a:rPr>
+              <a:t># You only need to install the package once.</a:t>
+            </a:r>
+            <a:br/>
+            <a:r>
+              <a:rPr sz="1800" b="1">
+                <a:solidFill>
+                  <a:srgbClr val="007020"/>
+                </a:solidFill>
+                <a:latin typeface="Courier"/>
+              </a:rPr>
+              <a:t>install.packages</a:t>
+            </a:r>
+            <a:r>
+              <a:rPr sz="1800">
+                <a:latin typeface="Courier"/>
+              </a:rPr>
+              <a:t>(</a:t>
+            </a:r>
+            <a:r>
+              <a:rPr sz="1800">
+                <a:solidFill>
+                  <a:srgbClr val="4070A0"/>
+                </a:solidFill>
+                <a:latin typeface="Courier"/>
+              </a:rPr>
+              <a:t>"dplyr"</a:t>
+            </a:r>
+            <a:r>
+              <a:rPr sz="1800">
+                <a:latin typeface="Courier"/>
+              </a:rPr>
+              <a:t>)</a:t>
+            </a:r>
+            <a:br/>
+            <a:br/>
+            <a:r>
+              <a:rPr sz="1800" i="1">
+                <a:solidFill>
+                  <a:srgbClr val="60A0B0"/>
+                </a:solidFill>
+                <a:latin typeface="Courier"/>
+              </a:rPr>
+              <a:t># You need to load the package each time you open R.</a:t>
+            </a:r>
+            <a:br/>
+            <a:r>
+              <a:rPr sz="1800" b="1">
+                <a:solidFill>
+                  <a:srgbClr val="007020"/>
+                </a:solidFill>
+                <a:latin typeface="Courier"/>
+              </a:rPr>
+              <a:t>library</a:t>
+            </a:r>
+            <a:r>
+              <a:rPr sz="1800">
+                <a:latin typeface="Courier"/>
+              </a:rPr>
+              <a:t>(dplyr)</a:t>
             </a:r>
           </a:p>
         </p:txBody>
@@ -12219,6 +11817,104 @@
 </file>
 
 <file path=ppt/slides/slide8.xml><?xml version="1.0" encoding="utf-8"?>
+<p:sld xmlns:a="http://schemas.openxmlformats.org/drawingml/2006/main" xmlns:r="http://schemas.openxmlformats.org/officeDocument/2006/relationships" xmlns:p="http://schemas.openxmlformats.org/presentationml/2006/main">
+  <p:cSld>
+    <p:spTree>
+      <p:nvGrpSpPr>
+        <p:cNvPr id="1" name=""/>
+        <p:cNvGrpSpPr/>
+        <p:nvPr/>
+      </p:nvGrpSpPr>
+      <p:grpSpPr>
+        <a:xfrm>
+          <a:off x="0" y="0"/>
+          <a:ext cx="0" cy="0"/>
+          <a:chOff x="0" y="0"/>
+          <a:chExt cx="0" cy="0"/>
+        </a:xfrm>
+      </p:grpSpPr>
+      <p:sp>
+        <p:nvSpPr>
+          <p:cNvPr id="2" name="Title 1">
+            <a:extLst>
+              <a:ext uri="{FF2B5EF4-FFF2-40B4-BE49-F238E27FC236}">
+                <a16:creationId xmlns:a16="http://schemas.microsoft.com/office/drawing/2014/main" id="{5567D468-EE70-CD4E-A3AC-039CC11EF1FB}"/>
+              </a:ext>
+            </a:extLst>
+          </p:cNvPr>
+          <p:cNvSpPr>
+            <a:spLocks noGrp="1"/>
+          </p:cNvSpPr>
+          <p:nvPr>
+            <p:ph type="title"/>
+          </p:nvPr>
+        </p:nvSpPr>
+        <p:spPr/>
+        <p:txBody>
+          <a:bodyPr/>
+          <a:lstStyle/>
+          <a:p>
+            <a:pPr lvl="0" marL="0" indent="0">
+              <a:buNone/>
+            </a:pPr>
+            <a:r>
+              <a:rPr/>
+              <a:t>Load</a:t>
+            </a:r>
+            <a:r>
+              <a:rPr/>
+              <a:t> </a:t>
+            </a:r>
+            <a:r>
+              <a:rPr/>
+              <a:t>data</a:t>
+            </a:r>
+          </a:p>
+        </p:txBody>
+      </p:sp>
+      <p:sp>
+        <p:nvSpPr>
+          <p:cNvPr id="3" name="Content Placeholder 2">
+            <a:extLst>
+              <a:ext uri="{FF2B5EF4-FFF2-40B4-BE49-F238E27FC236}">
+                <a16:creationId xmlns:a16="http://schemas.microsoft.com/office/drawing/2014/main" id="{D10DDA37-E46B-B641-BC9F-636CB92A2C08}"/>
+              </a:ext>
+            </a:extLst>
+          </p:cNvPr>
+          <p:cNvSpPr>
+            <a:spLocks noGrp="1"/>
+          </p:cNvSpPr>
+          <p:nvPr>
+            <p:ph idx="1"/>
+          </p:nvPr>
+        </p:nvSpPr>
+        <p:spPr/>
+        <p:txBody>
+          <a:bodyPr/>
+          <a:lstStyle/>
+          <a:p>
+            <a:pPr lvl="0" marL="0" indent="0">
+              <a:buNone/>
+            </a:pPr>
+            <a:r>
+              <a:rPr/>
+              <a:t>Load data from the file you created earlier. The data frame should be called </a:t>
+            </a:r>
+            <a:r>
+              <a:rPr sz="1800">
+                <a:latin typeface="Courier"/>
+              </a:rPr>
+              <a:t>cchic</a:t>
+            </a:r>
+          </a:p>
+        </p:txBody>
+      </p:sp>
+    </p:spTree>
+  </p:cSld>
+</p:sld>
+</file>
+
+<file path=ppt/slides/slide9.xml><?xml version="1.0" encoding="utf-8"?>
 <p:sld xmlns:a="http://schemas.openxmlformats.org/drawingml/2006/main" xmlns:r="http://schemas.openxmlformats.org/officeDocument/2006/relationships" xmlns:p="http://schemas.openxmlformats.org/presentationml/2006/main">
   <p:cSld>
     <p:spTree>
@@ -12376,194 +12072,6 @@
           </a:ln>
         </p:spPr>
       </p:pic>
-    </p:spTree>
-  </p:cSld>
-</p:sld>
-</file>
-
-<file path=ppt/slides/slide9.xml><?xml version="1.0" encoding="utf-8"?>
-<p:sld xmlns:a="http://schemas.openxmlformats.org/drawingml/2006/main" xmlns:r="http://schemas.openxmlformats.org/officeDocument/2006/relationships" xmlns:p="http://schemas.openxmlformats.org/presentationml/2006/main">
-  <p:cSld>
-    <p:spTree>
-      <p:nvGrpSpPr>
-        <p:cNvPr id="1" name=""/>
-        <p:cNvGrpSpPr/>
-        <p:nvPr/>
-      </p:nvGrpSpPr>
-      <p:grpSpPr>
-        <a:xfrm>
-          <a:off x="0" y="0"/>
-          <a:ext cx="0" cy="0"/>
-          <a:chOff x="0" y="0"/>
-          <a:chExt cx="0" cy="0"/>
-        </a:xfrm>
-      </p:grpSpPr>
-      <p:sp>
-        <p:nvSpPr>
-          <p:cNvPr id="2" name="Title 1">
-            <a:extLst>
-              <a:ext uri="{FF2B5EF4-FFF2-40B4-BE49-F238E27FC236}">
-                <a16:creationId xmlns:a16="http://schemas.microsoft.com/office/drawing/2014/main" id="{5567D468-EE70-CD4E-A3AC-039CC11EF1FB}"/>
-              </a:ext>
-            </a:extLst>
-          </p:cNvPr>
-          <p:cNvSpPr>
-            <a:spLocks noGrp="1"/>
-          </p:cNvSpPr>
-          <p:nvPr>
-            <p:ph type="title"/>
-          </p:nvPr>
-        </p:nvSpPr>
-        <p:spPr/>
-        <p:txBody>
-          <a:bodyPr/>
-          <a:lstStyle/>
-          <a:p>
-            <a:pPr lvl="0" marL="0" indent="0">
-              <a:buNone/>
-            </a:pPr>
-            <a:r>
-              <a:rPr/>
-              <a:t>Logical</a:t>
-            </a:r>
-            <a:r>
-              <a:rPr/>
-              <a:t> </a:t>
-            </a:r>
-            <a:r>
-              <a:rPr/>
-              <a:t>operators</a:t>
-            </a:r>
-          </a:p>
-        </p:txBody>
-      </p:sp>
-      <p:sp>
-        <p:nvSpPr>
-          <p:cNvPr id="3" name="Content Placeholder 2">
-            <a:extLst>
-              <a:ext uri="{FF2B5EF4-FFF2-40B4-BE49-F238E27FC236}">
-                <a16:creationId xmlns:a16="http://schemas.microsoft.com/office/drawing/2014/main" id="{D10DDA37-E46B-B641-BC9F-636CB92A2C08}"/>
-              </a:ext>
-            </a:extLst>
-          </p:cNvPr>
-          <p:cNvSpPr>
-            <a:spLocks noGrp="1"/>
-          </p:cNvSpPr>
-          <p:nvPr>
-            <p:ph idx="1"/>
-          </p:nvPr>
-        </p:nvSpPr>
-        <p:spPr/>
-        <p:txBody>
-          <a:bodyPr/>
-          <a:lstStyle/>
-          <a:p>
-            <a:pPr lvl="1"/>
-            <a:r>
-              <a:rPr/>
-              <a:t>You use them to compare values</a:t>
-            </a:r>
-          </a:p>
-          <a:p>
-            <a:pPr lvl="2"/>
-            <a:r>
-              <a:rPr sz="1800">
-                <a:latin typeface="Courier"/>
-              </a:rPr>
-              <a:t>==</a:t>
-            </a:r>
-            <a:r>
-              <a:rPr/>
-              <a:t> (equal to)</a:t>
-            </a:r>
-          </a:p>
-          <a:p>
-            <a:pPr lvl="2"/>
-            <a:r>
-              <a:rPr sz="1800">
-                <a:latin typeface="Courier"/>
-              </a:rPr>
-              <a:t>!=</a:t>
-            </a:r>
-            <a:r>
-              <a:rPr/>
-              <a:t> (not equal to)</a:t>
-            </a:r>
-          </a:p>
-          <a:p>
-            <a:pPr lvl="2"/>
-            <a:r>
-              <a:rPr sz="1800">
-                <a:latin typeface="Courier"/>
-              </a:rPr>
-              <a:t>&gt;, &lt;</a:t>
-            </a:r>
-            <a:r>
-              <a:rPr/>
-              <a:t> (greater than, less than)</a:t>
-            </a:r>
-          </a:p>
-          <a:p>
-            <a:pPr lvl="2"/>
-            <a:r>
-              <a:rPr sz="1800">
-                <a:latin typeface="Courier"/>
-              </a:rPr>
-              <a:t>&gt;=, &lt;=</a:t>
-            </a:r>
-            <a:r>
-              <a:rPr/>
-              <a:t> (greater than or equal to, less than or equal to)</a:t>
-            </a:r>
-          </a:p>
-          <a:p>
-            <a:pPr lvl="2"/>
-            <a:r>
-              <a:rPr sz="1800">
-                <a:latin typeface="Courier"/>
-              </a:rPr>
-              <a:t>is.na()</a:t>
-            </a:r>
-            <a:r>
-              <a:rPr/>
-              <a:t> (is the value missing)</a:t>
-            </a:r>
-          </a:p>
-          <a:p>
-            <a:pPr lvl="1"/>
-            <a:r>
-              <a:rPr/>
-              <a:t>More than one condition?</a:t>
-            </a:r>
-          </a:p>
-          <a:p>
-            <a:pPr lvl="2"/>
-            <a:r>
-              <a:rPr sz="1800">
-                <a:latin typeface="Courier"/>
-              </a:rPr>
-              <a:t>&amp;</a:t>
-            </a:r>
-            <a:r>
-              <a:rPr/>
-              <a:t> (and)</a:t>
-            </a:r>
-          </a:p>
-          <a:p>
-            <a:pPr lvl="2"/>
-            <a:r>
-              <a:rPr sz="1800">
-                <a:latin typeface="Courier"/>
-              </a:rPr>
-              <a:t>|</a:t>
-            </a:r>
-            <a:r>
-              <a:rPr/>
-              <a:t> (or)</a:t>
-            </a:r>
-          </a:p>
-        </p:txBody>
-      </p:sp>
     </p:spTree>
   </p:cSld>
 </p:sld>
